--- a/05-scheduling-scans-reports.pptx
+++ b/05-scheduling-scans-reports.pptx
@@ -6,10 +6,10 @@
     <p:sldMasterId id="2147483847" r:id="rId6"/>
   </p:sldMasterIdLst>
   <p:notesMasterIdLst>
-    <p:notesMasterId r:id="rId32"/>
+    <p:notesMasterId r:id="rId29"/>
   </p:notesMasterIdLst>
   <p:handoutMasterIdLst>
-    <p:handoutMasterId r:id="rId33"/>
+    <p:handoutMasterId r:id="rId30"/>
   </p:handoutMasterIdLst>
   <p:sldIdLst>
     <p:sldId id="256" r:id="rId7"/>
@@ -27,16 +27,13 @@
     <p:sldId id="324" r:id="rId19"/>
     <p:sldId id="333" r:id="rId20"/>
     <p:sldId id="315" r:id="rId21"/>
-    <p:sldId id="329" r:id="rId22"/>
-    <p:sldId id="327" r:id="rId23"/>
-    <p:sldId id="326" r:id="rId24"/>
-    <p:sldId id="272" r:id="rId25"/>
-    <p:sldId id="278" r:id="rId26"/>
-    <p:sldId id="316" r:id="rId27"/>
-    <p:sldId id="332" r:id="rId28"/>
-    <p:sldId id="301" r:id="rId29"/>
-    <p:sldId id="276" r:id="rId30"/>
-    <p:sldId id="267" r:id="rId31"/>
+    <p:sldId id="327" r:id="rId22"/>
+    <p:sldId id="326" r:id="rId23"/>
+    <p:sldId id="335" r:id="rId24"/>
+    <p:sldId id="316" r:id="rId25"/>
+    <p:sldId id="332" r:id="rId26"/>
+    <p:sldId id="276" r:id="rId27"/>
+    <p:sldId id="267" r:id="rId28"/>
   </p:sldIdLst>
   <p:sldSz cx="16256000" cy="9144000"/>
   <p:notesSz cx="6858000" cy="9144000"/>
@@ -1016,2230 +1013,6 @@
 </p:notes>
 </file>
 
-<file path=ppt/notesSlides/notesSlide10.xml><?xml version="1.0" encoding="utf-8"?>
-<p:notes xmlns:a="http://schemas.openxmlformats.org/drawingml/2006/main" xmlns:r="http://schemas.openxmlformats.org/officeDocument/2006/relationships" xmlns:p="http://schemas.openxmlformats.org/presentationml/2006/main">
-  <p:cSld>
-    <p:spTree>
-      <p:nvGrpSpPr>
-        <p:cNvPr id="1" name=""/>
-        <p:cNvGrpSpPr/>
-        <p:nvPr/>
-      </p:nvGrpSpPr>
-      <p:grpSpPr>
-        <a:xfrm>
-          <a:off x="0" y="0"/>
-          <a:ext cx="0" cy="0"/>
-          <a:chOff x="0" y="0"/>
-          <a:chExt cx="0" cy="0"/>
-        </a:xfrm>
-      </p:grpSpPr>
-      <p:sp>
-        <p:nvSpPr>
-          <p:cNvPr id="2" name="Slide Image Placeholder 1"/>
-          <p:cNvSpPr>
-            <a:spLocks noGrp="1" noRot="1" noChangeAspect="1"/>
-          </p:cNvSpPr>
-          <p:nvPr>
-            <p:ph type="sldImg"/>
-          </p:nvPr>
-        </p:nvSpPr>
-        <p:spPr/>
-      </p:sp>
-      <p:sp>
-        <p:nvSpPr>
-          <p:cNvPr id="3" name="Notes Placeholder 2"/>
-          <p:cNvSpPr>
-            <a:spLocks noGrp="1"/>
-          </p:cNvSpPr>
-          <p:nvPr>
-            <p:ph type="body" idx="1"/>
-          </p:nvPr>
-        </p:nvSpPr>
-        <p:spPr/>
-        <p:txBody>
-          <a:bodyPr>
-            <a:normAutofit fontScale="25000" lnSpcReduction="20000"/>
-          </a:bodyPr>
-          <a:lstStyle/>
-          <a:p>
-            <a:r>
-              <a:rPr lang="en-US" dirty="0" smtClean="0">
-                <a:effectLst/>
-              </a:rPr>
-              <a:t>Hi Dominik....Is there a document that explains a use case for running scheduled scans?</a:t>
-            </a:r>
-            <a:r>
-              <a:rPr lang="en-US" i="1" dirty="0" smtClean="0">
-                <a:effectLst/>
-              </a:rPr>
-              <a:t/>
-            </a:r>
-            <a:br>
-              <a:rPr lang="en-US" i="1" dirty="0" smtClean="0">
-                <a:effectLst/>
-              </a:rPr>
-            </a:br>
-            <a:endParaRPr lang="en-US" dirty="0" smtClean="0">
-              <a:effectLst/>
-            </a:endParaRPr>
-          </a:p>
-          <a:p>
-            <a:r>
-              <a:rPr lang="en-US" sz="1200" u="none" strike="noStrike" kern="1200" dirty="0" smtClean="0">
-                <a:solidFill>
-                  <a:schemeClr val="tx1"/>
-                </a:solidFill>
-                <a:effectLst/>
-                <a:latin typeface="Arial" panose="020B0604020202020204" pitchFamily="34" charset="0"/>
-                <a:ea typeface="ＭＳ Ｐゴシック" charset="0"/>
-                <a:cs typeface="Arial" panose="020B0604020202020204" pitchFamily="34" charset="0"/>
-                <a:hlinkClick r:id="rId3" tooltip="Today at 9:31:29 AM&#10;Click to open in archives"/>
-              </a:rPr>
-              <a:t>​</a:t>
-            </a:r>
-            <a:r>
-              <a:rPr lang="en-US" sz="1200" i="1" u="none" strike="noStrike" kern="1200" dirty="0" smtClean="0">
-                <a:solidFill>
-                  <a:schemeClr val="tx1"/>
-                </a:solidFill>
-                <a:effectLst/>
-                <a:latin typeface="Arial" panose="020B0604020202020204" pitchFamily="34" charset="0"/>
-                <a:ea typeface="ＭＳ Ｐゴシック" charset="0"/>
-                <a:cs typeface="Arial" panose="020B0604020202020204" pitchFamily="34" charset="0"/>
-                <a:hlinkClick r:id="rId3" tooltip="Today at 9:31:29 AM&#10;Click to open in archives"/>
-              </a:rPr>
-              <a:t>[</a:t>
-            </a:r>
-            <a:r>
-              <a:rPr lang="en-US" sz="1200" u="none" strike="noStrike" kern="1200" dirty="0" smtClean="0">
-                <a:solidFill>
-                  <a:schemeClr val="tx1"/>
-                </a:solidFill>
-                <a:effectLst/>
-                <a:latin typeface="Arial" panose="020B0604020202020204" pitchFamily="34" charset="0"/>
-                <a:ea typeface="ＭＳ Ｐゴシック" charset="0"/>
-                <a:cs typeface="Arial" panose="020B0604020202020204" pitchFamily="34" charset="0"/>
-                <a:hlinkClick r:id="rId3" tooltip="Today at 9:31:29 AM&#10;Click to open in archives"/>
-              </a:rPr>
-              <a:t>9:31 AM</a:t>
-            </a:r>
-            <a:r>
-              <a:rPr lang="en-US" sz="1200" i="1" u="none" strike="noStrike" kern="1200" dirty="0" smtClean="0">
-                <a:solidFill>
-                  <a:schemeClr val="tx1"/>
-                </a:solidFill>
-                <a:effectLst/>
-                <a:latin typeface="Arial" panose="020B0604020202020204" pitchFamily="34" charset="0"/>
-                <a:ea typeface="ＭＳ Ｐゴシック" charset="0"/>
-                <a:cs typeface="Arial" panose="020B0604020202020204" pitchFamily="34" charset="0"/>
-                <a:hlinkClick r:id="rId3" tooltip="Today at 9:31:29 AM&#10;Click to open in archives"/>
-              </a:rPr>
-              <a:t>]</a:t>
-            </a:r>
-            <a:r>
-              <a:rPr lang="en-US" dirty="0" smtClean="0">
-                <a:effectLst/>
-              </a:rPr>
-              <a:t> </a:t>
-            </a:r>
-          </a:p>
-          <a:p>
-            <a:r>
-              <a:rPr lang="en-US" sz="1200" b="1" u="none" strike="noStrike" kern="1200" dirty="0" err="1" smtClean="0">
-                <a:solidFill>
-                  <a:schemeClr val="tx1"/>
-                </a:solidFill>
-                <a:effectLst/>
-                <a:latin typeface="Arial" panose="020B0604020202020204" pitchFamily="34" charset="0"/>
-                <a:ea typeface="ＭＳ Ｐゴシック" charset="0"/>
-                <a:cs typeface="Arial" panose="020B0604020202020204" pitchFamily="34" charset="0"/>
-                <a:hlinkClick r:id="rId4"/>
-              </a:rPr>
-              <a:t>dominik</a:t>
-            </a:r>
-            <a:r>
-              <a:rPr lang="en-US" dirty="0" smtClean="0">
-                <a:effectLst/>
-              </a:rPr>
-              <a:t> Not really right now :</a:t>
-            </a:r>
-            <a:r>
-              <a:rPr lang="en-US" dirty="0" err="1" smtClean="0">
-                <a:effectLst/>
-              </a:rPr>
-              <a:t>simple_smile</a:t>
-            </a:r>
-            <a:r>
-              <a:rPr lang="en-US" dirty="0" smtClean="0">
-                <a:effectLst/>
-              </a:rPr>
-              <a:t>: We have them included, but their functionality is still a bit limited in the UI. what are you interested in ?</a:t>
-            </a:r>
-            <a:r>
-              <a:rPr lang="en-US" i="1" dirty="0" smtClean="0">
-                <a:effectLst/>
-              </a:rPr>
-              <a:t/>
-            </a:r>
-            <a:br>
-              <a:rPr lang="en-US" i="1" dirty="0" smtClean="0">
-                <a:effectLst/>
-              </a:rPr>
-            </a:br>
-            <a:endParaRPr lang="en-US" dirty="0" smtClean="0">
-              <a:effectLst/>
-            </a:endParaRPr>
-          </a:p>
-          <a:p>
-            <a:r>
-              <a:rPr lang="en-US" sz="1200" u="none" strike="noStrike" kern="1200" dirty="0" smtClean="0">
-                <a:solidFill>
-                  <a:schemeClr val="tx1"/>
-                </a:solidFill>
-                <a:effectLst/>
-                <a:latin typeface="Arial" panose="020B0604020202020204" pitchFamily="34" charset="0"/>
-                <a:ea typeface="ＭＳ Ｐゴシック" charset="0"/>
-                <a:cs typeface="Arial" panose="020B0604020202020204" pitchFamily="34" charset="0"/>
-                <a:hlinkClick r:id="rId5"/>
-              </a:rPr>
-              <a:t>​</a:t>
-            </a:r>
-            <a:r>
-              <a:rPr lang="en-US" sz="1200" i="1" u="none" strike="noStrike" kern="1200" dirty="0" smtClean="0">
-                <a:solidFill>
-                  <a:schemeClr val="tx1"/>
-                </a:solidFill>
-                <a:effectLst/>
-                <a:latin typeface="Arial" panose="020B0604020202020204" pitchFamily="34" charset="0"/>
-                <a:ea typeface="ＭＳ Ｐゴシック" charset="0"/>
-                <a:cs typeface="Arial" panose="020B0604020202020204" pitchFamily="34" charset="0"/>
-                <a:hlinkClick r:id="rId5"/>
-              </a:rPr>
-              <a:t>[</a:t>
-            </a:r>
-            <a:r>
-              <a:rPr lang="en-US" sz="1200" u="none" strike="noStrike" kern="1200" dirty="0" smtClean="0">
-                <a:solidFill>
-                  <a:schemeClr val="tx1"/>
-                </a:solidFill>
-                <a:effectLst/>
-                <a:latin typeface="Arial" panose="020B0604020202020204" pitchFamily="34" charset="0"/>
-                <a:ea typeface="ＭＳ Ｐゴシック" charset="0"/>
-                <a:cs typeface="Arial" panose="020B0604020202020204" pitchFamily="34" charset="0"/>
-                <a:hlinkClick r:id="rId5"/>
-              </a:rPr>
-              <a:t>9:32 AM</a:t>
-            </a:r>
-            <a:r>
-              <a:rPr lang="en-US" sz="1200" i="1" u="none" strike="noStrike" kern="1200" dirty="0" smtClean="0">
-                <a:solidFill>
-                  <a:schemeClr val="tx1"/>
-                </a:solidFill>
-                <a:effectLst/>
-                <a:latin typeface="Arial" panose="020B0604020202020204" pitchFamily="34" charset="0"/>
-                <a:ea typeface="ＭＳ Ｐゴシック" charset="0"/>
-                <a:cs typeface="Arial" panose="020B0604020202020204" pitchFamily="34" charset="0"/>
-                <a:hlinkClick r:id="rId5"/>
-              </a:rPr>
-              <a:t>]</a:t>
-            </a:r>
-            <a:r>
-              <a:rPr lang="en-US" dirty="0" smtClean="0">
-                <a:effectLst/>
-              </a:rPr>
-              <a:t> </a:t>
-            </a:r>
-          </a:p>
-          <a:p>
-            <a:r>
-              <a:rPr lang="en-US" sz="1200" b="1" u="none" strike="noStrike" kern="1200" dirty="0" err="1" smtClean="0">
-                <a:solidFill>
-                  <a:schemeClr val="tx1"/>
-                </a:solidFill>
-                <a:effectLst/>
-                <a:latin typeface="Arial" panose="020B0604020202020204" pitchFamily="34" charset="0"/>
-                <a:ea typeface="ＭＳ Ｐゴシック" charset="0"/>
-                <a:cs typeface="Arial" panose="020B0604020202020204" pitchFamily="34" charset="0"/>
-                <a:hlinkClick r:id="rId6"/>
-              </a:rPr>
-              <a:t>steve_delfante</a:t>
-            </a:r>
-            <a:r>
-              <a:rPr lang="en-US" dirty="0" smtClean="0">
-                <a:effectLst/>
-              </a:rPr>
-              <a:t> I wrote a short lab on how to schedule scans and read the results but I gave no reason why someone would want to schedule a scan rather than do one on the fly.</a:t>
-            </a:r>
-            <a:r>
-              <a:rPr lang="en-US" sz="1200" kern="1200" dirty="0" smtClean="0">
-                <a:solidFill>
-                  <a:schemeClr val="tx1"/>
-                </a:solidFill>
-                <a:effectLst/>
-                <a:latin typeface="Arial" panose="020B0604020202020204" pitchFamily="34" charset="0"/>
-                <a:ea typeface="ＭＳ Ｐゴシック" charset="0"/>
-                <a:cs typeface="Arial" panose="020B0604020202020204" pitchFamily="34" charset="0"/>
-              </a:rPr>
-              <a:t>(edited)</a:t>
-            </a:r>
-            <a:r>
-              <a:rPr lang="en-US" i="1" dirty="0" smtClean="0">
-                <a:effectLst/>
-              </a:rPr>
-              <a:t/>
-            </a:r>
-            <a:br>
-              <a:rPr lang="en-US" i="1" dirty="0" smtClean="0">
-                <a:effectLst/>
-              </a:rPr>
-            </a:br>
-            <a:endParaRPr lang="en-US" dirty="0" smtClean="0">
-              <a:effectLst/>
-            </a:endParaRPr>
-          </a:p>
-          <a:p>
-            <a:r>
-              <a:rPr lang="en-US" sz="1200" u="none" strike="noStrike" kern="1200" dirty="0" smtClean="0">
-                <a:solidFill>
-                  <a:schemeClr val="tx1"/>
-                </a:solidFill>
-                <a:effectLst/>
-                <a:latin typeface="Arial" panose="020B0604020202020204" pitchFamily="34" charset="0"/>
-                <a:ea typeface="ＭＳ Ｐゴシック" charset="0"/>
-                <a:cs typeface="Arial" panose="020B0604020202020204" pitchFamily="34" charset="0"/>
-                <a:hlinkClick r:id="rId7"/>
-              </a:rPr>
-              <a:t>​</a:t>
-            </a:r>
-            <a:r>
-              <a:rPr lang="en-US" sz="1200" i="1" u="none" strike="noStrike" kern="1200" dirty="0" smtClean="0">
-                <a:solidFill>
-                  <a:schemeClr val="tx1"/>
-                </a:solidFill>
-                <a:effectLst/>
-                <a:latin typeface="Arial" panose="020B0604020202020204" pitchFamily="34" charset="0"/>
-                <a:ea typeface="ＭＳ Ｐゴシック" charset="0"/>
-                <a:cs typeface="Arial" panose="020B0604020202020204" pitchFamily="34" charset="0"/>
-                <a:hlinkClick r:id="rId7"/>
-              </a:rPr>
-              <a:t>[</a:t>
-            </a:r>
-            <a:r>
-              <a:rPr lang="en-US" sz="1200" u="none" strike="noStrike" kern="1200" dirty="0" smtClean="0">
-                <a:solidFill>
-                  <a:schemeClr val="tx1"/>
-                </a:solidFill>
-                <a:effectLst/>
-                <a:latin typeface="Arial" panose="020B0604020202020204" pitchFamily="34" charset="0"/>
-                <a:ea typeface="ＭＳ Ｐゴシック" charset="0"/>
-                <a:cs typeface="Arial" panose="020B0604020202020204" pitchFamily="34" charset="0"/>
-                <a:hlinkClick r:id="rId7"/>
-              </a:rPr>
-              <a:t>9:33 AM</a:t>
-            </a:r>
-            <a:r>
-              <a:rPr lang="en-US" sz="1200" i="1" u="none" strike="noStrike" kern="1200" dirty="0" smtClean="0">
-                <a:solidFill>
-                  <a:schemeClr val="tx1"/>
-                </a:solidFill>
-                <a:effectLst/>
-                <a:latin typeface="Arial" panose="020B0604020202020204" pitchFamily="34" charset="0"/>
-                <a:ea typeface="ＭＳ Ｐゴシック" charset="0"/>
-                <a:cs typeface="Arial" panose="020B0604020202020204" pitchFamily="34" charset="0"/>
-                <a:hlinkClick r:id="rId7"/>
-              </a:rPr>
-              <a:t>]</a:t>
-            </a:r>
-            <a:r>
-              <a:rPr lang="en-US" dirty="0" smtClean="0">
-                <a:effectLst/>
-              </a:rPr>
-              <a:t> </a:t>
-            </a:r>
-          </a:p>
-          <a:p>
-            <a:r>
-              <a:rPr lang="en-US" sz="1200" b="1" u="none" strike="noStrike" kern="1200" dirty="0" err="1" smtClean="0">
-                <a:solidFill>
-                  <a:schemeClr val="tx1"/>
-                </a:solidFill>
-                <a:effectLst/>
-                <a:latin typeface="Arial" panose="020B0604020202020204" pitchFamily="34" charset="0"/>
-                <a:ea typeface="ＭＳ Ｐゴシック" charset="0"/>
-                <a:cs typeface="Arial" panose="020B0604020202020204" pitchFamily="34" charset="0"/>
-                <a:hlinkClick r:id="rId4"/>
-              </a:rPr>
-              <a:t>dominik</a:t>
-            </a:r>
-            <a:r>
-              <a:rPr lang="en-US" dirty="0" smtClean="0">
-                <a:effectLst/>
-              </a:rPr>
-              <a:t> For example: Run a compliance scan every night on your whole infrastructure. Instead of pushing it off manually, you could ask chef compliance to do it for </a:t>
-            </a:r>
-            <a:r>
-              <a:rPr lang="en-US" dirty="0" err="1" smtClean="0">
-                <a:effectLst/>
-              </a:rPr>
-              <a:t>yoou</a:t>
-            </a:r>
-            <a:r>
-              <a:rPr lang="en-US" i="1" dirty="0" smtClean="0">
-                <a:effectLst/>
-              </a:rPr>
-              <a:t/>
-            </a:r>
-            <a:br>
-              <a:rPr lang="en-US" i="1" dirty="0" smtClean="0">
-                <a:effectLst/>
-              </a:rPr>
-            </a:br>
-            <a:endParaRPr lang="en-US" dirty="0" smtClean="0">
-              <a:effectLst/>
-            </a:endParaRPr>
-          </a:p>
-          <a:p>
-            <a:r>
-              <a:rPr lang="en-US" sz="1200" u="none" strike="noStrike" kern="1200" dirty="0" smtClean="0">
-                <a:solidFill>
-                  <a:schemeClr val="tx1"/>
-                </a:solidFill>
-                <a:effectLst/>
-                <a:latin typeface="Arial" panose="020B0604020202020204" pitchFamily="34" charset="0"/>
-                <a:ea typeface="ＭＳ Ｐゴシック" charset="0"/>
-                <a:cs typeface="Arial" panose="020B0604020202020204" pitchFamily="34" charset="0"/>
-                <a:hlinkClick r:id="rId8"/>
-              </a:rPr>
-              <a:t>​</a:t>
-            </a:r>
-            <a:r>
-              <a:rPr lang="en-US" sz="1200" i="1" u="none" strike="noStrike" kern="1200" dirty="0" smtClean="0">
-                <a:solidFill>
-                  <a:schemeClr val="tx1"/>
-                </a:solidFill>
-                <a:effectLst/>
-                <a:latin typeface="Arial" panose="020B0604020202020204" pitchFamily="34" charset="0"/>
-                <a:ea typeface="ＭＳ Ｐゴシック" charset="0"/>
-                <a:cs typeface="Arial" panose="020B0604020202020204" pitchFamily="34" charset="0"/>
-                <a:hlinkClick r:id="rId8"/>
-              </a:rPr>
-              <a:t>[</a:t>
-            </a:r>
-            <a:r>
-              <a:rPr lang="en-US" sz="1200" u="none" strike="noStrike" kern="1200" dirty="0" smtClean="0">
-                <a:solidFill>
-                  <a:schemeClr val="tx1"/>
-                </a:solidFill>
-                <a:effectLst/>
-                <a:latin typeface="Arial" panose="020B0604020202020204" pitchFamily="34" charset="0"/>
-                <a:ea typeface="ＭＳ Ｐゴシック" charset="0"/>
-                <a:cs typeface="Arial" panose="020B0604020202020204" pitchFamily="34" charset="0"/>
-                <a:hlinkClick r:id="rId8"/>
-              </a:rPr>
-              <a:t>9:33 AM</a:t>
-            </a:r>
-            <a:r>
-              <a:rPr lang="en-US" sz="1200" i="1" u="none" strike="noStrike" kern="1200" dirty="0" smtClean="0">
-                <a:solidFill>
-                  <a:schemeClr val="tx1"/>
-                </a:solidFill>
-                <a:effectLst/>
-                <a:latin typeface="Arial" panose="020B0604020202020204" pitchFamily="34" charset="0"/>
-                <a:ea typeface="ＭＳ Ｐゴシック" charset="0"/>
-                <a:cs typeface="Arial" panose="020B0604020202020204" pitchFamily="34" charset="0"/>
-                <a:hlinkClick r:id="rId8"/>
-              </a:rPr>
-              <a:t>]</a:t>
-            </a:r>
-            <a:r>
-              <a:rPr lang="en-US" dirty="0" smtClean="0">
-                <a:effectLst/>
-              </a:rPr>
-              <a:t> </a:t>
-            </a:r>
-          </a:p>
-          <a:p>
-            <a:r>
-              <a:rPr lang="en-US" dirty="0" smtClean="0">
-                <a:effectLst/>
-              </a:rPr>
-              <a:t>This would give you up to date information on a daily basis without interruptions in reporting.</a:t>
-            </a:r>
-            <a:r>
-              <a:rPr lang="en-US" i="1" dirty="0" smtClean="0">
-                <a:effectLst/>
-              </a:rPr>
-              <a:t/>
-            </a:r>
-            <a:br>
-              <a:rPr lang="en-US" i="1" dirty="0" smtClean="0">
-                <a:effectLst/>
-              </a:rPr>
-            </a:br>
-            <a:endParaRPr lang="en-US" dirty="0" smtClean="0">
-              <a:effectLst/>
-            </a:endParaRPr>
-          </a:p>
-          <a:p>
-            <a:r>
-              <a:rPr lang="en-US" sz="1200" u="none" strike="noStrike" kern="1200" dirty="0" smtClean="0">
-                <a:solidFill>
-                  <a:schemeClr val="tx1"/>
-                </a:solidFill>
-                <a:effectLst/>
-                <a:latin typeface="Arial" panose="020B0604020202020204" pitchFamily="34" charset="0"/>
-                <a:ea typeface="ＭＳ Ｐゴシック" charset="0"/>
-                <a:cs typeface="Arial" panose="020B0604020202020204" pitchFamily="34" charset="0"/>
-                <a:hlinkClick r:id="rId9" tooltip="Today at 9:33:45 AM&#10;Click to open in archives"/>
-              </a:rPr>
-              <a:t>​</a:t>
-            </a:r>
-            <a:r>
-              <a:rPr lang="en-US" sz="1200" i="1" u="none" strike="noStrike" kern="1200" dirty="0" smtClean="0">
-                <a:solidFill>
-                  <a:schemeClr val="tx1"/>
-                </a:solidFill>
-                <a:effectLst/>
-                <a:latin typeface="Arial" panose="020B0604020202020204" pitchFamily="34" charset="0"/>
-                <a:ea typeface="ＭＳ Ｐゴシック" charset="0"/>
-                <a:cs typeface="Arial" panose="020B0604020202020204" pitchFamily="34" charset="0"/>
-                <a:hlinkClick r:id="rId9" tooltip="Today at 9:33:45 AM&#10;Click to open in archives"/>
-              </a:rPr>
-              <a:t>[</a:t>
-            </a:r>
-            <a:r>
-              <a:rPr lang="en-US" sz="1200" u="none" strike="noStrike" kern="1200" dirty="0" smtClean="0">
-                <a:solidFill>
-                  <a:schemeClr val="tx1"/>
-                </a:solidFill>
-                <a:effectLst/>
-                <a:latin typeface="Arial" panose="020B0604020202020204" pitchFamily="34" charset="0"/>
-                <a:ea typeface="ＭＳ Ｐゴシック" charset="0"/>
-                <a:cs typeface="Arial" panose="020B0604020202020204" pitchFamily="34" charset="0"/>
-                <a:hlinkClick r:id="rId9" tooltip="Today at 9:33:45 AM&#10;Click to open in archives"/>
-              </a:rPr>
-              <a:t>9:33 AM</a:t>
-            </a:r>
-            <a:r>
-              <a:rPr lang="en-US" sz="1200" i="1" u="none" strike="noStrike" kern="1200" dirty="0" smtClean="0">
-                <a:solidFill>
-                  <a:schemeClr val="tx1"/>
-                </a:solidFill>
-                <a:effectLst/>
-                <a:latin typeface="Arial" panose="020B0604020202020204" pitchFamily="34" charset="0"/>
-                <a:ea typeface="ＭＳ Ｐゴシック" charset="0"/>
-                <a:cs typeface="Arial" panose="020B0604020202020204" pitchFamily="34" charset="0"/>
-                <a:hlinkClick r:id="rId9" tooltip="Today at 9:33:45 AM&#10;Click to open in archives"/>
-              </a:rPr>
-              <a:t>]</a:t>
-            </a:r>
-            <a:r>
-              <a:rPr lang="en-US" dirty="0" smtClean="0">
-                <a:effectLst/>
-              </a:rPr>
-              <a:t> </a:t>
-            </a:r>
-          </a:p>
-          <a:p>
-            <a:r>
-              <a:rPr lang="en-US" sz="1200" b="1" u="none" strike="noStrike" kern="1200" dirty="0" err="1" smtClean="0">
-                <a:solidFill>
-                  <a:schemeClr val="tx1"/>
-                </a:solidFill>
-                <a:effectLst/>
-                <a:latin typeface="Arial" panose="020B0604020202020204" pitchFamily="34" charset="0"/>
-                <a:ea typeface="ＭＳ Ｐゴシック" charset="0"/>
-                <a:cs typeface="Arial" panose="020B0604020202020204" pitchFamily="34" charset="0"/>
-                <a:hlinkClick r:id="rId6"/>
-              </a:rPr>
-              <a:t>steve_delfante</a:t>
-            </a:r>
-            <a:r>
-              <a:rPr lang="en-US" dirty="0" smtClean="0">
-                <a:effectLst/>
-              </a:rPr>
-              <a:t> OK, because nodes cold fall out of compliance due to updates others may have made </a:t>
-            </a:r>
-            <a:r>
-              <a:rPr lang="en-US" dirty="0" err="1" smtClean="0">
-                <a:effectLst/>
-              </a:rPr>
-              <a:t>throught</a:t>
-            </a:r>
-            <a:r>
-              <a:rPr lang="en-US" dirty="0" smtClean="0">
-                <a:effectLst/>
-              </a:rPr>
-              <a:t> the day?</a:t>
-            </a:r>
-            <a:r>
-              <a:rPr lang="en-US" i="1" dirty="0" smtClean="0">
-                <a:effectLst/>
-              </a:rPr>
-              <a:t/>
-            </a:r>
-            <a:br>
-              <a:rPr lang="en-US" i="1" dirty="0" smtClean="0">
-                <a:effectLst/>
-              </a:rPr>
-            </a:br>
-            <a:endParaRPr lang="en-US" dirty="0" smtClean="0">
-              <a:effectLst/>
-            </a:endParaRPr>
-          </a:p>
-          <a:p>
-            <a:r>
-              <a:rPr lang="en-US" sz="1200" u="none" strike="noStrike" kern="1200" dirty="0" smtClean="0">
-                <a:solidFill>
-                  <a:schemeClr val="tx1"/>
-                </a:solidFill>
-                <a:effectLst/>
-                <a:latin typeface="Arial" panose="020B0604020202020204" pitchFamily="34" charset="0"/>
-                <a:ea typeface="ＭＳ Ｐゴシック" charset="0"/>
-                <a:cs typeface="Arial" panose="020B0604020202020204" pitchFamily="34" charset="0"/>
-                <a:hlinkClick r:id="rId10" tooltip="Today at 9:34:40 AM&#10;Click to open in archives"/>
-              </a:rPr>
-              <a:t>​</a:t>
-            </a:r>
-            <a:r>
-              <a:rPr lang="en-US" sz="1200" i="1" u="none" strike="noStrike" kern="1200" dirty="0" smtClean="0">
-                <a:solidFill>
-                  <a:schemeClr val="tx1"/>
-                </a:solidFill>
-                <a:effectLst/>
-                <a:latin typeface="Arial" panose="020B0604020202020204" pitchFamily="34" charset="0"/>
-                <a:ea typeface="ＭＳ Ｐゴシック" charset="0"/>
-                <a:cs typeface="Arial" panose="020B0604020202020204" pitchFamily="34" charset="0"/>
-                <a:hlinkClick r:id="rId10" tooltip="Today at 9:34:40 AM&#10;Click to open in archives"/>
-              </a:rPr>
-              <a:t>[</a:t>
-            </a:r>
-            <a:r>
-              <a:rPr lang="en-US" sz="1200" u="none" strike="noStrike" kern="1200" dirty="0" smtClean="0">
-                <a:solidFill>
-                  <a:schemeClr val="tx1"/>
-                </a:solidFill>
-                <a:effectLst/>
-                <a:latin typeface="Arial" panose="020B0604020202020204" pitchFamily="34" charset="0"/>
-                <a:ea typeface="ＭＳ Ｐゴシック" charset="0"/>
-                <a:cs typeface="Arial" panose="020B0604020202020204" pitchFamily="34" charset="0"/>
-                <a:hlinkClick r:id="rId10" tooltip="Today at 9:34:40 AM&#10;Click to open in archives"/>
-              </a:rPr>
-              <a:t>9:34 AM</a:t>
-            </a:r>
-            <a:r>
-              <a:rPr lang="en-US" sz="1200" i="1" u="none" strike="noStrike" kern="1200" dirty="0" smtClean="0">
-                <a:solidFill>
-                  <a:schemeClr val="tx1"/>
-                </a:solidFill>
-                <a:effectLst/>
-                <a:latin typeface="Arial" panose="020B0604020202020204" pitchFamily="34" charset="0"/>
-                <a:ea typeface="ＭＳ Ｐゴシック" charset="0"/>
-                <a:cs typeface="Arial" panose="020B0604020202020204" pitchFamily="34" charset="0"/>
-                <a:hlinkClick r:id="rId10" tooltip="Today at 9:34:40 AM&#10;Click to open in archives"/>
-              </a:rPr>
-              <a:t>]</a:t>
-            </a:r>
-            <a:r>
-              <a:rPr lang="en-US" dirty="0" smtClean="0">
-                <a:effectLst/>
-              </a:rPr>
-              <a:t> </a:t>
-            </a:r>
-          </a:p>
-          <a:p>
-            <a:r>
-              <a:rPr lang="en-US" sz="1200" b="1" u="none" strike="noStrike" kern="1200" dirty="0" err="1" smtClean="0">
-                <a:solidFill>
-                  <a:schemeClr val="tx1"/>
-                </a:solidFill>
-                <a:effectLst/>
-                <a:latin typeface="Arial" panose="020B0604020202020204" pitchFamily="34" charset="0"/>
-                <a:ea typeface="ＭＳ Ｐゴシック" charset="0"/>
-                <a:cs typeface="Arial" panose="020B0604020202020204" pitchFamily="34" charset="0"/>
-                <a:hlinkClick r:id="rId4"/>
-              </a:rPr>
-              <a:t>dominik</a:t>
-            </a:r>
-            <a:r>
-              <a:rPr lang="en-US" dirty="0" smtClean="0">
-                <a:effectLst/>
-              </a:rPr>
-              <a:t> for example; or if you had changed your chef automation and something went wrong (because you didn’t use delivery to verify </a:t>
-            </a:r>
-            <a:r>
-              <a:rPr lang="en-US" dirty="0" err="1" smtClean="0">
-                <a:effectLst/>
-              </a:rPr>
-              <a:t>compiance</a:t>
-            </a:r>
-            <a:r>
-              <a:rPr lang="en-US" dirty="0" smtClean="0">
-                <a:effectLst/>
-              </a:rPr>
-              <a:t> of your changes)</a:t>
-            </a:r>
-            <a:r>
-              <a:rPr lang="en-US" i="1" dirty="0" smtClean="0">
-                <a:effectLst/>
-              </a:rPr>
-              <a:t/>
-            </a:r>
-            <a:br>
-              <a:rPr lang="en-US" i="1" dirty="0" smtClean="0">
-                <a:effectLst/>
-              </a:rPr>
-            </a:br>
-            <a:endParaRPr lang="en-US" dirty="0" smtClean="0">
-              <a:effectLst/>
-            </a:endParaRPr>
-          </a:p>
-          <a:p>
-            <a:r>
-              <a:rPr lang="en-US" sz="1200" u="none" strike="noStrike" kern="1200" dirty="0" smtClean="0">
-                <a:solidFill>
-                  <a:schemeClr val="tx1"/>
-                </a:solidFill>
-                <a:effectLst/>
-                <a:latin typeface="Arial" panose="020B0604020202020204" pitchFamily="34" charset="0"/>
-                <a:ea typeface="ＭＳ Ｐゴシック" charset="0"/>
-                <a:cs typeface="Arial" panose="020B0604020202020204" pitchFamily="34" charset="0"/>
-                <a:hlinkClick r:id="rId11" tooltip="Today at 9:35:57 AM&#10;Click to open in archives"/>
-              </a:rPr>
-              <a:t>​</a:t>
-            </a:r>
-            <a:r>
-              <a:rPr lang="en-US" sz="1200" i="1" u="none" strike="noStrike" kern="1200" dirty="0" smtClean="0">
-                <a:solidFill>
-                  <a:schemeClr val="tx1"/>
-                </a:solidFill>
-                <a:effectLst/>
-                <a:latin typeface="Arial" panose="020B0604020202020204" pitchFamily="34" charset="0"/>
-                <a:ea typeface="ＭＳ Ｐゴシック" charset="0"/>
-                <a:cs typeface="Arial" panose="020B0604020202020204" pitchFamily="34" charset="0"/>
-                <a:hlinkClick r:id="rId11" tooltip="Today at 9:35:57 AM&#10;Click to open in archives"/>
-              </a:rPr>
-              <a:t>[</a:t>
-            </a:r>
-            <a:r>
-              <a:rPr lang="en-US" sz="1200" u="none" strike="noStrike" kern="1200" dirty="0" smtClean="0">
-                <a:solidFill>
-                  <a:schemeClr val="tx1"/>
-                </a:solidFill>
-                <a:effectLst/>
-                <a:latin typeface="Arial" panose="020B0604020202020204" pitchFamily="34" charset="0"/>
-                <a:ea typeface="ＭＳ Ｐゴシック" charset="0"/>
-                <a:cs typeface="Arial" panose="020B0604020202020204" pitchFamily="34" charset="0"/>
-                <a:hlinkClick r:id="rId11" tooltip="Today at 9:35:57 AM&#10;Click to open in archives"/>
-              </a:rPr>
-              <a:t>9:35 AM</a:t>
-            </a:r>
-            <a:r>
-              <a:rPr lang="en-US" sz="1200" i="1" u="none" strike="noStrike" kern="1200" dirty="0" smtClean="0">
-                <a:solidFill>
-                  <a:schemeClr val="tx1"/>
-                </a:solidFill>
-                <a:effectLst/>
-                <a:latin typeface="Arial" panose="020B0604020202020204" pitchFamily="34" charset="0"/>
-                <a:ea typeface="ＭＳ Ｐゴシック" charset="0"/>
-                <a:cs typeface="Arial" panose="020B0604020202020204" pitchFamily="34" charset="0"/>
-                <a:hlinkClick r:id="rId11" tooltip="Today at 9:35:57 AM&#10;Click to open in archives"/>
-              </a:rPr>
-              <a:t>]</a:t>
-            </a:r>
-            <a:r>
-              <a:rPr lang="en-US" dirty="0" smtClean="0">
-                <a:effectLst/>
-              </a:rPr>
-              <a:t> </a:t>
-            </a:r>
-          </a:p>
-          <a:p>
-            <a:r>
-              <a:rPr lang="en-US" dirty="0" smtClean="0">
-                <a:effectLst/>
-              </a:rPr>
-              <a:t>or if any component was changed, that you didn’t yet explicitly manage through chef; for example: have telnet listen on </a:t>
-            </a:r>
-            <a:r>
-              <a:rPr lang="en-US" dirty="0" err="1" smtClean="0">
-                <a:effectLst/>
-              </a:rPr>
-              <a:t>tcp</a:t>
-            </a:r>
-            <a:r>
-              <a:rPr lang="en-US" dirty="0" smtClean="0">
-                <a:effectLst/>
-              </a:rPr>
-              <a:t> for some reason you didn’t expect; apart from uninstalling telnet through chef, we don’t tend to write cookbooks for negative cases :wink: so that’s a great example for compliance</a:t>
-            </a:r>
-            <a:r>
-              <a:rPr lang="en-US" i="1" dirty="0" smtClean="0">
-                <a:effectLst/>
-              </a:rPr>
-              <a:t/>
-            </a:r>
-            <a:br>
-              <a:rPr lang="en-US" i="1" dirty="0" smtClean="0">
-                <a:effectLst/>
-              </a:rPr>
-            </a:br>
-            <a:endParaRPr lang="en-US" dirty="0" smtClean="0">
-              <a:effectLst/>
-            </a:endParaRPr>
-          </a:p>
-          <a:p>
-            <a:r>
-              <a:rPr lang="en-US" sz="1200" u="none" strike="noStrike" kern="1200" dirty="0" smtClean="0">
-                <a:solidFill>
-                  <a:schemeClr val="tx1"/>
-                </a:solidFill>
-                <a:effectLst/>
-                <a:latin typeface="Arial" panose="020B0604020202020204" pitchFamily="34" charset="0"/>
-                <a:ea typeface="ＭＳ Ｐゴシック" charset="0"/>
-                <a:cs typeface="Arial" panose="020B0604020202020204" pitchFamily="34" charset="0"/>
-                <a:hlinkClick r:id="rId12" tooltip="Today at 9:36:14 AM&#10;Click to open in archives"/>
-              </a:rPr>
-              <a:t>​</a:t>
-            </a:r>
-            <a:r>
-              <a:rPr lang="en-US" sz="1200" i="1" u="none" strike="noStrike" kern="1200" dirty="0" smtClean="0">
-                <a:solidFill>
-                  <a:schemeClr val="tx1"/>
-                </a:solidFill>
-                <a:effectLst/>
-                <a:latin typeface="Arial" panose="020B0604020202020204" pitchFamily="34" charset="0"/>
-                <a:ea typeface="ＭＳ Ｐゴシック" charset="0"/>
-                <a:cs typeface="Arial" panose="020B0604020202020204" pitchFamily="34" charset="0"/>
-                <a:hlinkClick r:id="rId12" tooltip="Today at 9:36:14 AM&#10;Click to open in archives"/>
-              </a:rPr>
-              <a:t>[</a:t>
-            </a:r>
-            <a:r>
-              <a:rPr lang="en-US" sz="1200" u="none" strike="noStrike" kern="1200" dirty="0" smtClean="0">
-                <a:solidFill>
-                  <a:schemeClr val="tx1"/>
-                </a:solidFill>
-                <a:effectLst/>
-                <a:latin typeface="Arial" panose="020B0604020202020204" pitchFamily="34" charset="0"/>
-                <a:ea typeface="ＭＳ Ｐゴシック" charset="0"/>
-                <a:cs typeface="Arial" panose="020B0604020202020204" pitchFamily="34" charset="0"/>
-                <a:hlinkClick r:id="rId12" tooltip="Today at 9:36:14 AM&#10;Click to open in archives"/>
-              </a:rPr>
-              <a:t>9:36 AM</a:t>
-            </a:r>
-            <a:r>
-              <a:rPr lang="en-US" sz="1200" i="1" u="none" strike="noStrike" kern="1200" dirty="0" smtClean="0">
-                <a:solidFill>
-                  <a:schemeClr val="tx1"/>
-                </a:solidFill>
-                <a:effectLst/>
-                <a:latin typeface="Arial" panose="020B0604020202020204" pitchFamily="34" charset="0"/>
-                <a:ea typeface="ＭＳ Ｐゴシック" charset="0"/>
-                <a:cs typeface="Arial" panose="020B0604020202020204" pitchFamily="34" charset="0"/>
-                <a:hlinkClick r:id="rId12" tooltip="Today at 9:36:14 AM&#10;Click to open in archives"/>
-              </a:rPr>
-              <a:t>]</a:t>
-            </a:r>
-            <a:r>
-              <a:rPr lang="en-US" dirty="0" smtClean="0">
-                <a:effectLst/>
-              </a:rPr>
-              <a:t> </a:t>
-            </a:r>
-          </a:p>
-          <a:p>
-            <a:r>
-              <a:rPr lang="en-US" sz="1200" b="1" u="none" strike="noStrike" kern="1200" dirty="0" err="1" smtClean="0">
-                <a:solidFill>
-                  <a:schemeClr val="tx1"/>
-                </a:solidFill>
-                <a:effectLst/>
-                <a:latin typeface="Arial" panose="020B0604020202020204" pitchFamily="34" charset="0"/>
-                <a:ea typeface="ＭＳ Ｐゴシック" charset="0"/>
-                <a:cs typeface="Arial" panose="020B0604020202020204" pitchFamily="34" charset="0"/>
-                <a:hlinkClick r:id="rId6"/>
-              </a:rPr>
-              <a:t>steve_delfante</a:t>
-            </a:r>
-            <a:r>
-              <a:rPr lang="en-US" dirty="0" smtClean="0">
-                <a:effectLst/>
-              </a:rPr>
-              <a:t> Cool. thanks!</a:t>
-            </a:r>
-            <a:r>
-              <a:rPr lang="en-US" i="1" dirty="0" smtClean="0">
-                <a:effectLst/>
-              </a:rPr>
-              <a:t/>
-            </a:r>
-            <a:br>
-              <a:rPr lang="en-US" i="1" dirty="0" smtClean="0">
-                <a:effectLst/>
-              </a:rPr>
-            </a:br>
-            <a:endParaRPr lang="en-US" dirty="0" smtClean="0">
-              <a:effectLst/>
-            </a:endParaRPr>
-          </a:p>
-          <a:p>
-            <a:r>
-              <a:rPr lang="en-US" sz="1200" u="none" strike="noStrike" kern="1200" dirty="0" smtClean="0">
-                <a:solidFill>
-                  <a:schemeClr val="tx1"/>
-                </a:solidFill>
-                <a:effectLst/>
-                <a:latin typeface="Arial" panose="020B0604020202020204" pitchFamily="34" charset="0"/>
-                <a:ea typeface="ＭＳ Ｐゴシック" charset="0"/>
-                <a:cs typeface="Arial" panose="020B0604020202020204" pitchFamily="34" charset="0"/>
-                <a:hlinkClick r:id="rId13"/>
-              </a:rPr>
-              <a:t>​</a:t>
-            </a:r>
-            <a:r>
-              <a:rPr lang="en-US" sz="1200" i="1" u="none" strike="noStrike" kern="1200" dirty="0" smtClean="0">
-                <a:solidFill>
-                  <a:schemeClr val="tx1"/>
-                </a:solidFill>
-                <a:effectLst/>
-                <a:latin typeface="Arial" panose="020B0604020202020204" pitchFamily="34" charset="0"/>
-                <a:ea typeface="ＭＳ Ｐゴシック" charset="0"/>
-                <a:cs typeface="Arial" panose="020B0604020202020204" pitchFamily="34" charset="0"/>
-                <a:hlinkClick r:id="rId13"/>
-              </a:rPr>
-              <a:t>[</a:t>
-            </a:r>
-            <a:r>
-              <a:rPr lang="en-US" sz="1200" u="none" strike="noStrike" kern="1200" dirty="0" smtClean="0">
-                <a:solidFill>
-                  <a:schemeClr val="tx1"/>
-                </a:solidFill>
-                <a:effectLst/>
-                <a:latin typeface="Arial" panose="020B0604020202020204" pitchFamily="34" charset="0"/>
-                <a:ea typeface="ＭＳ Ｐゴシック" charset="0"/>
-                <a:cs typeface="Arial" panose="020B0604020202020204" pitchFamily="34" charset="0"/>
-                <a:hlinkClick r:id="rId13"/>
-              </a:rPr>
-              <a:t>9:36 AM</a:t>
-            </a:r>
-            <a:r>
-              <a:rPr lang="en-US" sz="1200" i="1" u="none" strike="noStrike" kern="1200" dirty="0" smtClean="0">
-                <a:solidFill>
-                  <a:schemeClr val="tx1"/>
-                </a:solidFill>
-                <a:effectLst/>
-                <a:latin typeface="Arial" panose="020B0604020202020204" pitchFamily="34" charset="0"/>
-                <a:ea typeface="ＭＳ Ｐゴシック" charset="0"/>
-                <a:cs typeface="Arial" panose="020B0604020202020204" pitchFamily="34" charset="0"/>
-                <a:hlinkClick r:id="rId13"/>
-              </a:rPr>
-              <a:t>]</a:t>
-            </a:r>
-            <a:r>
-              <a:rPr lang="en-US" dirty="0" smtClean="0">
-                <a:effectLst/>
-              </a:rPr>
-              <a:t> </a:t>
-            </a:r>
-          </a:p>
-          <a:p>
-            <a:r>
-              <a:rPr lang="en-US" dirty="0" smtClean="0">
-                <a:effectLst/>
-              </a:rPr>
-              <a:t>One more question for now please....</a:t>
-            </a:r>
-            <a:r>
-              <a:rPr lang="en-US" i="1" dirty="0" smtClean="0">
-                <a:effectLst/>
-              </a:rPr>
-              <a:t/>
-            </a:r>
-            <a:br>
-              <a:rPr lang="en-US" i="1" dirty="0" smtClean="0">
-                <a:effectLst/>
-              </a:rPr>
-            </a:br>
-            <a:endParaRPr lang="en-US" dirty="0" smtClean="0">
-              <a:effectLst/>
-            </a:endParaRPr>
-          </a:p>
-          <a:p>
-            <a:r>
-              <a:rPr lang="en-US" sz="1200" u="none" strike="noStrike" kern="1200" dirty="0" smtClean="0">
-                <a:solidFill>
-                  <a:schemeClr val="tx1"/>
-                </a:solidFill>
-                <a:effectLst/>
-                <a:latin typeface="Arial" panose="020B0604020202020204" pitchFamily="34" charset="0"/>
-                <a:ea typeface="ＭＳ Ｐゴシック" charset="0"/>
-                <a:cs typeface="Arial" panose="020B0604020202020204" pitchFamily="34" charset="0"/>
-                <a:hlinkClick r:id="rId14" tooltip="Today at 9:37:33 AM&#10;Click to open in archives"/>
-              </a:rPr>
-              <a:t>​</a:t>
-            </a:r>
-            <a:r>
-              <a:rPr lang="en-US" sz="1200" i="1" u="none" strike="noStrike" kern="1200" dirty="0" smtClean="0">
-                <a:solidFill>
-                  <a:schemeClr val="tx1"/>
-                </a:solidFill>
-                <a:effectLst/>
-                <a:latin typeface="Arial" panose="020B0604020202020204" pitchFamily="34" charset="0"/>
-                <a:ea typeface="ＭＳ Ｐゴシック" charset="0"/>
-                <a:cs typeface="Arial" panose="020B0604020202020204" pitchFamily="34" charset="0"/>
-                <a:hlinkClick r:id="rId14" tooltip="Today at 9:37:33 AM&#10;Click to open in archives"/>
-              </a:rPr>
-              <a:t>[</a:t>
-            </a:r>
-            <a:r>
-              <a:rPr lang="en-US" sz="1200" u="none" strike="noStrike" kern="1200" dirty="0" smtClean="0">
-                <a:solidFill>
-                  <a:schemeClr val="tx1"/>
-                </a:solidFill>
-                <a:effectLst/>
-                <a:latin typeface="Arial" panose="020B0604020202020204" pitchFamily="34" charset="0"/>
-                <a:ea typeface="ＭＳ Ｐゴシック" charset="0"/>
-                <a:cs typeface="Arial" panose="020B0604020202020204" pitchFamily="34" charset="0"/>
-                <a:hlinkClick r:id="rId14" tooltip="Today at 9:37:33 AM&#10;Click to open in archives"/>
-              </a:rPr>
-              <a:t>9:37 AM</a:t>
-            </a:r>
-            <a:r>
-              <a:rPr lang="en-US" sz="1200" i="1" u="none" strike="noStrike" kern="1200" dirty="0" smtClean="0">
-                <a:solidFill>
-                  <a:schemeClr val="tx1"/>
-                </a:solidFill>
-                <a:effectLst/>
-                <a:latin typeface="Arial" panose="020B0604020202020204" pitchFamily="34" charset="0"/>
-                <a:ea typeface="ＭＳ Ｐゴシック" charset="0"/>
-                <a:cs typeface="Arial" panose="020B0604020202020204" pitchFamily="34" charset="0"/>
-                <a:hlinkClick r:id="rId14" tooltip="Today at 9:37:33 AM&#10;Click to open in archives"/>
-              </a:rPr>
-              <a:t>]</a:t>
-            </a:r>
-            <a:r>
-              <a:rPr lang="en-US" dirty="0" smtClean="0">
-                <a:effectLst/>
-              </a:rPr>
-              <a:t> </a:t>
-            </a:r>
-          </a:p>
-          <a:p>
-            <a:r>
-              <a:rPr lang="en-US" dirty="0" smtClean="0">
-                <a:effectLst/>
-              </a:rPr>
-              <a:t>Is there going to be a way to export  reports or do we only have people view results live?</a:t>
-            </a:r>
-            <a:r>
-              <a:rPr lang="en-US" i="1" dirty="0" smtClean="0">
-                <a:effectLst/>
-              </a:rPr>
-              <a:t/>
-            </a:r>
-            <a:br>
-              <a:rPr lang="en-US" i="1" dirty="0" smtClean="0">
-                <a:effectLst/>
-              </a:rPr>
-            </a:br>
-            <a:endParaRPr lang="en-US" dirty="0" smtClean="0">
-              <a:effectLst/>
-            </a:endParaRPr>
-          </a:p>
-          <a:p>
-            <a:r>
-              <a:rPr lang="en-US" sz="1200" u="none" strike="noStrike" kern="1200" dirty="0" smtClean="0">
-                <a:solidFill>
-                  <a:schemeClr val="tx1"/>
-                </a:solidFill>
-                <a:effectLst/>
-                <a:latin typeface="Arial" panose="020B0604020202020204" pitchFamily="34" charset="0"/>
-                <a:ea typeface="ＭＳ Ｐゴシック" charset="0"/>
-                <a:cs typeface="Arial" panose="020B0604020202020204" pitchFamily="34" charset="0"/>
-                <a:hlinkClick r:id="rId15"/>
-              </a:rPr>
-              <a:t>​</a:t>
-            </a:r>
-            <a:r>
-              <a:rPr lang="en-US" sz="1200" i="1" u="none" strike="noStrike" kern="1200" dirty="0" smtClean="0">
-                <a:solidFill>
-                  <a:schemeClr val="tx1"/>
-                </a:solidFill>
-                <a:effectLst/>
-                <a:latin typeface="Arial" panose="020B0604020202020204" pitchFamily="34" charset="0"/>
-                <a:ea typeface="ＭＳ Ｐゴシック" charset="0"/>
-                <a:cs typeface="Arial" panose="020B0604020202020204" pitchFamily="34" charset="0"/>
-                <a:hlinkClick r:id="rId15"/>
-              </a:rPr>
-              <a:t>[</a:t>
-            </a:r>
-            <a:r>
-              <a:rPr lang="en-US" sz="1200" u="none" strike="noStrike" kern="1200" dirty="0" smtClean="0">
-                <a:solidFill>
-                  <a:schemeClr val="tx1"/>
-                </a:solidFill>
-                <a:effectLst/>
-                <a:latin typeface="Arial" panose="020B0604020202020204" pitchFamily="34" charset="0"/>
-                <a:ea typeface="ＭＳ Ｐゴシック" charset="0"/>
-                <a:cs typeface="Arial" panose="020B0604020202020204" pitchFamily="34" charset="0"/>
-                <a:hlinkClick r:id="rId15"/>
-              </a:rPr>
-              <a:t>9:37 AM</a:t>
-            </a:r>
-            <a:r>
-              <a:rPr lang="en-US" sz="1200" i="1" u="none" strike="noStrike" kern="1200" dirty="0" smtClean="0">
-                <a:solidFill>
-                  <a:schemeClr val="tx1"/>
-                </a:solidFill>
-                <a:effectLst/>
-                <a:latin typeface="Arial" panose="020B0604020202020204" pitchFamily="34" charset="0"/>
-                <a:ea typeface="ＭＳ Ｐゴシック" charset="0"/>
-                <a:cs typeface="Arial" panose="020B0604020202020204" pitchFamily="34" charset="0"/>
-                <a:hlinkClick r:id="rId15"/>
-              </a:rPr>
-              <a:t>]</a:t>
-            </a:r>
-            <a:r>
-              <a:rPr lang="en-US" dirty="0" smtClean="0">
-                <a:effectLst/>
-              </a:rPr>
-              <a:t> </a:t>
-            </a:r>
-          </a:p>
-          <a:p>
-            <a:r>
-              <a:rPr lang="en-US" sz="1200" b="1" u="none" strike="noStrike" kern="1200" dirty="0" err="1" smtClean="0">
-                <a:solidFill>
-                  <a:schemeClr val="tx1"/>
-                </a:solidFill>
-                <a:effectLst/>
-                <a:latin typeface="Arial" panose="020B0604020202020204" pitchFamily="34" charset="0"/>
-                <a:ea typeface="ＭＳ Ｐゴシック" charset="0"/>
-                <a:cs typeface="Arial" panose="020B0604020202020204" pitchFamily="34" charset="0"/>
-                <a:hlinkClick r:id="rId4"/>
-              </a:rPr>
-              <a:t>dominik</a:t>
-            </a:r>
-            <a:r>
-              <a:rPr lang="en-US" dirty="0" smtClean="0">
-                <a:effectLst/>
-              </a:rPr>
-              <a:t> Yes there is; We are looking into exporting reports to PDF and (some type of) Excel format</a:t>
-            </a:r>
-            <a:r>
-              <a:rPr lang="en-US" i="1" dirty="0" smtClean="0">
-                <a:effectLst/>
-              </a:rPr>
-              <a:t/>
-            </a:r>
-            <a:br>
-              <a:rPr lang="en-US" i="1" dirty="0" smtClean="0">
-                <a:effectLst/>
-              </a:rPr>
-            </a:br>
-            <a:endParaRPr lang="en-US" dirty="0" smtClean="0">
-              <a:effectLst/>
-            </a:endParaRPr>
-          </a:p>
-          <a:p>
-            <a:r>
-              <a:rPr lang="en-US" sz="1200" u="none" strike="noStrike" kern="1200" dirty="0" smtClean="0">
-                <a:solidFill>
-                  <a:schemeClr val="tx1"/>
-                </a:solidFill>
-                <a:effectLst/>
-                <a:latin typeface="Arial" panose="020B0604020202020204" pitchFamily="34" charset="0"/>
-                <a:ea typeface="ＭＳ Ｐゴシック" charset="0"/>
-                <a:cs typeface="Arial" panose="020B0604020202020204" pitchFamily="34" charset="0"/>
-                <a:hlinkClick r:id="rId16" tooltip="Today at 9:38:08 AM&#10;Click to open in archives"/>
-              </a:rPr>
-              <a:t>​</a:t>
-            </a:r>
-            <a:r>
-              <a:rPr lang="en-US" sz="1200" i="1" u="none" strike="noStrike" kern="1200" dirty="0" smtClean="0">
-                <a:solidFill>
-                  <a:schemeClr val="tx1"/>
-                </a:solidFill>
-                <a:effectLst/>
-                <a:latin typeface="Arial" panose="020B0604020202020204" pitchFamily="34" charset="0"/>
-                <a:ea typeface="ＭＳ Ｐゴシック" charset="0"/>
-                <a:cs typeface="Arial" panose="020B0604020202020204" pitchFamily="34" charset="0"/>
-                <a:hlinkClick r:id="rId16" tooltip="Today at 9:38:08 AM&#10;Click to open in archives"/>
-              </a:rPr>
-              <a:t>[</a:t>
-            </a:r>
-            <a:r>
-              <a:rPr lang="en-US" sz="1200" u="none" strike="noStrike" kern="1200" dirty="0" smtClean="0">
-                <a:solidFill>
-                  <a:schemeClr val="tx1"/>
-                </a:solidFill>
-                <a:effectLst/>
-                <a:latin typeface="Arial" panose="020B0604020202020204" pitchFamily="34" charset="0"/>
-                <a:ea typeface="ＭＳ Ｐゴシック" charset="0"/>
-                <a:cs typeface="Arial" panose="020B0604020202020204" pitchFamily="34" charset="0"/>
-                <a:hlinkClick r:id="rId16" tooltip="Today at 9:38:08 AM&#10;Click to open in archives"/>
-              </a:rPr>
-              <a:t>9:38 AM</a:t>
-            </a:r>
-            <a:r>
-              <a:rPr lang="en-US" sz="1200" i="1" u="none" strike="noStrike" kern="1200" dirty="0" smtClean="0">
-                <a:solidFill>
-                  <a:schemeClr val="tx1"/>
-                </a:solidFill>
-                <a:effectLst/>
-                <a:latin typeface="Arial" panose="020B0604020202020204" pitchFamily="34" charset="0"/>
-                <a:ea typeface="ＭＳ Ｐゴシック" charset="0"/>
-                <a:cs typeface="Arial" panose="020B0604020202020204" pitchFamily="34" charset="0"/>
-                <a:hlinkClick r:id="rId16" tooltip="Today at 9:38:08 AM&#10;Click to open in archives"/>
-              </a:rPr>
-              <a:t>]</a:t>
-            </a:r>
-            <a:r>
-              <a:rPr lang="en-US" dirty="0" smtClean="0">
-                <a:effectLst/>
-              </a:rPr>
-              <a:t> </a:t>
-            </a:r>
-          </a:p>
-          <a:p>
-            <a:r>
-              <a:rPr lang="en-US" dirty="0" smtClean="0">
-                <a:effectLst/>
-              </a:rPr>
-              <a:t>There is also the alternative to retrieve reports via JSON </a:t>
-            </a:r>
-            <a:r>
-              <a:rPr lang="en-US" dirty="0" err="1" smtClean="0">
-                <a:effectLst/>
-              </a:rPr>
-              <a:t>api</a:t>
-            </a:r>
-            <a:r>
-              <a:rPr lang="en-US" i="1" dirty="0" smtClean="0">
-                <a:effectLst/>
-              </a:rPr>
-              <a:t/>
-            </a:r>
-            <a:br>
-              <a:rPr lang="en-US" i="1" dirty="0" smtClean="0">
-                <a:effectLst/>
-              </a:rPr>
-            </a:br>
-            <a:endParaRPr lang="en-US" dirty="0" smtClean="0">
-              <a:effectLst/>
-            </a:endParaRPr>
-          </a:p>
-          <a:p>
-            <a:r>
-              <a:rPr lang="en-US" sz="1200" u="none" strike="noStrike" kern="1200" dirty="0" smtClean="0">
-                <a:solidFill>
-                  <a:schemeClr val="tx1"/>
-                </a:solidFill>
-                <a:effectLst/>
-                <a:latin typeface="Arial" panose="020B0604020202020204" pitchFamily="34" charset="0"/>
-                <a:ea typeface="ＭＳ Ｐゴシック" charset="0"/>
-                <a:cs typeface="Arial" panose="020B0604020202020204" pitchFamily="34" charset="0"/>
-                <a:hlinkClick r:id="rId17" tooltip="Today at 9:38:19 AM&#10;Click to open in archives"/>
-              </a:rPr>
-              <a:t>​</a:t>
-            </a:r>
-            <a:r>
-              <a:rPr lang="en-US" sz="1200" i="1" u="none" strike="noStrike" kern="1200" dirty="0" smtClean="0">
-                <a:solidFill>
-                  <a:schemeClr val="tx1"/>
-                </a:solidFill>
-                <a:effectLst/>
-                <a:latin typeface="Arial" panose="020B0604020202020204" pitchFamily="34" charset="0"/>
-                <a:ea typeface="ＭＳ Ｐゴシック" charset="0"/>
-                <a:cs typeface="Arial" panose="020B0604020202020204" pitchFamily="34" charset="0"/>
-                <a:hlinkClick r:id="rId17" tooltip="Today at 9:38:19 AM&#10;Click to open in archives"/>
-              </a:rPr>
-              <a:t>[</a:t>
-            </a:r>
-            <a:r>
-              <a:rPr lang="en-US" sz="1200" u="none" strike="noStrike" kern="1200" dirty="0" smtClean="0">
-                <a:solidFill>
-                  <a:schemeClr val="tx1"/>
-                </a:solidFill>
-                <a:effectLst/>
-                <a:latin typeface="Arial" panose="020B0604020202020204" pitchFamily="34" charset="0"/>
-                <a:ea typeface="ＭＳ Ｐゴシック" charset="0"/>
-                <a:cs typeface="Arial" panose="020B0604020202020204" pitchFamily="34" charset="0"/>
-                <a:hlinkClick r:id="rId17" tooltip="Today at 9:38:19 AM&#10;Click to open in archives"/>
-              </a:rPr>
-              <a:t>9:38 AM</a:t>
-            </a:r>
-            <a:r>
-              <a:rPr lang="en-US" sz="1200" i="1" u="none" strike="noStrike" kern="1200" dirty="0" smtClean="0">
-                <a:solidFill>
-                  <a:schemeClr val="tx1"/>
-                </a:solidFill>
-                <a:effectLst/>
-                <a:latin typeface="Arial" panose="020B0604020202020204" pitchFamily="34" charset="0"/>
-                <a:ea typeface="ＭＳ Ｐゴシック" charset="0"/>
-                <a:cs typeface="Arial" panose="020B0604020202020204" pitchFamily="34" charset="0"/>
-                <a:hlinkClick r:id="rId17" tooltip="Today at 9:38:19 AM&#10;Click to open in archives"/>
-              </a:rPr>
-              <a:t>]</a:t>
-            </a:r>
-            <a:r>
-              <a:rPr lang="en-US" dirty="0" smtClean="0">
-                <a:effectLst/>
-              </a:rPr>
-              <a:t> </a:t>
-            </a:r>
-          </a:p>
-          <a:p>
-            <a:r>
-              <a:rPr lang="en-US" dirty="0" smtClean="0">
-                <a:effectLst/>
-              </a:rPr>
-              <a:t>we will have the PDF and Excel options in UI</a:t>
-            </a:r>
-            <a:r>
-              <a:rPr lang="en-US" i="1" dirty="0" smtClean="0">
-                <a:effectLst/>
-              </a:rPr>
-              <a:t/>
-            </a:r>
-            <a:br>
-              <a:rPr lang="en-US" i="1" dirty="0" smtClean="0">
-                <a:effectLst/>
-              </a:rPr>
-            </a:br>
-            <a:endParaRPr lang="en-US" dirty="0" smtClean="0">
-              <a:effectLst/>
-            </a:endParaRPr>
-          </a:p>
-          <a:p>
-            <a:r>
-              <a:rPr lang="en-US" sz="1200" u="none" strike="noStrike" kern="1200" dirty="0" smtClean="0">
-                <a:solidFill>
-                  <a:schemeClr val="tx1"/>
-                </a:solidFill>
-                <a:effectLst/>
-                <a:latin typeface="Arial" panose="020B0604020202020204" pitchFamily="34" charset="0"/>
-                <a:ea typeface="ＭＳ Ｐゴシック" charset="0"/>
-                <a:cs typeface="Arial" panose="020B0604020202020204" pitchFamily="34" charset="0"/>
-                <a:hlinkClick r:id="rId18" tooltip="Today at 9:38:42 AM&#10;Click to open in archives"/>
-              </a:rPr>
-              <a:t>​</a:t>
-            </a:r>
-            <a:r>
-              <a:rPr lang="en-US" sz="1200" i="1" u="none" strike="noStrike" kern="1200" dirty="0" smtClean="0">
-                <a:solidFill>
-                  <a:schemeClr val="tx1"/>
-                </a:solidFill>
-                <a:effectLst/>
-                <a:latin typeface="Arial" panose="020B0604020202020204" pitchFamily="34" charset="0"/>
-                <a:ea typeface="ＭＳ Ｐゴシック" charset="0"/>
-                <a:cs typeface="Arial" panose="020B0604020202020204" pitchFamily="34" charset="0"/>
-                <a:hlinkClick r:id="rId18" tooltip="Today at 9:38:42 AM&#10;Click to open in archives"/>
-              </a:rPr>
-              <a:t>[</a:t>
-            </a:r>
-            <a:r>
-              <a:rPr lang="en-US" sz="1200" u="none" strike="noStrike" kern="1200" dirty="0" smtClean="0">
-                <a:solidFill>
-                  <a:schemeClr val="tx1"/>
-                </a:solidFill>
-                <a:effectLst/>
-                <a:latin typeface="Arial" panose="020B0604020202020204" pitchFamily="34" charset="0"/>
-                <a:ea typeface="ＭＳ Ｐゴシック" charset="0"/>
-                <a:cs typeface="Arial" panose="020B0604020202020204" pitchFamily="34" charset="0"/>
-                <a:hlinkClick r:id="rId18" tooltip="Today at 9:38:42 AM&#10;Click to open in archives"/>
-              </a:rPr>
-              <a:t>9:38 AM</a:t>
-            </a:r>
-            <a:r>
-              <a:rPr lang="en-US" sz="1200" i="1" u="none" strike="noStrike" kern="1200" dirty="0" smtClean="0">
-                <a:solidFill>
-                  <a:schemeClr val="tx1"/>
-                </a:solidFill>
-                <a:effectLst/>
-                <a:latin typeface="Arial" panose="020B0604020202020204" pitchFamily="34" charset="0"/>
-                <a:ea typeface="ＭＳ Ｐゴシック" charset="0"/>
-                <a:cs typeface="Arial" panose="020B0604020202020204" pitchFamily="34" charset="0"/>
-                <a:hlinkClick r:id="rId18" tooltip="Today at 9:38:42 AM&#10;Click to open in archives"/>
-              </a:rPr>
-              <a:t>]</a:t>
-            </a:r>
-            <a:r>
-              <a:rPr lang="en-US" dirty="0" smtClean="0">
-                <a:effectLst/>
-              </a:rPr>
-              <a:t> </a:t>
-            </a:r>
-          </a:p>
-          <a:p>
-            <a:r>
-              <a:rPr lang="en-US" sz="1200" b="1" u="none" strike="noStrike" kern="1200" dirty="0" err="1" smtClean="0">
-                <a:solidFill>
-                  <a:schemeClr val="tx1"/>
-                </a:solidFill>
-                <a:effectLst/>
-                <a:latin typeface="Arial" panose="020B0604020202020204" pitchFamily="34" charset="0"/>
-                <a:ea typeface="ＭＳ Ｐゴシック" charset="0"/>
-                <a:cs typeface="Arial" panose="020B0604020202020204" pitchFamily="34" charset="0"/>
-                <a:hlinkClick r:id="rId6"/>
-              </a:rPr>
-              <a:t>steve_delfante</a:t>
-            </a:r>
-            <a:r>
-              <a:rPr lang="en-US" dirty="0" smtClean="0">
-                <a:effectLst/>
-              </a:rPr>
-              <a:t> Sounds good. Do you have an ETA for exporting?</a:t>
-            </a:r>
-            <a:r>
-              <a:rPr lang="en-US" sz="1200" kern="1200" dirty="0" smtClean="0">
-                <a:solidFill>
-                  <a:schemeClr val="tx1"/>
-                </a:solidFill>
-                <a:effectLst/>
-                <a:latin typeface="Arial" panose="020B0604020202020204" pitchFamily="34" charset="0"/>
-                <a:ea typeface="ＭＳ Ｐゴシック" charset="0"/>
-                <a:cs typeface="Arial" panose="020B0604020202020204" pitchFamily="34" charset="0"/>
-              </a:rPr>
-              <a:t>(edited)</a:t>
-            </a:r>
-            <a:r>
-              <a:rPr lang="en-US" i="1" dirty="0" smtClean="0">
-                <a:effectLst/>
-              </a:rPr>
-              <a:t/>
-            </a:r>
-            <a:br>
-              <a:rPr lang="en-US" i="1" dirty="0" smtClean="0">
-                <a:effectLst/>
-              </a:rPr>
-            </a:br>
-            <a:endParaRPr lang="en-US" dirty="0" smtClean="0">
-              <a:effectLst/>
-            </a:endParaRPr>
-          </a:p>
-          <a:p>
-            <a:r>
-              <a:rPr lang="en-US" sz="1200" u="none" strike="noStrike" kern="1200" dirty="0" smtClean="0">
-                <a:solidFill>
-                  <a:schemeClr val="tx1"/>
-                </a:solidFill>
-                <a:effectLst/>
-                <a:latin typeface="Arial" panose="020B0604020202020204" pitchFamily="34" charset="0"/>
-                <a:ea typeface="ＭＳ Ｐゴシック" charset="0"/>
-                <a:cs typeface="Arial" panose="020B0604020202020204" pitchFamily="34" charset="0"/>
-                <a:hlinkClick r:id="rId19" tooltip="Today at 9:39:10 AM&#10;Click to open in archives"/>
-              </a:rPr>
-              <a:t>​</a:t>
-            </a:r>
-            <a:r>
-              <a:rPr lang="en-US" sz="1200" i="1" u="none" strike="noStrike" kern="1200" dirty="0" smtClean="0">
-                <a:solidFill>
-                  <a:schemeClr val="tx1"/>
-                </a:solidFill>
-                <a:effectLst/>
-                <a:latin typeface="Arial" panose="020B0604020202020204" pitchFamily="34" charset="0"/>
-                <a:ea typeface="ＭＳ Ｐゴシック" charset="0"/>
-                <a:cs typeface="Arial" panose="020B0604020202020204" pitchFamily="34" charset="0"/>
-                <a:hlinkClick r:id="rId19" tooltip="Today at 9:39:10 AM&#10;Click to open in archives"/>
-              </a:rPr>
-              <a:t>[</a:t>
-            </a:r>
-            <a:r>
-              <a:rPr lang="en-US" sz="1200" u="none" strike="noStrike" kern="1200" dirty="0" smtClean="0">
-                <a:solidFill>
-                  <a:schemeClr val="tx1"/>
-                </a:solidFill>
-                <a:effectLst/>
-                <a:latin typeface="Arial" panose="020B0604020202020204" pitchFamily="34" charset="0"/>
-                <a:ea typeface="ＭＳ Ｐゴシック" charset="0"/>
-                <a:cs typeface="Arial" panose="020B0604020202020204" pitchFamily="34" charset="0"/>
-                <a:hlinkClick r:id="rId19" tooltip="Today at 9:39:10 AM&#10;Click to open in archives"/>
-              </a:rPr>
-              <a:t>9:39 AM</a:t>
-            </a:r>
-            <a:r>
-              <a:rPr lang="en-US" sz="1200" i="1" u="none" strike="noStrike" kern="1200" dirty="0" smtClean="0">
-                <a:solidFill>
-                  <a:schemeClr val="tx1"/>
-                </a:solidFill>
-                <a:effectLst/>
-                <a:latin typeface="Arial" panose="020B0604020202020204" pitchFamily="34" charset="0"/>
-                <a:ea typeface="ＭＳ Ｐゴシック" charset="0"/>
-                <a:cs typeface="Arial" panose="020B0604020202020204" pitchFamily="34" charset="0"/>
-                <a:hlinkClick r:id="rId19" tooltip="Today at 9:39:10 AM&#10;Click to open in archives"/>
-              </a:rPr>
-              <a:t>]</a:t>
-            </a:r>
-            <a:r>
-              <a:rPr lang="en-US" dirty="0" smtClean="0">
-                <a:effectLst/>
-              </a:rPr>
-              <a:t> </a:t>
-            </a:r>
-          </a:p>
-          <a:p>
-            <a:r>
-              <a:rPr lang="en-US" sz="1200" b="1" u="none" strike="noStrike" kern="1200" dirty="0" err="1" smtClean="0">
-                <a:solidFill>
-                  <a:schemeClr val="tx1"/>
-                </a:solidFill>
-                <a:effectLst/>
-                <a:latin typeface="Arial" panose="020B0604020202020204" pitchFamily="34" charset="0"/>
-                <a:ea typeface="ＭＳ Ｐゴシック" charset="0"/>
-                <a:cs typeface="Arial" panose="020B0604020202020204" pitchFamily="34" charset="0"/>
-                <a:hlinkClick r:id="rId4"/>
-              </a:rPr>
-              <a:t>dominik</a:t>
-            </a:r>
-            <a:r>
-              <a:rPr lang="en-US" dirty="0" smtClean="0">
-                <a:effectLst/>
-              </a:rPr>
-              <a:t> It has not been explicitly planned yet. My expectation is for end of Q1, but it could just as easily move into early Q2</a:t>
-            </a:r>
-            <a:r>
-              <a:rPr lang="en-US" i="1" dirty="0" smtClean="0">
-                <a:effectLst/>
-              </a:rPr>
-              <a:t/>
-            </a:r>
-            <a:br>
-              <a:rPr lang="en-US" i="1" dirty="0" smtClean="0">
-                <a:effectLst/>
-              </a:rPr>
-            </a:br>
-            <a:endParaRPr lang="en-US" dirty="0" smtClean="0">
-              <a:effectLst/>
-            </a:endParaRPr>
-          </a:p>
-          <a:p>
-            <a:r>
-              <a:rPr lang="en-US" sz="1200" u="none" strike="noStrike" kern="1200" dirty="0" smtClean="0">
-                <a:solidFill>
-                  <a:schemeClr val="tx1"/>
-                </a:solidFill>
-                <a:effectLst/>
-                <a:latin typeface="Arial" panose="020B0604020202020204" pitchFamily="34" charset="0"/>
-                <a:ea typeface="ＭＳ Ｐゴシック" charset="0"/>
-                <a:cs typeface="Arial" panose="020B0604020202020204" pitchFamily="34" charset="0"/>
-                <a:hlinkClick r:id="rId20" tooltip="Today at 9:39:20 AM&#10;Click to open in archives"/>
-              </a:rPr>
-              <a:t>​</a:t>
-            </a:r>
-            <a:r>
-              <a:rPr lang="en-US" sz="1200" i="1" u="none" strike="noStrike" kern="1200" dirty="0" smtClean="0">
-                <a:solidFill>
-                  <a:schemeClr val="tx1"/>
-                </a:solidFill>
-                <a:effectLst/>
-                <a:latin typeface="Arial" panose="020B0604020202020204" pitchFamily="34" charset="0"/>
-                <a:ea typeface="ＭＳ Ｐゴシック" charset="0"/>
-                <a:cs typeface="Arial" panose="020B0604020202020204" pitchFamily="34" charset="0"/>
-                <a:hlinkClick r:id="rId20" tooltip="Today at 9:39:20 AM&#10;Click to open in archives"/>
-              </a:rPr>
-              <a:t>[</a:t>
-            </a:r>
-            <a:r>
-              <a:rPr lang="en-US" sz="1200" u="none" strike="noStrike" kern="1200" dirty="0" smtClean="0">
-                <a:solidFill>
-                  <a:schemeClr val="tx1"/>
-                </a:solidFill>
-                <a:effectLst/>
-                <a:latin typeface="Arial" panose="020B0604020202020204" pitchFamily="34" charset="0"/>
-                <a:ea typeface="ＭＳ Ｐゴシック" charset="0"/>
-                <a:cs typeface="Arial" panose="020B0604020202020204" pitchFamily="34" charset="0"/>
-                <a:hlinkClick r:id="rId20" tooltip="Today at 9:39:20 AM&#10;Click to open in archives"/>
-              </a:rPr>
-              <a:t>9:39 AM</a:t>
-            </a:r>
-            <a:r>
-              <a:rPr lang="en-US" sz="1200" i="1" u="none" strike="noStrike" kern="1200" dirty="0" smtClean="0">
-                <a:solidFill>
-                  <a:schemeClr val="tx1"/>
-                </a:solidFill>
-                <a:effectLst/>
-                <a:latin typeface="Arial" panose="020B0604020202020204" pitchFamily="34" charset="0"/>
-                <a:ea typeface="ＭＳ Ｐゴシック" charset="0"/>
-                <a:cs typeface="Arial" panose="020B0604020202020204" pitchFamily="34" charset="0"/>
-                <a:hlinkClick r:id="rId20" tooltip="Today at 9:39:20 AM&#10;Click to open in archives"/>
-              </a:rPr>
-              <a:t>]</a:t>
-            </a:r>
-            <a:r>
-              <a:rPr lang="en-US" dirty="0" smtClean="0">
-                <a:effectLst/>
-              </a:rPr>
-              <a:t> </a:t>
-            </a:r>
-          </a:p>
-          <a:p>
-            <a:r>
-              <a:rPr lang="en-US" sz="1200" b="1" u="none" strike="noStrike" kern="1200" dirty="0" err="1" smtClean="0">
-                <a:solidFill>
-                  <a:schemeClr val="tx1"/>
-                </a:solidFill>
-                <a:effectLst/>
-                <a:latin typeface="Arial" panose="020B0604020202020204" pitchFamily="34" charset="0"/>
-                <a:ea typeface="ＭＳ Ｐゴシック" charset="0"/>
-                <a:cs typeface="Arial" panose="020B0604020202020204" pitchFamily="34" charset="0"/>
-                <a:hlinkClick r:id="rId6"/>
-              </a:rPr>
-              <a:t>steve_delfante</a:t>
-            </a:r>
-            <a:r>
-              <a:rPr lang="en-US" dirty="0" smtClean="0">
-                <a:effectLst/>
-              </a:rPr>
-              <a:t> Ok. Thanks!</a:t>
-            </a:r>
-            <a:r>
-              <a:rPr lang="en-US" i="1" dirty="0" smtClean="0">
-                <a:effectLst/>
-              </a:rPr>
-              <a:t/>
-            </a:r>
-            <a:br>
-              <a:rPr lang="en-US" i="1" dirty="0" smtClean="0">
-                <a:effectLst/>
-              </a:rPr>
-            </a:br>
-            <a:endParaRPr lang="en-US" dirty="0" smtClean="0">
-              <a:effectLst/>
-            </a:endParaRPr>
-          </a:p>
-          <a:p>
-            <a:r>
-              <a:rPr lang="en-US" sz="1200" u="none" strike="noStrike" kern="1200" dirty="0" smtClean="0">
-                <a:solidFill>
-                  <a:schemeClr val="tx1"/>
-                </a:solidFill>
-                <a:effectLst/>
-                <a:latin typeface="Arial" panose="020B0604020202020204" pitchFamily="34" charset="0"/>
-                <a:ea typeface="ＭＳ Ｐゴシック" charset="0"/>
-                <a:cs typeface="Arial" panose="020B0604020202020204" pitchFamily="34" charset="0"/>
-                <a:hlinkClick r:id="rId21" tooltip="Today at 9:39:26 AM&#10;Click to open in archives"/>
-              </a:rPr>
-              <a:t>​</a:t>
-            </a:r>
-            <a:r>
-              <a:rPr lang="en-US" sz="1200" i="1" u="none" strike="noStrike" kern="1200" dirty="0" smtClean="0">
-                <a:solidFill>
-                  <a:schemeClr val="tx1"/>
-                </a:solidFill>
-                <a:effectLst/>
-                <a:latin typeface="Arial" panose="020B0604020202020204" pitchFamily="34" charset="0"/>
-                <a:ea typeface="ＭＳ Ｐゴシック" charset="0"/>
-                <a:cs typeface="Arial" panose="020B0604020202020204" pitchFamily="34" charset="0"/>
-                <a:hlinkClick r:id="rId21" tooltip="Today at 9:39:26 AM&#10;Click to open in archives"/>
-              </a:rPr>
-              <a:t>[</a:t>
-            </a:r>
-            <a:r>
-              <a:rPr lang="en-US" sz="1200" u="none" strike="noStrike" kern="1200" dirty="0" smtClean="0">
-                <a:solidFill>
-                  <a:schemeClr val="tx1"/>
-                </a:solidFill>
-                <a:effectLst/>
-                <a:latin typeface="Arial" panose="020B0604020202020204" pitchFamily="34" charset="0"/>
-                <a:ea typeface="ＭＳ Ｐゴシック" charset="0"/>
-                <a:cs typeface="Arial" panose="020B0604020202020204" pitchFamily="34" charset="0"/>
-                <a:hlinkClick r:id="rId21" tooltip="Today at 9:39:26 AM&#10;Click to open in archives"/>
-              </a:rPr>
-              <a:t>9:39 AM</a:t>
-            </a:r>
-            <a:r>
-              <a:rPr lang="en-US" sz="1200" i="1" u="none" strike="noStrike" kern="1200" dirty="0" smtClean="0">
-                <a:solidFill>
-                  <a:schemeClr val="tx1"/>
-                </a:solidFill>
-                <a:effectLst/>
-                <a:latin typeface="Arial" panose="020B0604020202020204" pitchFamily="34" charset="0"/>
-                <a:ea typeface="ＭＳ Ｐゴシック" charset="0"/>
-                <a:cs typeface="Arial" panose="020B0604020202020204" pitchFamily="34" charset="0"/>
-                <a:hlinkClick r:id="rId21" tooltip="Today at 9:39:26 AM&#10;Click to open in archives"/>
-              </a:rPr>
-              <a:t>]</a:t>
-            </a:r>
-            <a:r>
-              <a:rPr lang="en-US" dirty="0" smtClean="0">
-                <a:effectLst/>
-              </a:rPr>
-              <a:t> </a:t>
-            </a:r>
-          </a:p>
-          <a:p>
-            <a:r>
-              <a:rPr lang="en-US" sz="1200" b="1" u="none" strike="noStrike" kern="1200" dirty="0" err="1" smtClean="0">
-                <a:solidFill>
-                  <a:schemeClr val="tx1"/>
-                </a:solidFill>
-                <a:effectLst/>
-                <a:latin typeface="Arial" panose="020B0604020202020204" pitchFamily="34" charset="0"/>
-                <a:ea typeface="ＭＳ Ｐゴシック" charset="0"/>
-                <a:cs typeface="Arial" panose="020B0604020202020204" pitchFamily="34" charset="0"/>
-                <a:hlinkClick r:id="rId4"/>
-              </a:rPr>
-              <a:t>dominik</a:t>
-            </a:r>
-            <a:r>
-              <a:rPr lang="en-US" dirty="0" smtClean="0">
-                <a:effectLst/>
-              </a:rPr>
-              <a:t> JSON-based exporting however is already supported</a:t>
-            </a:r>
-            <a:r>
-              <a:rPr lang="en-US" i="1" dirty="0" smtClean="0">
-                <a:effectLst/>
-              </a:rPr>
-              <a:t/>
-            </a:r>
-            <a:br>
-              <a:rPr lang="en-US" i="1" dirty="0" smtClean="0">
-                <a:effectLst/>
-              </a:rPr>
-            </a:br>
-            <a:endParaRPr lang="en-US" dirty="0" smtClean="0">
-              <a:effectLst/>
-            </a:endParaRPr>
-          </a:p>
-          <a:p>
-            <a:r>
-              <a:rPr lang="en-US" sz="1200" b="1" i="0" kern="1200" dirty="0" smtClean="0">
-                <a:solidFill>
-                  <a:schemeClr val="tx1"/>
-                </a:solidFill>
-                <a:effectLst/>
-                <a:latin typeface="Arial" panose="020B0604020202020204" pitchFamily="34" charset="0"/>
-                <a:ea typeface="ＭＳ Ｐゴシック" charset="0"/>
-                <a:cs typeface="Arial" panose="020B0604020202020204" pitchFamily="34" charset="0"/>
-              </a:rPr>
-              <a:t>new messages</a:t>
-            </a:r>
-            <a:endParaRPr lang="en-US" sz="1200" b="0" i="0" kern="1200" dirty="0" smtClean="0">
-              <a:solidFill>
-                <a:schemeClr val="tx1"/>
-              </a:solidFill>
-              <a:effectLst/>
-              <a:latin typeface="Arial" panose="020B0604020202020204" pitchFamily="34" charset="0"/>
-              <a:ea typeface="ＭＳ Ｐゴシック" charset="0"/>
-              <a:cs typeface="Arial" panose="020B0604020202020204" pitchFamily="34" charset="0"/>
-            </a:endParaRPr>
-          </a:p>
-          <a:p>
-            <a:r>
-              <a:rPr lang="en-US" sz="1200" u="none" strike="noStrike" kern="1200" dirty="0" smtClean="0">
-                <a:solidFill>
-                  <a:schemeClr val="tx1"/>
-                </a:solidFill>
-                <a:effectLst/>
-                <a:latin typeface="Arial" panose="020B0604020202020204" pitchFamily="34" charset="0"/>
-                <a:ea typeface="ＭＳ Ｐゴシック" charset="0"/>
-                <a:cs typeface="Arial" panose="020B0604020202020204" pitchFamily="34" charset="0"/>
-                <a:hlinkClick r:id="rId22" tooltip="Today at 9:39:37 AM&#10;Click to open in archives"/>
-              </a:rPr>
-              <a:t>​</a:t>
-            </a:r>
-            <a:r>
-              <a:rPr lang="en-US" sz="1200" i="1" u="none" strike="noStrike" kern="1200" dirty="0" smtClean="0">
-                <a:solidFill>
-                  <a:schemeClr val="tx1"/>
-                </a:solidFill>
-                <a:effectLst/>
-                <a:latin typeface="Arial" panose="020B0604020202020204" pitchFamily="34" charset="0"/>
-                <a:ea typeface="ＭＳ Ｐゴシック" charset="0"/>
-                <a:cs typeface="Arial" panose="020B0604020202020204" pitchFamily="34" charset="0"/>
-                <a:hlinkClick r:id="rId22" tooltip="Today at 9:39:37 AM&#10;Click to open in archives"/>
-              </a:rPr>
-              <a:t>[</a:t>
-            </a:r>
-            <a:r>
-              <a:rPr lang="en-US" sz="1200" u="none" strike="noStrike" kern="1200" dirty="0" smtClean="0">
-                <a:solidFill>
-                  <a:schemeClr val="tx1"/>
-                </a:solidFill>
-                <a:effectLst/>
-                <a:latin typeface="Arial" panose="020B0604020202020204" pitchFamily="34" charset="0"/>
-                <a:ea typeface="ＭＳ Ｐゴシック" charset="0"/>
-                <a:cs typeface="Arial" panose="020B0604020202020204" pitchFamily="34" charset="0"/>
-                <a:hlinkClick r:id="rId22" tooltip="Today at 9:39:37 AM&#10;Click to open in archives"/>
-              </a:rPr>
-              <a:t>9:39 AM</a:t>
-            </a:r>
-            <a:r>
-              <a:rPr lang="en-US" sz="1200" i="1" u="none" strike="noStrike" kern="1200" dirty="0" smtClean="0">
-                <a:solidFill>
-                  <a:schemeClr val="tx1"/>
-                </a:solidFill>
-                <a:effectLst/>
-                <a:latin typeface="Arial" panose="020B0604020202020204" pitchFamily="34" charset="0"/>
-                <a:ea typeface="ＭＳ Ｐゴシック" charset="0"/>
-                <a:cs typeface="Arial" panose="020B0604020202020204" pitchFamily="34" charset="0"/>
-                <a:hlinkClick r:id="rId22" tooltip="Today at 9:39:37 AM&#10;Click to open in archives"/>
-              </a:rPr>
-              <a:t>]</a:t>
-            </a:r>
-            <a:r>
-              <a:rPr lang="en-US" dirty="0" smtClean="0">
-                <a:effectLst/>
-              </a:rPr>
-              <a:t> </a:t>
-            </a:r>
-          </a:p>
-          <a:p>
-            <a:r>
-              <a:rPr lang="en-US" dirty="0" smtClean="0">
-                <a:effectLst/>
-              </a:rPr>
-              <a:t>and we are rewriting the API to be much better at generating large reports</a:t>
-            </a:r>
-            <a:r>
-              <a:rPr lang="en-US" i="1" dirty="0" smtClean="0">
-                <a:effectLst/>
-              </a:rPr>
-              <a:t/>
-            </a:r>
-            <a:br>
-              <a:rPr lang="en-US" i="1" dirty="0" smtClean="0">
-                <a:effectLst/>
-              </a:rPr>
-            </a:br>
-            <a:endParaRPr lang="en-US" dirty="0" smtClean="0">
-              <a:effectLst/>
-            </a:endParaRPr>
-          </a:p>
-          <a:p>
-            <a:r>
-              <a:rPr lang="en-US" sz="1200" u="none" strike="noStrike" kern="1200" dirty="0" smtClean="0">
-                <a:solidFill>
-                  <a:schemeClr val="tx1"/>
-                </a:solidFill>
-                <a:effectLst/>
-                <a:latin typeface="Arial" panose="020B0604020202020204" pitchFamily="34" charset="0"/>
-                <a:ea typeface="ＭＳ Ｐゴシック" charset="0"/>
-                <a:cs typeface="Arial" panose="020B0604020202020204" pitchFamily="34" charset="0"/>
-                <a:hlinkClick r:id="rId23" tooltip="Today at 9:39:49 AM&#10;Click to open in archives"/>
-              </a:rPr>
-              <a:t>​</a:t>
-            </a:r>
-            <a:r>
-              <a:rPr lang="en-US" sz="1200" i="1" u="none" strike="noStrike" kern="1200" dirty="0" smtClean="0">
-                <a:solidFill>
-                  <a:schemeClr val="tx1"/>
-                </a:solidFill>
-                <a:effectLst/>
-                <a:latin typeface="Arial" panose="020B0604020202020204" pitchFamily="34" charset="0"/>
-                <a:ea typeface="ＭＳ Ｐゴシック" charset="0"/>
-                <a:cs typeface="Arial" panose="020B0604020202020204" pitchFamily="34" charset="0"/>
-                <a:hlinkClick r:id="rId23" tooltip="Today at 9:39:49 AM&#10;Click to open in archives"/>
-              </a:rPr>
-              <a:t>[</a:t>
-            </a:r>
-            <a:r>
-              <a:rPr lang="en-US" sz="1200" u="none" strike="noStrike" kern="1200" dirty="0" smtClean="0">
-                <a:solidFill>
-                  <a:schemeClr val="tx1"/>
-                </a:solidFill>
-                <a:effectLst/>
-                <a:latin typeface="Arial" panose="020B0604020202020204" pitchFamily="34" charset="0"/>
-                <a:ea typeface="ＭＳ Ｐゴシック" charset="0"/>
-                <a:cs typeface="Arial" panose="020B0604020202020204" pitchFamily="34" charset="0"/>
-                <a:hlinkClick r:id="rId23" tooltip="Today at 9:39:49 AM&#10;Click to open in archives"/>
-              </a:rPr>
-              <a:t>9:39 AM</a:t>
-            </a:r>
-            <a:r>
-              <a:rPr lang="en-US" sz="1200" i="1" u="none" strike="noStrike" kern="1200" dirty="0" smtClean="0">
-                <a:solidFill>
-                  <a:schemeClr val="tx1"/>
-                </a:solidFill>
-                <a:effectLst/>
-                <a:latin typeface="Arial" panose="020B0604020202020204" pitchFamily="34" charset="0"/>
-                <a:ea typeface="ＭＳ Ｐゴシック" charset="0"/>
-                <a:cs typeface="Arial" panose="020B0604020202020204" pitchFamily="34" charset="0"/>
-                <a:hlinkClick r:id="rId23" tooltip="Today at 9:39:49 AM&#10;Click to open in archives"/>
-              </a:rPr>
-              <a:t>]</a:t>
-            </a:r>
-            <a:r>
-              <a:rPr lang="en-US" dirty="0" smtClean="0">
-                <a:effectLst/>
-              </a:rPr>
-              <a:t> </a:t>
-            </a:r>
-          </a:p>
-          <a:p>
-            <a:r>
-              <a:rPr lang="en-US" dirty="0" smtClean="0">
-                <a:effectLst/>
-              </a:rPr>
-              <a:t>let me know if customers have different priorities</a:t>
-            </a:r>
-          </a:p>
-          <a:p>
-            <a:endParaRPr lang="en-US" dirty="0"/>
-          </a:p>
-        </p:txBody>
-      </p:sp>
-      <p:sp>
-        <p:nvSpPr>
-          <p:cNvPr id="4" name="Slide Number Placeholder 3"/>
-          <p:cNvSpPr>
-            <a:spLocks noGrp="1"/>
-          </p:cNvSpPr>
-          <p:nvPr>
-            <p:ph type="sldNum" sz="quarter" idx="10"/>
-          </p:nvPr>
-        </p:nvSpPr>
-        <p:spPr/>
-        <p:txBody>
-          <a:bodyPr/>
-          <a:lstStyle/>
-          <a:p>
-            <a:pPr>
-              <a:defRPr/>
-            </a:pPr>
-            <a:fld id="{DC3734AA-3150-D947-AC52-2F5DF48BFCD5}" type="slidenum">
-              <a:rPr lang="en-US" smtClean="0"/>
-              <a:pPr>
-                <a:defRPr/>
-              </a:pPr>
-              <a:t>21</a:t>
-            </a:fld>
-            <a:endParaRPr lang="en-US" dirty="0"/>
-          </a:p>
-        </p:txBody>
-      </p:sp>
-      <p:sp>
-        <p:nvSpPr>
-          <p:cNvPr id="5" name="Header Placeholder 4"/>
-          <p:cNvSpPr>
-            <a:spLocks noGrp="1"/>
-          </p:cNvSpPr>
-          <p:nvPr>
-            <p:ph type="hdr" sz="quarter" idx="11"/>
-          </p:nvPr>
-        </p:nvSpPr>
-        <p:spPr/>
-        <p:txBody>
-          <a:bodyPr/>
-          <a:lstStyle/>
-          <a:p>
-            <a:pPr>
-              <a:defRPr/>
-            </a:pPr>
-            <a:endParaRPr lang="en-US"/>
-          </a:p>
-        </p:txBody>
-      </p:sp>
-      <p:sp>
-        <p:nvSpPr>
-          <p:cNvPr id="6" name="Footer Placeholder 5"/>
-          <p:cNvSpPr>
-            <a:spLocks noGrp="1"/>
-          </p:cNvSpPr>
-          <p:nvPr>
-            <p:ph type="ftr" sz="quarter" idx="12"/>
-          </p:nvPr>
-        </p:nvSpPr>
-        <p:spPr/>
-        <p:txBody>
-          <a:bodyPr/>
-          <a:lstStyle/>
-          <a:p>
-            <a:pPr>
-              <a:defRPr/>
-            </a:pPr>
-            <a:endParaRPr lang="en-US"/>
-          </a:p>
-        </p:txBody>
-      </p:sp>
-    </p:spTree>
-    <p:extLst>
-      <p:ext uri="{BB962C8B-B14F-4D97-AF65-F5344CB8AC3E}">
-        <p14:creationId xmlns:p14="http://schemas.microsoft.com/office/powerpoint/2010/main" val="2076100887"/>
-      </p:ext>
-    </p:extLst>
-  </p:cSld>
-  <p:clrMapOvr>
-    <a:masterClrMapping/>
-  </p:clrMapOvr>
-</p:notes>
-</file>
-
-<file path=ppt/notesSlides/notesSlide11.xml><?xml version="1.0" encoding="utf-8"?>
-<p:notes xmlns:a="http://schemas.openxmlformats.org/drawingml/2006/main" xmlns:r="http://schemas.openxmlformats.org/officeDocument/2006/relationships" xmlns:p="http://schemas.openxmlformats.org/presentationml/2006/main">
-  <p:cSld>
-    <p:spTree>
-      <p:nvGrpSpPr>
-        <p:cNvPr id="1" name=""/>
-        <p:cNvGrpSpPr/>
-        <p:nvPr/>
-      </p:nvGrpSpPr>
-      <p:grpSpPr>
-        <a:xfrm>
-          <a:off x="0" y="0"/>
-          <a:ext cx="0" cy="0"/>
-          <a:chOff x="0" y="0"/>
-          <a:chExt cx="0" cy="0"/>
-        </a:xfrm>
-      </p:grpSpPr>
-      <p:sp>
-        <p:nvSpPr>
-          <p:cNvPr id="2" name="Slide Image Placeholder 1"/>
-          <p:cNvSpPr>
-            <a:spLocks noGrp="1" noRot="1" noChangeAspect="1"/>
-          </p:cNvSpPr>
-          <p:nvPr>
-            <p:ph type="sldImg"/>
-          </p:nvPr>
-        </p:nvSpPr>
-        <p:spPr/>
-      </p:sp>
-      <p:sp>
-        <p:nvSpPr>
-          <p:cNvPr id="3" name="Notes Placeholder 2"/>
-          <p:cNvSpPr>
-            <a:spLocks noGrp="1"/>
-          </p:cNvSpPr>
-          <p:nvPr>
-            <p:ph type="body" idx="1"/>
-          </p:nvPr>
-        </p:nvSpPr>
-        <p:spPr/>
-        <p:txBody>
-          <a:bodyPr/>
-          <a:lstStyle/>
-          <a:p>
-            <a:endParaRPr lang="en-US" dirty="0"/>
-          </a:p>
-        </p:txBody>
-      </p:sp>
-      <p:sp>
-        <p:nvSpPr>
-          <p:cNvPr id="4" name="Slide Number Placeholder 3"/>
-          <p:cNvSpPr>
-            <a:spLocks noGrp="1"/>
-          </p:cNvSpPr>
-          <p:nvPr>
-            <p:ph type="sldNum" sz="quarter" idx="10"/>
-          </p:nvPr>
-        </p:nvSpPr>
-        <p:spPr/>
-        <p:txBody>
-          <a:bodyPr/>
-          <a:lstStyle/>
-          <a:p>
-            <a:pPr>
-              <a:defRPr/>
-            </a:pPr>
-            <a:fld id="{DC3734AA-3150-D947-AC52-2F5DF48BFCD5}" type="slidenum">
-              <a:rPr lang="en-US" smtClean="0"/>
-              <a:pPr>
-                <a:defRPr/>
-              </a:pPr>
-              <a:t>22</a:t>
-            </a:fld>
-            <a:endParaRPr lang="en-US" dirty="0"/>
-          </a:p>
-        </p:txBody>
-      </p:sp>
-      <p:sp>
-        <p:nvSpPr>
-          <p:cNvPr id="5" name="Header Placeholder 4"/>
-          <p:cNvSpPr>
-            <a:spLocks noGrp="1"/>
-          </p:cNvSpPr>
-          <p:nvPr>
-            <p:ph type="hdr" sz="quarter" idx="11"/>
-          </p:nvPr>
-        </p:nvSpPr>
-        <p:spPr/>
-        <p:txBody>
-          <a:bodyPr/>
-          <a:lstStyle/>
-          <a:p>
-            <a:pPr>
-              <a:defRPr/>
-            </a:pPr>
-            <a:endParaRPr lang="en-US"/>
-          </a:p>
-        </p:txBody>
-      </p:sp>
-      <p:sp>
-        <p:nvSpPr>
-          <p:cNvPr id="6" name="Footer Placeholder 5"/>
-          <p:cNvSpPr>
-            <a:spLocks noGrp="1"/>
-          </p:cNvSpPr>
-          <p:nvPr>
-            <p:ph type="ftr" sz="quarter" idx="12"/>
-          </p:nvPr>
-        </p:nvSpPr>
-        <p:spPr/>
-        <p:txBody>
-          <a:bodyPr/>
-          <a:lstStyle/>
-          <a:p>
-            <a:pPr>
-              <a:defRPr/>
-            </a:pPr>
-            <a:endParaRPr lang="en-US"/>
-          </a:p>
-        </p:txBody>
-      </p:sp>
-    </p:spTree>
-    <p:extLst>
-      <p:ext uri="{BB962C8B-B14F-4D97-AF65-F5344CB8AC3E}">
-        <p14:creationId xmlns:p14="http://schemas.microsoft.com/office/powerpoint/2010/main" val="2361220506"/>
-      </p:ext>
-    </p:extLst>
-  </p:cSld>
-  <p:clrMapOvr>
-    <a:masterClrMapping/>
-  </p:clrMapOvr>
-</p:notes>
-</file>
-
-<file path=ppt/notesSlides/notesSlide12.xml><?xml version="1.0" encoding="utf-8"?>
-<p:notes xmlns:a="http://schemas.openxmlformats.org/drawingml/2006/main" xmlns:r="http://schemas.openxmlformats.org/officeDocument/2006/relationships" xmlns:p="http://schemas.openxmlformats.org/presentationml/2006/main">
-  <p:cSld>
-    <p:spTree>
-      <p:nvGrpSpPr>
-        <p:cNvPr id="1" name=""/>
-        <p:cNvGrpSpPr/>
-        <p:nvPr/>
-      </p:nvGrpSpPr>
-      <p:grpSpPr>
-        <a:xfrm>
-          <a:off x="0" y="0"/>
-          <a:ext cx="0" cy="0"/>
-          <a:chOff x="0" y="0"/>
-          <a:chExt cx="0" cy="0"/>
-        </a:xfrm>
-      </p:grpSpPr>
-      <p:sp>
-        <p:nvSpPr>
-          <p:cNvPr id="2" name="Slide Image Placeholder 1"/>
-          <p:cNvSpPr>
-            <a:spLocks noGrp="1" noRot="1" noChangeAspect="1"/>
-          </p:cNvSpPr>
-          <p:nvPr>
-            <p:ph type="sldImg"/>
-          </p:nvPr>
-        </p:nvSpPr>
-        <p:spPr/>
-      </p:sp>
-      <p:sp>
-        <p:nvSpPr>
-          <p:cNvPr id="3" name="Notes Placeholder 2"/>
-          <p:cNvSpPr>
-            <a:spLocks noGrp="1"/>
-          </p:cNvSpPr>
-          <p:nvPr>
-            <p:ph type="body" idx="1"/>
-          </p:nvPr>
-        </p:nvSpPr>
-        <p:spPr/>
-        <p:txBody>
-          <a:bodyPr/>
-          <a:lstStyle/>
-          <a:p>
-            <a:r>
-              <a:rPr lang="en-US" dirty="0" smtClean="0"/>
-              <a:t>In addition to the uploading procedure we'll do in the exercise, in the workplace you could also upload such custom profiles using an API.</a:t>
-            </a:r>
-            <a:endParaRPr lang="en-US" dirty="0"/>
-          </a:p>
-        </p:txBody>
-      </p:sp>
-      <p:sp>
-        <p:nvSpPr>
-          <p:cNvPr id="4" name="Slide Number Placeholder 3"/>
-          <p:cNvSpPr>
-            <a:spLocks noGrp="1"/>
-          </p:cNvSpPr>
-          <p:nvPr>
-            <p:ph type="sldNum" sz="quarter" idx="10"/>
-          </p:nvPr>
-        </p:nvSpPr>
-        <p:spPr/>
-        <p:txBody>
-          <a:bodyPr/>
-          <a:lstStyle/>
-          <a:p>
-            <a:pPr>
-              <a:defRPr/>
-            </a:pPr>
-            <a:fld id="{DC3734AA-3150-D947-AC52-2F5DF48BFCD5}" type="slidenum">
-              <a:rPr lang="en-US" smtClean="0"/>
-              <a:pPr>
-                <a:defRPr/>
-              </a:pPr>
-              <a:t>23</a:t>
-            </a:fld>
-            <a:endParaRPr lang="en-US" dirty="0"/>
-          </a:p>
-        </p:txBody>
-      </p:sp>
-      <p:sp>
-        <p:nvSpPr>
-          <p:cNvPr id="5" name="Header Placeholder 4"/>
-          <p:cNvSpPr>
-            <a:spLocks noGrp="1"/>
-          </p:cNvSpPr>
-          <p:nvPr>
-            <p:ph type="hdr" sz="quarter" idx="11"/>
-          </p:nvPr>
-        </p:nvSpPr>
-        <p:spPr/>
-        <p:txBody>
-          <a:bodyPr/>
-          <a:lstStyle/>
-          <a:p>
-            <a:pPr>
-              <a:defRPr/>
-            </a:pPr>
-            <a:endParaRPr lang="en-US"/>
-          </a:p>
-        </p:txBody>
-      </p:sp>
-      <p:sp>
-        <p:nvSpPr>
-          <p:cNvPr id="6" name="Footer Placeholder 5"/>
-          <p:cNvSpPr>
-            <a:spLocks noGrp="1"/>
-          </p:cNvSpPr>
-          <p:nvPr>
-            <p:ph type="ftr" sz="quarter" idx="12"/>
-          </p:nvPr>
-        </p:nvSpPr>
-        <p:spPr/>
-        <p:txBody>
-          <a:bodyPr/>
-          <a:lstStyle/>
-          <a:p>
-            <a:pPr>
-              <a:defRPr/>
-            </a:pPr>
-            <a:endParaRPr lang="en-US"/>
-          </a:p>
-        </p:txBody>
-      </p:sp>
-    </p:spTree>
-    <p:extLst>
-      <p:ext uri="{BB962C8B-B14F-4D97-AF65-F5344CB8AC3E}">
-        <p14:creationId xmlns:p14="http://schemas.microsoft.com/office/powerpoint/2010/main" val="3405956132"/>
-      </p:ext>
-    </p:extLst>
-  </p:cSld>
-  <p:clrMapOvr>
-    <a:masterClrMapping/>
-  </p:clrMapOvr>
-</p:notes>
-</file>
-
 <file path=ppt/notesSlides/notesSlide2.xml><?xml version="1.0" encoding="utf-8"?>
 <p:notes xmlns:a="http://schemas.openxmlformats.org/drawingml/2006/main" xmlns:r="http://schemas.openxmlformats.org/officeDocument/2006/relationships" xmlns:p="http://schemas.openxmlformats.org/presentationml/2006/main">
   <p:cSld>
@@ -3286,12 +1059,55 @@
           <a:p>
             <a:r>
               <a:rPr lang="en-US" dirty="0" smtClean="0"/>
-              <a:t>This time distinction could be important if you need to view the</a:t>
+              <a:t>This time distinction </a:t>
+            </a:r>
+            <a:r>
+              <a:rPr lang="en-US" dirty="0" smtClean="0"/>
+              <a:t>is important</a:t>
             </a:r>
             <a:r>
               <a:rPr lang="en-US" baseline="0" dirty="0" smtClean="0"/>
-              <a:t> Compliance logs.</a:t>
-            </a:r>
+              <a:t> when scheduling scans or if viewing the compliance logs.</a:t>
+            </a:r>
+          </a:p>
+          <a:p>
+            <a:endParaRPr lang="en-US" baseline="0" dirty="0" smtClean="0"/>
+          </a:p>
+          <a:p>
+            <a:pPr marL="0" marR="0" indent="0" algn="l" defTabSz="1217613" rtl="0" eaLnBrk="1" fontAlgn="base" latinLnBrk="0" hangingPunct="1">
+              <a:lnSpc>
+                <a:spcPct val="90000"/>
+              </a:lnSpc>
+              <a:spcBef>
+                <a:spcPct val="30000"/>
+              </a:spcBef>
+              <a:spcAft>
+                <a:spcPts val="450"/>
+              </a:spcAft>
+              <a:buClrTx/>
+              <a:buSzTx/>
+              <a:buFontTx/>
+              <a:buNone/>
+              <a:tabLst/>
+              <a:defRPr/>
+            </a:pPr>
+            <a:r>
+              <a:rPr lang="en-US" dirty="0" smtClean="0"/>
+              <a:t>Instructor Note: As</a:t>
+            </a:r>
+            <a:r>
+              <a:rPr lang="en-US" baseline="0" dirty="0" smtClean="0"/>
+              <a:t> of this writing this slide is correct but it could be subject to change. Also, here is the `tail` command in case you want to demonstrate the logs as you set a scheduled scan: `</a:t>
+            </a:r>
+            <a:r>
+              <a:rPr lang="en-US" dirty="0" smtClean="0"/>
+              <a:t>sudo tail -f /var/log/chef-compliance/core/current`/</a:t>
+            </a:r>
+          </a:p>
+          <a:p>
+            <a:endParaRPr lang="en-US" dirty="0" smtClean="0"/>
+          </a:p>
+          <a:p>
             <a:endParaRPr lang="en-US" dirty="0"/>
           </a:p>
         </p:txBody>
@@ -3570,15 +1386,7 @@
             </a:r>
             <a:r>
               <a:rPr lang="en-US" baseline="0" dirty="0" smtClean="0"/>
-              <a:t> recommend you demonstrate the </a:t>
-            </a:r>
-            <a:r>
-              <a:rPr lang="en-US" baseline="0" dirty="0" smtClean="0"/>
-              <a:t>available </a:t>
-            </a:r>
-            <a:r>
-              <a:rPr lang="en-US" baseline="0" dirty="0" smtClean="0"/>
-              <a:t>recurrence values in the UI at this time. </a:t>
+              <a:t> recommend you demonstrate the available recurrence values in the UI at this time. </a:t>
             </a:r>
             <a:endParaRPr lang="en-US" dirty="0"/>
           </a:p>
@@ -3875,7 +1683,7 @@
               <a:pPr>
                 <a:defRPr/>
               </a:pPr>
-              <a:t>16</a:t>
+              <a:t>17</a:t>
             </a:fld>
             <a:endParaRPr lang="en-US" dirty="0"/>
           </a:p>
@@ -3928,7 +1736,7 @@
     </p:spTree>
     <p:extLst>
       <p:ext uri="{BB962C8B-B14F-4D97-AF65-F5344CB8AC3E}">
-        <p14:creationId xmlns:p14="http://schemas.microsoft.com/office/powerpoint/2010/main" val="2246090238"/>
+        <p14:creationId xmlns:p14="http://schemas.microsoft.com/office/powerpoint/2010/main" val="950970001"/>
       </p:ext>
     </p:extLst>
   </p:cSld>
@@ -3982,6 +1790,14 @@
           <a:bodyPr/>
           <a:lstStyle/>
           <a:p>
+            <a:r>
+              <a:rPr lang="en-US" dirty="0" smtClean="0"/>
+              <a:t>Instructor Note: This section is more of a placeholder for exporting Compliance reports after the PDF and Excel</a:t>
+            </a:r>
+            <a:r>
+              <a:rPr lang="en-US" baseline="0" dirty="0" smtClean="0"/>
+              <a:t> methods are ready for release.</a:t>
+            </a:r>
             <a:endParaRPr lang="en-US" dirty="0"/>
           </a:p>
         </p:txBody>
@@ -4062,7 +1878,7 @@
     </p:spTree>
     <p:extLst>
       <p:ext uri="{BB962C8B-B14F-4D97-AF65-F5344CB8AC3E}">
-        <p14:creationId xmlns:p14="http://schemas.microsoft.com/office/powerpoint/2010/main" val="950970001"/>
+        <p14:creationId xmlns:p14="http://schemas.microsoft.com/office/powerpoint/2010/main" val="1269756380"/>
       </p:ext>
     </p:extLst>
   </p:cSld>
@@ -4114,99 +1930,1824 @@
         <p:spPr/>
         <p:txBody>
           <a:bodyPr>
-            <a:normAutofit/>
+            <a:normAutofit fontScale="25000" lnSpcReduction="20000"/>
           </a:bodyPr>
           <a:lstStyle/>
           <a:p>
-            <a:pPr marL="0" marR="0" indent="0" algn="l" defTabSz="1217613" rtl="0" eaLnBrk="1" fontAlgn="base" latinLnBrk="0" hangingPunct="1">
-              <a:lnSpc>
-                <a:spcPct val="90000"/>
-              </a:lnSpc>
-              <a:spcBef>
-                <a:spcPct val="30000"/>
-              </a:spcBef>
-              <a:spcAft>
-                <a:spcPts val="450"/>
-              </a:spcAft>
-              <a:buClrTx/>
-              <a:buSzTx/>
-              <a:buFontTx/>
-              <a:buNone/>
-              <a:tabLst/>
-              <a:defRPr/>
-            </a:pPr>
-            <a:r>
-              <a:rPr lang="en-US" b="0" dirty="0" smtClean="0"/>
-              <a:t>The custom profile you will create will scan nodes to ensure they have a '/</a:t>
-            </a:r>
-            <a:r>
-              <a:rPr lang="en-US" b="0" dirty="0" err="1" smtClean="0"/>
-              <a:t>tmp</a:t>
-            </a:r>
-            <a:r>
-              <a:rPr lang="en-US" b="0" dirty="0" smtClean="0"/>
-              <a:t>' directory and </a:t>
-            </a:r>
-            <a:r>
-              <a:rPr lang="en-US" b="0" baseline="0" dirty="0" smtClean="0"/>
-              <a:t>that directory should be </a:t>
-            </a:r>
-            <a:r>
-              <a:rPr lang="en-US" dirty="0" smtClean="0"/>
-              <a:t>owned by the root user.</a:t>
-            </a:r>
-          </a:p>
-          <a:p>
-            <a:pPr marL="0" marR="0" indent="0" algn="l" defTabSz="1217613" rtl="0" eaLnBrk="1" fontAlgn="base" latinLnBrk="0" hangingPunct="1">
-              <a:lnSpc>
-                <a:spcPct val="90000"/>
-              </a:lnSpc>
-              <a:spcBef>
-                <a:spcPct val="30000"/>
-              </a:spcBef>
-              <a:spcAft>
-                <a:spcPts val="450"/>
-              </a:spcAft>
-              <a:buClrTx/>
-              <a:buSzTx/>
-              <a:buFontTx/>
-              <a:buNone/>
-              <a:tabLst/>
-              <a:defRPr/>
-            </a:pPr>
-            <a:endParaRPr lang="en-US" dirty="0" smtClean="0"/>
-          </a:p>
-          <a:p>
-            <a:pPr marL="0" marR="0" indent="0" algn="l" defTabSz="1217613" rtl="0" eaLnBrk="1" fontAlgn="base" latinLnBrk="0" hangingPunct="1">
-              <a:lnSpc>
-                <a:spcPct val="90000"/>
-              </a:lnSpc>
-              <a:spcBef>
-                <a:spcPct val="30000"/>
-              </a:spcBef>
-              <a:spcAft>
-                <a:spcPts val="450"/>
-              </a:spcAft>
-              <a:buClrTx/>
-              <a:buSzTx/>
-              <a:buFontTx/>
-              <a:buNone/>
-              <a:tabLst/>
-              <a:defRPr/>
-            </a:pPr>
-            <a:r>
-              <a:rPr lang="en-US" b="1" dirty="0" smtClean="0"/>
-              <a:t>Note</a:t>
-            </a:r>
-            <a:r>
-              <a:rPr lang="en-US" dirty="0" smtClean="0"/>
-              <a:t>: In the workplace you would likely perform these custom profile tasks on your local</a:t>
-            </a:r>
-            <a:r>
-              <a:rPr lang="en-US" baseline="0" dirty="0" smtClean="0"/>
-              <a:t> workstation and upload them to the Compliance Server. In this class we'll use our target nodes as a workstation to create the profile on since they already have Chef installed on them. Then we'll ultimately upload the customer profile to your Compliance Server.</a:t>
-            </a:r>
-            <a:endParaRPr lang="en-US" dirty="0" smtClean="0"/>
+            <a:r>
+              <a:rPr lang="en-US" dirty="0" smtClean="0">
+                <a:effectLst/>
+              </a:rPr>
+              <a:t>Hi Dominik....Is there a document that explains a use case for running scheduled scans?</a:t>
+            </a:r>
+            <a:r>
+              <a:rPr lang="en-US" i="1" dirty="0" smtClean="0">
+                <a:effectLst/>
+              </a:rPr>
+              <a:t/>
+            </a:r>
+            <a:br>
+              <a:rPr lang="en-US" i="1" dirty="0" smtClean="0">
+                <a:effectLst/>
+              </a:rPr>
+            </a:br>
+            <a:endParaRPr lang="en-US" dirty="0" smtClean="0">
+              <a:effectLst/>
+            </a:endParaRPr>
+          </a:p>
+          <a:p>
+            <a:r>
+              <a:rPr lang="en-US" sz="1200" u="none" strike="noStrike" kern="1200" dirty="0" smtClean="0">
+                <a:solidFill>
+                  <a:schemeClr val="tx1"/>
+                </a:solidFill>
+                <a:effectLst/>
+                <a:latin typeface="Arial" panose="020B0604020202020204" pitchFamily="34" charset="0"/>
+                <a:ea typeface="ＭＳ Ｐゴシック" charset="0"/>
+                <a:cs typeface="Arial" panose="020B0604020202020204" pitchFamily="34" charset="0"/>
+                <a:hlinkClick r:id="rId3" tooltip="Today at 9:31:29 AM&#10;Click to open in archives"/>
+              </a:rPr>
+              <a:t>​</a:t>
+            </a:r>
+            <a:r>
+              <a:rPr lang="en-US" sz="1200" i="1" u="none" strike="noStrike" kern="1200" dirty="0" smtClean="0">
+                <a:solidFill>
+                  <a:schemeClr val="tx1"/>
+                </a:solidFill>
+                <a:effectLst/>
+                <a:latin typeface="Arial" panose="020B0604020202020204" pitchFamily="34" charset="0"/>
+                <a:ea typeface="ＭＳ Ｐゴシック" charset="0"/>
+                <a:cs typeface="Arial" panose="020B0604020202020204" pitchFamily="34" charset="0"/>
+                <a:hlinkClick r:id="rId3" tooltip="Today at 9:31:29 AM&#10;Click to open in archives"/>
+              </a:rPr>
+              <a:t>[</a:t>
+            </a:r>
+            <a:r>
+              <a:rPr lang="en-US" sz="1200" u="none" strike="noStrike" kern="1200" dirty="0" smtClean="0">
+                <a:solidFill>
+                  <a:schemeClr val="tx1"/>
+                </a:solidFill>
+                <a:effectLst/>
+                <a:latin typeface="Arial" panose="020B0604020202020204" pitchFamily="34" charset="0"/>
+                <a:ea typeface="ＭＳ Ｐゴシック" charset="0"/>
+                <a:cs typeface="Arial" panose="020B0604020202020204" pitchFamily="34" charset="0"/>
+                <a:hlinkClick r:id="rId3" tooltip="Today at 9:31:29 AM&#10;Click to open in archives"/>
+              </a:rPr>
+              <a:t>9:31 AM</a:t>
+            </a:r>
+            <a:r>
+              <a:rPr lang="en-US" sz="1200" i="1" u="none" strike="noStrike" kern="1200" dirty="0" smtClean="0">
+                <a:solidFill>
+                  <a:schemeClr val="tx1"/>
+                </a:solidFill>
+                <a:effectLst/>
+                <a:latin typeface="Arial" panose="020B0604020202020204" pitchFamily="34" charset="0"/>
+                <a:ea typeface="ＭＳ Ｐゴシック" charset="0"/>
+                <a:cs typeface="Arial" panose="020B0604020202020204" pitchFamily="34" charset="0"/>
+                <a:hlinkClick r:id="rId3" tooltip="Today at 9:31:29 AM&#10;Click to open in archives"/>
+              </a:rPr>
+              <a:t>]</a:t>
+            </a:r>
+            <a:r>
+              <a:rPr lang="en-US" dirty="0" smtClean="0">
+                <a:effectLst/>
+              </a:rPr>
+              <a:t> </a:t>
+            </a:r>
+          </a:p>
+          <a:p>
+            <a:r>
+              <a:rPr lang="en-US" sz="1200" b="1" u="none" strike="noStrike" kern="1200" dirty="0" err="1" smtClean="0">
+                <a:solidFill>
+                  <a:schemeClr val="tx1"/>
+                </a:solidFill>
+                <a:effectLst/>
+                <a:latin typeface="Arial" panose="020B0604020202020204" pitchFamily="34" charset="0"/>
+                <a:ea typeface="ＭＳ Ｐゴシック" charset="0"/>
+                <a:cs typeface="Arial" panose="020B0604020202020204" pitchFamily="34" charset="0"/>
+                <a:hlinkClick r:id="rId4"/>
+              </a:rPr>
+              <a:t>dominik</a:t>
+            </a:r>
+            <a:r>
+              <a:rPr lang="en-US" dirty="0" smtClean="0">
+                <a:effectLst/>
+              </a:rPr>
+              <a:t> Not really right now :</a:t>
+            </a:r>
+            <a:r>
+              <a:rPr lang="en-US" dirty="0" err="1" smtClean="0">
+                <a:effectLst/>
+              </a:rPr>
+              <a:t>simple_smile</a:t>
+            </a:r>
+            <a:r>
+              <a:rPr lang="en-US" dirty="0" smtClean="0">
+                <a:effectLst/>
+              </a:rPr>
+              <a:t>: We have them included, but their functionality is still a bit limited in the UI. what are you interested in ?</a:t>
+            </a:r>
+            <a:r>
+              <a:rPr lang="en-US" i="1" dirty="0" smtClean="0">
+                <a:effectLst/>
+              </a:rPr>
+              <a:t/>
+            </a:r>
+            <a:br>
+              <a:rPr lang="en-US" i="1" dirty="0" smtClean="0">
+                <a:effectLst/>
+              </a:rPr>
+            </a:br>
+            <a:endParaRPr lang="en-US" dirty="0" smtClean="0">
+              <a:effectLst/>
+            </a:endParaRPr>
+          </a:p>
+          <a:p>
+            <a:r>
+              <a:rPr lang="en-US" sz="1200" u="none" strike="noStrike" kern="1200" dirty="0" smtClean="0">
+                <a:solidFill>
+                  <a:schemeClr val="tx1"/>
+                </a:solidFill>
+                <a:effectLst/>
+                <a:latin typeface="Arial" panose="020B0604020202020204" pitchFamily="34" charset="0"/>
+                <a:ea typeface="ＭＳ Ｐゴシック" charset="0"/>
+                <a:cs typeface="Arial" panose="020B0604020202020204" pitchFamily="34" charset="0"/>
+                <a:hlinkClick r:id="rId5"/>
+              </a:rPr>
+              <a:t>​</a:t>
+            </a:r>
+            <a:r>
+              <a:rPr lang="en-US" sz="1200" i="1" u="none" strike="noStrike" kern="1200" dirty="0" smtClean="0">
+                <a:solidFill>
+                  <a:schemeClr val="tx1"/>
+                </a:solidFill>
+                <a:effectLst/>
+                <a:latin typeface="Arial" panose="020B0604020202020204" pitchFamily="34" charset="0"/>
+                <a:ea typeface="ＭＳ Ｐゴシック" charset="0"/>
+                <a:cs typeface="Arial" panose="020B0604020202020204" pitchFamily="34" charset="0"/>
+                <a:hlinkClick r:id="rId5"/>
+              </a:rPr>
+              <a:t>[</a:t>
+            </a:r>
+            <a:r>
+              <a:rPr lang="en-US" sz="1200" u="none" strike="noStrike" kern="1200" dirty="0" smtClean="0">
+                <a:solidFill>
+                  <a:schemeClr val="tx1"/>
+                </a:solidFill>
+                <a:effectLst/>
+                <a:latin typeface="Arial" panose="020B0604020202020204" pitchFamily="34" charset="0"/>
+                <a:ea typeface="ＭＳ Ｐゴシック" charset="0"/>
+                <a:cs typeface="Arial" panose="020B0604020202020204" pitchFamily="34" charset="0"/>
+                <a:hlinkClick r:id="rId5"/>
+              </a:rPr>
+              <a:t>9:32 AM</a:t>
+            </a:r>
+            <a:r>
+              <a:rPr lang="en-US" sz="1200" i="1" u="none" strike="noStrike" kern="1200" dirty="0" smtClean="0">
+                <a:solidFill>
+                  <a:schemeClr val="tx1"/>
+                </a:solidFill>
+                <a:effectLst/>
+                <a:latin typeface="Arial" panose="020B0604020202020204" pitchFamily="34" charset="0"/>
+                <a:ea typeface="ＭＳ Ｐゴシック" charset="0"/>
+                <a:cs typeface="Arial" panose="020B0604020202020204" pitchFamily="34" charset="0"/>
+                <a:hlinkClick r:id="rId5"/>
+              </a:rPr>
+              <a:t>]</a:t>
+            </a:r>
+            <a:r>
+              <a:rPr lang="en-US" dirty="0" smtClean="0">
+                <a:effectLst/>
+              </a:rPr>
+              <a:t> </a:t>
+            </a:r>
+          </a:p>
+          <a:p>
+            <a:r>
+              <a:rPr lang="en-US" sz="1200" b="1" u="none" strike="noStrike" kern="1200" dirty="0" err="1" smtClean="0">
+                <a:solidFill>
+                  <a:schemeClr val="tx1"/>
+                </a:solidFill>
+                <a:effectLst/>
+                <a:latin typeface="Arial" panose="020B0604020202020204" pitchFamily="34" charset="0"/>
+                <a:ea typeface="ＭＳ Ｐゴシック" charset="0"/>
+                <a:cs typeface="Arial" panose="020B0604020202020204" pitchFamily="34" charset="0"/>
+                <a:hlinkClick r:id="rId6"/>
+              </a:rPr>
+              <a:t>steve_delfante</a:t>
+            </a:r>
+            <a:r>
+              <a:rPr lang="en-US" dirty="0" smtClean="0">
+                <a:effectLst/>
+              </a:rPr>
+              <a:t> I wrote a short lab on how to schedule scans and read the results but I gave no reason why someone would want to schedule a scan rather than do one on the fly.</a:t>
+            </a:r>
+            <a:r>
+              <a:rPr lang="en-US" sz="1200" kern="1200" dirty="0" smtClean="0">
+                <a:solidFill>
+                  <a:schemeClr val="tx1"/>
+                </a:solidFill>
+                <a:effectLst/>
+                <a:latin typeface="Arial" panose="020B0604020202020204" pitchFamily="34" charset="0"/>
+                <a:ea typeface="ＭＳ Ｐゴシック" charset="0"/>
+                <a:cs typeface="Arial" panose="020B0604020202020204" pitchFamily="34" charset="0"/>
+              </a:rPr>
+              <a:t>(edited)</a:t>
+            </a:r>
+            <a:r>
+              <a:rPr lang="en-US" i="1" dirty="0" smtClean="0">
+                <a:effectLst/>
+              </a:rPr>
+              <a:t/>
+            </a:r>
+            <a:br>
+              <a:rPr lang="en-US" i="1" dirty="0" smtClean="0">
+                <a:effectLst/>
+              </a:rPr>
+            </a:br>
+            <a:endParaRPr lang="en-US" dirty="0" smtClean="0">
+              <a:effectLst/>
+            </a:endParaRPr>
+          </a:p>
+          <a:p>
+            <a:r>
+              <a:rPr lang="en-US" sz="1200" u="none" strike="noStrike" kern="1200" dirty="0" smtClean="0">
+                <a:solidFill>
+                  <a:schemeClr val="tx1"/>
+                </a:solidFill>
+                <a:effectLst/>
+                <a:latin typeface="Arial" panose="020B0604020202020204" pitchFamily="34" charset="0"/>
+                <a:ea typeface="ＭＳ Ｐゴシック" charset="0"/>
+                <a:cs typeface="Arial" panose="020B0604020202020204" pitchFamily="34" charset="0"/>
+                <a:hlinkClick r:id="rId7"/>
+              </a:rPr>
+              <a:t>​</a:t>
+            </a:r>
+            <a:r>
+              <a:rPr lang="en-US" sz="1200" i="1" u="none" strike="noStrike" kern="1200" dirty="0" smtClean="0">
+                <a:solidFill>
+                  <a:schemeClr val="tx1"/>
+                </a:solidFill>
+                <a:effectLst/>
+                <a:latin typeface="Arial" panose="020B0604020202020204" pitchFamily="34" charset="0"/>
+                <a:ea typeface="ＭＳ Ｐゴシック" charset="0"/>
+                <a:cs typeface="Arial" panose="020B0604020202020204" pitchFamily="34" charset="0"/>
+                <a:hlinkClick r:id="rId7"/>
+              </a:rPr>
+              <a:t>[</a:t>
+            </a:r>
+            <a:r>
+              <a:rPr lang="en-US" sz="1200" u="none" strike="noStrike" kern="1200" dirty="0" smtClean="0">
+                <a:solidFill>
+                  <a:schemeClr val="tx1"/>
+                </a:solidFill>
+                <a:effectLst/>
+                <a:latin typeface="Arial" panose="020B0604020202020204" pitchFamily="34" charset="0"/>
+                <a:ea typeface="ＭＳ Ｐゴシック" charset="0"/>
+                <a:cs typeface="Arial" panose="020B0604020202020204" pitchFamily="34" charset="0"/>
+                <a:hlinkClick r:id="rId7"/>
+              </a:rPr>
+              <a:t>9:33 AM</a:t>
+            </a:r>
+            <a:r>
+              <a:rPr lang="en-US" sz="1200" i="1" u="none" strike="noStrike" kern="1200" dirty="0" smtClean="0">
+                <a:solidFill>
+                  <a:schemeClr val="tx1"/>
+                </a:solidFill>
+                <a:effectLst/>
+                <a:latin typeface="Arial" panose="020B0604020202020204" pitchFamily="34" charset="0"/>
+                <a:ea typeface="ＭＳ Ｐゴシック" charset="0"/>
+                <a:cs typeface="Arial" panose="020B0604020202020204" pitchFamily="34" charset="0"/>
+                <a:hlinkClick r:id="rId7"/>
+              </a:rPr>
+              <a:t>]</a:t>
+            </a:r>
+            <a:r>
+              <a:rPr lang="en-US" dirty="0" smtClean="0">
+                <a:effectLst/>
+              </a:rPr>
+              <a:t> </a:t>
+            </a:r>
+          </a:p>
+          <a:p>
+            <a:r>
+              <a:rPr lang="en-US" sz="1200" b="1" u="none" strike="noStrike" kern="1200" dirty="0" err="1" smtClean="0">
+                <a:solidFill>
+                  <a:schemeClr val="tx1"/>
+                </a:solidFill>
+                <a:effectLst/>
+                <a:latin typeface="Arial" panose="020B0604020202020204" pitchFamily="34" charset="0"/>
+                <a:ea typeface="ＭＳ Ｐゴシック" charset="0"/>
+                <a:cs typeface="Arial" panose="020B0604020202020204" pitchFamily="34" charset="0"/>
+                <a:hlinkClick r:id="rId4"/>
+              </a:rPr>
+              <a:t>dominik</a:t>
+            </a:r>
+            <a:r>
+              <a:rPr lang="en-US" dirty="0" smtClean="0">
+                <a:effectLst/>
+              </a:rPr>
+              <a:t> For example: Run a compliance scan every night on your whole infrastructure. Instead of pushing it off manually, you could ask chef compliance to do it for </a:t>
+            </a:r>
+            <a:r>
+              <a:rPr lang="en-US" dirty="0" err="1" smtClean="0">
+                <a:effectLst/>
+              </a:rPr>
+              <a:t>yoou</a:t>
+            </a:r>
+            <a:r>
+              <a:rPr lang="en-US" i="1" dirty="0" smtClean="0">
+                <a:effectLst/>
+              </a:rPr>
+              <a:t/>
+            </a:r>
+            <a:br>
+              <a:rPr lang="en-US" i="1" dirty="0" smtClean="0">
+                <a:effectLst/>
+              </a:rPr>
+            </a:br>
+            <a:endParaRPr lang="en-US" dirty="0" smtClean="0">
+              <a:effectLst/>
+            </a:endParaRPr>
+          </a:p>
+          <a:p>
+            <a:r>
+              <a:rPr lang="en-US" sz="1200" u="none" strike="noStrike" kern="1200" dirty="0" smtClean="0">
+                <a:solidFill>
+                  <a:schemeClr val="tx1"/>
+                </a:solidFill>
+                <a:effectLst/>
+                <a:latin typeface="Arial" panose="020B0604020202020204" pitchFamily="34" charset="0"/>
+                <a:ea typeface="ＭＳ Ｐゴシック" charset="0"/>
+                <a:cs typeface="Arial" panose="020B0604020202020204" pitchFamily="34" charset="0"/>
+                <a:hlinkClick r:id="rId8"/>
+              </a:rPr>
+              <a:t>​</a:t>
+            </a:r>
+            <a:r>
+              <a:rPr lang="en-US" sz="1200" i="1" u="none" strike="noStrike" kern="1200" dirty="0" smtClean="0">
+                <a:solidFill>
+                  <a:schemeClr val="tx1"/>
+                </a:solidFill>
+                <a:effectLst/>
+                <a:latin typeface="Arial" panose="020B0604020202020204" pitchFamily="34" charset="0"/>
+                <a:ea typeface="ＭＳ Ｐゴシック" charset="0"/>
+                <a:cs typeface="Arial" panose="020B0604020202020204" pitchFamily="34" charset="0"/>
+                <a:hlinkClick r:id="rId8"/>
+              </a:rPr>
+              <a:t>[</a:t>
+            </a:r>
+            <a:r>
+              <a:rPr lang="en-US" sz="1200" u="none" strike="noStrike" kern="1200" dirty="0" smtClean="0">
+                <a:solidFill>
+                  <a:schemeClr val="tx1"/>
+                </a:solidFill>
+                <a:effectLst/>
+                <a:latin typeface="Arial" panose="020B0604020202020204" pitchFamily="34" charset="0"/>
+                <a:ea typeface="ＭＳ Ｐゴシック" charset="0"/>
+                <a:cs typeface="Arial" panose="020B0604020202020204" pitchFamily="34" charset="0"/>
+                <a:hlinkClick r:id="rId8"/>
+              </a:rPr>
+              <a:t>9:33 AM</a:t>
+            </a:r>
+            <a:r>
+              <a:rPr lang="en-US" sz="1200" i="1" u="none" strike="noStrike" kern="1200" dirty="0" smtClean="0">
+                <a:solidFill>
+                  <a:schemeClr val="tx1"/>
+                </a:solidFill>
+                <a:effectLst/>
+                <a:latin typeface="Arial" panose="020B0604020202020204" pitchFamily="34" charset="0"/>
+                <a:ea typeface="ＭＳ Ｐゴシック" charset="0"/>
+                <a:cs typeface="Arial" panose="020B0604020202020204" pitchFamily="34" charset="0"/>
+                <a:hlinkClick r:id="rId8"/>
+              </a:rPr>
+              <a:t>]</a:t>
+            </a:r>
+            <a:r>
+              <a:rPr lang="en-US" dirty="0" smtClean="0">
+                <a:effectLst/>
+              </a:rPr>
+              <a:t> </a:t>
+            </a:r>
+          </a:p>
+          <a:p>
+            <a:r>
+              <a:rPr lang="en-US" dirty="0" smtClean="0">
+                <a:effectLst/>
+              </a:rPr>
+              <a:t>This would give you up to date information on a daily basis without interruptions in reporting.</a:t>
+            </a:r>
+            <a:r>
+              <a:rPr lang="en-US" i="1" dirty="0" smtClean="0">
+                <a:effectLst/>
+              </a:rPr>
+              <a:t/>
+            </a:r>
+            <a:br>
+              <a:rPr lang="en-US" i="1" dirty="0" smtClean="0">
+                <a:effectLst/>
+              </a:rPr>
+            </a:br>
+            <a:endParaRPr lang="en-US" dirty="0" smtClean="0">
+              <a:effectLst/>
+            </a:endParaRPr>
+          </a:p>
+          <a:p>
+            <a:r>
+              <a:rPr lang="en-US" sz="1200" u="none" strike="noStrike" kern="1200" dirty="0" smtClean="0">
+                <a:solidFill>
+                  <a:schemeClr val="tx1"/>
+                </a:solidFill>
+                <a:effectLst/>
+                <a:latin typeface="Arial" panose="020B0604020202020204" pitchFamily="34" charset="0"/>
+                <a:ea typeface="ＭＳ Ｐゴシック" charset="0"/>
+                <a:cs typeface="Arial" panose="020B0604020202020204" pitchFamily="34" charset="0"/>
+                <a:hlinkClick r:id="rId9" tooltip="Today at 9:33:45 AM&#10;Click to open in archives"/>
+              </a:rPr>
+              <a:t>​</a:t>
+            </a:r>
+            <a:r>
+              <a:rPr lang="en-US" sz="1200" i="1" u="none" strike="noStrike" kern="1200" dirty="0" smtClean="0">
+                <a:solidFill>
+                  <a:schemeClr val="tx1"/>
+                </a:solidFill>
+                <a:effectLst/>
+                <a:latin typeface="Arial" panose="020B0604020202020204" pitchFamily="34" charset="0"/>
+                <a:ea typeface="ＭＳ Ｐゴシック" charset="0"/>
+                <a:cs typeface="Arial" panose="020B0604020202020204" pitchFamily="34" charset="0"/>
+                <a:hlinkClick r:id="rId9" tooltip="Today at 9:33:45 AM&#10;Click to open in archives"/>
+              </a:rPr>
+              <a:t>[</a:t>
+            </a:r>
+            <a:r>
+              <a:rPr lang="en-US" sz="1200" u="none" strike="noStrike" kern="1200" dirty="0" smtClean="0">
+                <a:solidFill>
+                  <a:schemeClr val="tx1"/>
+                </a:solidFill>
+                <a:effectLst/>
+                <a:latin typeface="Arial" panose="020B0604020202020204" pitchFamily="34" charset="0"/>
+                <a:ea typeface="ＭＳ Ｐゴシック" charset="0"/>
+                <a:cs typeface="Arial" panose="020B0604020202020204" pitchFamily="34" charset="0"/>
+                <a:hlinkClick r:id="rId9" tooltip="Today at 9:33:45 AM&#10;Click to open in archives"/>
+              </a:rPr>
+              <a:t>9:33 AM</a:t>
+            </a:r>
+            <a:r>
+              <a:rPr lang="en-US" sz="1200" i="1" u="none" strike="noStrike" kern="1200" dirty="0" smtClean="0">
+                <a:solidFill>
+                  <a:schemeClr val="tx1"/>
+                </a:solidFill>
+                <a:effectLst/>
+                <a:latin typeface="Arial" panose="020B0604020202020204" pitchFamily="34" charset="0"/>
+                <a:ea typeface="ＭＳ Ｐゴシック" charset="0"/>
+                <a:cs typeface="Arial" panose="020B0604020202020204" pitchFamily="34" charset="0"/>
+                <a:hlinkClick r:id="rId9" tooltip="Today at 9:33:45 AM&#10;Click to open in archives"/>
+              </a:rPr>
+              <a:t>]</a:t>
+            </a:r>
+            <a:r>
+              <a:rPr lang="en-US" dirty="0" smtClean="0">
+                <a:effectLst/>
+              </a:rPr>
+              <a:t> </a:t>
+            </a:r>
+          </a:p>
+          <a:p>
+            <a:r>
+              <a:rPr lang="en-US" sz="1200" b="1" u="none" strike="noStrike" kern="1200" dirty="0" err="1" smtClean="0">
+                <a:solidFill>
+                  <a:schemeClr val="tx1"/>
+                </a:solidFill>
+                <a:effectLst/>
+                <a:latin typeface="Arial" panose="020B0604020202020204" pitchFamily="34" charset="0"/>
+                <a:ea typeface="ＭＳ Ｐゴシック" charset="0"/>
+                <a:cs typeface="Arial" panose="020B0604020202020204" pitchFamily="34" charset="0"/>
+                <a:hlinkClick r:id="rId6"/>
+              </a:rPr>
+              <a:t>steve_delfante</a:t>
+            </a:r>
+            <a:r>
+              <a:rPr lang="en-US" dirty="0" smtClean="0">
+                <a:effectLst/>
+              </a:rPr>
+              <a:t> OK, because nodes cold fall out of compliance due to updates others may have made </a:t>
+            </a:r>
+            <a:r>
+              <a:rPr lang="en-US" dirty="0" err="1" smtClean="0">
+                <a:effectLst/>
+              </a:rPr>
+              <a:t>throught</a:t>
+            </a:r>
+            <a:r>
+              <a:rPr lang="en-US" dirty="0" smtClean="0">
+                <a:effectLst/>
+              </a:rPr>
+              <a:t> the day?</a:t>
+            </a:r>
+            <a:r>
+              <a:rPr lang="en-US" i="1" dirty="0" smtClean="0">
+                <a:effectLst/>
+              </a:rPr>
+              <a:t/>
+            </a:r>
+            <a:br>
+              <a:rPr lang="en-US" i="1" dirty="0" smtClean="0">
+                <a:effectLst/>
+              </a:rPr>
+            </a:br>
+            <a:endParaRPr lang="en-US" dirty="0" smtClean="0">
+              <a:effectLst/>
+            </a:endParaRPr>
+          </a:p>
+          <a:p>
+            <a:r>
+              <a:rPr lang="en-US" sz="1200" u="none" strike="noStrike" kern="1200" dirty="0" smtClean="0">
+                <a:solidFill>
+                  <a:schemeClr val="tx1"/>
+                </a:solidFill>
+                <a:effectLst/>
+                <a:latin typeface="Arial" panose="020B0604020202020204" pitchFamily="34" charset="0"/>
+                <a:ea typeface="ＭＳ Ｐゴシック" charset="0"/>
+                <a:cs typeface="Arial" panose="020B0604020202020204" pitchFamily="34" charset="0"/>
+                <a:hlinkClick r:id="rId10" tooltip="Today at 9:34:40 AM&#10;Click to open in archives"/>
+              </a:rPr>
+              <a:t>​</a:t>
+            </a:r>
+            <a:r>
+              <a:rPr lang="en-US" sz="1200" i="1" u="none" strike="noStrike" kern="1200" dirty="0" smtClean="0">
+                <a:solidFill>
+                  <a:schemeClr val="tx1"/>
+                </a:solidFill>
+                <a:effectLst/>
+                <a:latin typeface="Arial" panose="020B0604020202020204" pitchFamily="34" charset="0"/>
+                <a:ea typeface="ＭＳ Ｐゴシック" charset="0"/>
+                <a:cs typeface="Arial" panose="020B0604020202020204" pitchFamily="34" charset="0"/>
+                <a:hlinkClick r:id="rId10" tooltip="Today at 9:34:40 AM&#10;Click to open in archives"/>
+              </a:rPr>
+              <a:t>[</a:t>
+            </a:r>
+            <a:r>
+              <a:rPr lang="en-US" sz="1200" u="none" strike="noStrike" kern="1200" dirty="0" smtClean="0">
+                <a:solidFill>
+                  <a:schemeClr val="tx1"/>
+                </a:solidFill>
+                <a:effectLst/>
+                <a:latin typeface="Arial" panose="020B0604020202020204" pitchFamily="34" charset="0"/>
+                <a:ea typeface="ＭＳ Ｐゴシック" charset="0"/>
+                <a:cs typeface="Arial" panose="020B0604020202020204" pitchFamily="34" charset="0"/>
+                <a:hlinkClick r:id="rId10" tooltip="Today at 9:34:40 AM&#10;Click to open in archives"/>
+              </a:rPr>
+              <a:t>9:34 AM</a:t>
+            </a:r>
+            <a:r>
+              <a:rPr lang="en-US" sz="1200" i="1" u="none" strike="noStrike" kern="1200" dirty="0" smtClean="0">
+                <a:solidFill>
+                  <a:schemeClr val="tx1"/>
+                </a:solidFill>
+                <a:effectLst/>
+                <a:latin typeface="Arial" panose="020B0604020202020204" pitchFamily="34" charset="0"/>
+                <a:ea typeface="ＭＳ Ｐゴシック" charset="0"/>
+                <a:cs typeface="Arial" panose="020B0604020202020204" pitchFamily="34" charset="0"/>
+                <a:hlinkClick r:id="rId10" tooltip="Today at 9:34:40 AM&#10;Click to open in archives"/>
+              </a:rPr>
+              <a:t>]</a:t>
+            </a:r>
+            <a:r>
+              <a:rPr lang="en-US" dirty="0" smtClean="0">
+                <a:effectLst/>
+              </a:rPr>
+              <a:t> </a:t>
+            </a:r>
+          </a:p>
+          <a:p>
+            <a:r>
+              <a:rPr lang="en-US" sz="1200" b="1" u="none" strike="noStrike" kern="1200" dirty="0" err="1" smtClean="0">
+                <a:solidFill>
+                  <a:schemeClr val="tx1"/>
+                </a:solidFill>
+                <a:effectLst/>
+                <a:latin typeface="Arial" panose="020B0604020202020204" pitchFamily="34" charset="0"/>
+                <a:ea typeface="ＭＳ Ｐゴシック" charset="0"/>
+                <a:cs typeface="Arial" panose="020B0604020202020204" pitchFamily="34" charset="0"/>
+                <a:hlinkClick r:id="rId4"/>
+              </a:rPr>
+              <a:t>dominik</a:t>
+            </a:r>
+            <a:r>
+              <a:rPr lang="en-US" dirty="0" smtClean="0">
+                <a:effectLst/>
+              </a:rPr>
+              <a:t> for example; or if you had changed your chef automation and something went wrong (because you didn’t use delivery to verify </a:t>
+            </a:r>
+            <a:r>
+              <a:rPr lang="en-US" dirty="0" err="1" smtClean="0">
+                <a:effectLst/>
+              </a:rPr>
+              <a:t>compiance</a:t>
+            </a:r>
+            <a:r>
+              <a:rPr lang="en-US" dirty="0" smtClean="0">
+                <a:effectLst/>
+              </a:rPr>
+              <a:t> of your changes)</a:t>
+            </a:r>
+            <a:r>
+              <a:rPr lang="en-US" i="1" dirty="0" smtClean="0">
+                <a:effectLst/>
+              </a:rPr>
+              <a:t/>
+            </a:r>
+            <a:br>
+              <a:rPr lang="en-US" i="1" dirty="0" smtClean="0">
+                <a:effectLst/>
+              </a:rPr>
+            </a:br>
+            <a:endParaRPr lang="en-US" dirty="0" smtClean="0">
+              <a:effectLst/>
+            </a:endParaRPr>
+          </a:p>
+          <a:p>
+            <a:r>
+              <a:rPr lang="en-US" sz="1200" u="none" strike="noStrike" kern="1200" dirty="0" smtClean="0">
+                <a:solidFill>
+                  <a:schemeClr val="tx1"/>
+                </a:solidFill>
+                <a:effectLst/>
+                <a:latin typeface="Arial" panose="020B0604020202020204" pitchFamily="34" charset="0"/>
+                <a:ea typeface="ＭＳ Ｐゴシック" charset="0"/>
+                <a:cs typeface="Arial" panose="020B0604020202020204" pitchFamily="34" charset="0"/>
+                <a:hlinkClick r:id="rId11" tooltip="Today at 9:35:57 AM&#10;Click to open in archives"/>
+              </a:rPr>
+              <a:t>​</a:t>
+            </a:r>
+            <a:r>
+              <a:rPr lang="en-US" sz="1200" i="1" u="none" strike="noStrike" kern="1200" dirty="0" smtClean="0">
+                <a:solidFill>
+                  <a:schemeClr val="tx1"/>
+                </a:solidFill>
+                <a:effectLst/>
+                <a:latin typeface="Arial" panose="020B0604020202020204" pitchFamily="34" charset="0"/>
+                <a:ea typeface="ＭＳ Ｐゴシック" charset="0"/>
+                <a:cs typeface="Arial" panose="020B0604020202020204" pitchFamily="34" charset="0"/>
+                <a:hlinkClick r:id="rId11" tooltip="Today at 9:35:57 AM&#10;Click to open in archives"/>
+              </a:rPr>
+              <a:t>[</a:t>
+            </a:r>
+            <a:r>
+              <a:rPr lang="en-US" sz="1200" u="none" strike="noStrike" kern="1200" dirty="0" smtClean="0">
+                <a:solidFill>
+                  <a:schemeClr val="tx1"/>
+                </a:solidFill>
+                <a:effectLst/>
+                <a:latin typeface="Arial" panose="020B0604020202020204" pitchFamily="34" charset="0"/>
+                <a:ea typeface="ＭＳ Ｐゴシック" charset="0"/>
+                <a:cs typeface="Arial" panose="020B0604020202020204" pitchFamily="34" charset="0"/>
+                <a:hlinkClick r:id="rId11" tooltip="Today at 9:35:57 AM&#10;Click to open in archives"/>
+              </a:rPr>
+              <a:t>9:35 AM</a:t>
+            </a:r>
+            <a:r>
+              <a:rPr lang="en-US" sz="1200" i="1" u="none" strike="noStrike" kern="1200" dirty="0" smtClean="0">
+                <a:solidFill>
+                  <a:schemeClr val="tx1"/>
+                </a:solidFill>
+                <a:effectLst/>
+                <a:latin typeface="Arial" panose="020B0604020202020204" pitchFamily="34" charset="0"/>
+                <a:ea typeface="ＭＳ Ｐゴシック" charset="0"/>
+                <a:cs typeface="Arial" panose="020B0604020202020204" pitchFamily="34" charset="0"/>
+                <a:hlinkClick r:id="rId11" tooltip="Today at 9:35:57 AM&#10;Click to open in archives"/>
+              </a:rPr>
+              <a:t>]</a:t>
+            </a:r>
+            <a:r>
+              <a:rPr lang="en-US" dirty="0" smtClean="0">
+                <a:effectLst/>
+              </a:rPr>
+              <a:t> </a:t>
+            </a:r>
+          </a:p>
+          <a:p>
+            <a:r>
+              <a:rPr lang="en-US" dirty="0" smtClean="0">
+                <a:effectLst/>
+              </a:rPr>
+              <a:t>or if any component was changed, that you didn’t yet explicitly manage through chef; for example: have telnet listen on </a:t>
+            </a:r>
+            <a:r>
+              <a:rPr lang="en-US" dirty="0" err="1" smtClean="0">
+                <a:effectLst/>
+              </a:rPr>
+              <a:t>tcp</a:t>
+            </a:r>
+            <a:r>
+              <a:rPr lang="en-US" dirty="0" smtClean="0">
+                <a:effectLst/>
+              </a:rPr>
+              <a:t> for some reason you didn’t expect; apart from uninstalling telnet through chef, we don’t tend to write cookbooks for negative cases :wink: so that’s a great example for compliance</a:t>
+            </a:r>
+            <a:r>
+              <a:rPr lang="en-US" i="1" dirty="0" smtClean="0">
+                <a:effectLst/>
+              </a:rPr>
+              <a:t/>
+            </a:r>
+            <a:br>
+              <a:rPr lang="en-US" i="1" dirty="0" smtClean="0">
+                <a:effectLst/>
+              </a:rPr>
+            </a:br>
+            <a:endParaRPr lang="en-US" dirty="0" smtClean="0">
+              <a:effectLst/>
+            </a:endParaRPr>
+          </a:p>
+          <a:p>
+            <a:r>
+              <a:rPr lang="en-US" sz="1200" u="none" strike="noStrike" kern="1200" dirty="0" smtClean="0">
+                <a:solidFill>
+                  <a:schemeClr val="tx1"/>
+                </a:solidFill>
+                <a:effectLst/>
+                <a:latin typeface="Arial" panose="020B0604020202020204" pitchFamily="34" charset="0"/>
+                <a:ea typeface="ＭＳ Ｐゴシック" charset="0"/>
+                <a:cs typeface="Arial" panose="020B0604020202020204" pitchFamily="34" charset="0"/>
+                <a:hlinkClick r:id="rId12" tooltip="Today at 9:36:14 AM&#10;Click to open in archives"/>
+              </a:rPr>
+              <a:t>​</a:t>
+            </a:r>
+            <a:r>
+              <a:rPr lang="en-US" sz="1200" i="1" u="none" strike="noStrike" kern="1200" dirty="0" smtClean="0">
+                <a:solidFill>
+                  <a:schemeClr val="tx1"/>
+                </a:solidFill>
+                <a:effectLst/>
+                <a:latin typeface="Arial" panose="020B0604020202020204" pitchFamily="34" charset="0"/>
+                <a:ea typeface="ＭＳ Ｐゴシック" charset="0"/>
+                <a:cs typeface="Arial" panose="020B0604020202020204" pitchFamily="34" charset="0"/>
+                <a:hlinkClick r:id="rId12" tooltip="Today at 9:36:14 AM&#10;Click to open in archives"/>
+              </a:rPr>
+              <a:t>[</a:t>
+            </a:r>
+            <a:r>
+              <a:rPr lang="en-US" sz="1200" u="none" strike="noStrike" kern="1200" dirty="0" smtClean="0">
+                <a:solidFill>
+                  <a:schemeClr val="tx1"/>
+                </a:solidFill>
+                <a:effectLst/>
+                <a:latin typeface="Arial" panose="020B0604020202020204" pitchFamily="34" charset="0"/>
+                <a:ea typeface="ＭＳ Ｐゴシック" charset="0"/>
+                <a:cs typeface="Arial" panose="020B0604020202020204" pitchFamily="34" charset="0"/>
+                <a:hlinkClick r:id="rId12" tooltip="Today at 9:36:14 AM&#10;Click to open in archives"/>
+              </a:rPr>
+              <a:t>9:36 AM</a:t>
+            </a:r>
+            <a:r>
+              <a:rPr lang="en-US" sz="1200" i="1" u="none" strike="noStrike" kern="1200" dirty="0" smtClean="0">
+                <a:solidFill>
+                  <a:schemeClr val="tx1"/>
+                </a:solidFill>
+                <a:effectLst/>
+                <a:latin typeface="Arial" panose="020B0604020202020204" pitchFamily="34" charset="0"/>
+                <a:ea typeface="ＭＳ Ｐゴシック" charset="0"/>
+                <a:cs typeface="Arial" panose="020B0604020202020204" pitchFamily="34" charset="0"/>
+                <a:hlinkClick r:id="rId12" tooltip="Today at 9:36:14 AM&#10;Click to open in archives"/>
+              </a:rPr>
+              <a:t>]</a:t>
+            </a:r>
+            <a:r>
+              <a:rPr lang="en-US" dirty="0" smtClean="0">
+                <a:effectLst/>
+              </a:rPr>
+              <a:t> </a:t>
+            </a:r>
+          </a:p>
+          <a:p>
+            <a:r>
+              <a:rPr lang="en-US" sz="1200" b="1" u="none" strike="noStrike" kern="1200" dirty="0" err="1" smtClean="0">
+                <a:solidFill>
+                  <a:schemeClr val="tx1"/>
+                </a:solidFill>
+                <a:effectLst/>
+                <a:latin typeface="Arial" panose="020B0604020202020204" pitchFamily="34" charset="0"/>
+                <a:ea typeface="ＭＳ Ｐゴシック" charset="0"/>
+                <a:cs typeface="Arial" panose="020B0604020202020204" pitchFamily="34" charset="0"/>
+                <a:hlinkClick r:id="rId6"/>
+              </a:rPr>
+              <a:t>steve_delfante</a:t>
+            </a:r>
+            <a:r>
+              <a:rPr lang="en-US" dirty="0" smtClean="0">
+                <a:effectLst/>
+              </a:rPr>
+              <a:t> Cool. thanks!</a:t>
+            </a:r>
+            <a:r>
+              <a:rPr lang="en-US" i="1" dirty="0" smtClean="0">
+                <a:effectLst/>
+              </a:rPr>
+              <a:t/>
+            </a:r>
+            <a:br>
+              <a:rPr lang="en-US" i="1" dirty="0" smtClean="0">
+                <a:effectLst/>
+              </a:rPr>
+            </a:br>
+            <a:endParaRPr lang="en-US" dirty="0" smtClean="0">
+              <a:effectLst/>
+            </a:endParaRPr>
+          </a:p>
+          <a:p>
+            <a:r>
+              <a:rPr lang="en-US" sz="1200" u="none" strike="noStrike" kern="1200" dirty="0" smtClean="0">
+                <a:solidFill>
+                  <a:schemeClr val="tx1"/>
+                </a:solidFill>
+                <a:effectLst/>
+                <a:latin typeface="Arial" panose="020B0604020202020204" pitchFamily="34" charset="0"/>
+                <a:ea typeface="ＭＳ Ｐゴシック" charset="0"/>
+                <a:cs typeface="Arial" panose="020B0604020202020204" pitchFamily="34" charset="0"/>
+                <a:hlinkClick r:id="rId13"/>
+              </a:rPr>
+              <a:t>​</a:t>
+            </a:r>
+            <a:r>
+              <a:rPr lang="en-US" sz="1200" i="1" u="none" strike="noStrike" kern="1200" dirty="0" smtClean="0">
+                <a:solidFill>
+                  <a:schemeClr val="tx1"/>
+                </a:solidFill>
+                <a:effectLst/>
+                <a:latin typeface="Arial" panose="020B0604020202020204" pitchFamily="34" charset="0"/>
+                <a:ea typeface="ＭＳ Ｐゴシック" charset="0"/>
+                <a:cs typeface="Arial" panose="020B0604020202020204" pitchFamily="34" charset="0"/>
+                <a:hlinkClick r:id="rId13"/>
+              </a:rPr>
+              <a:t>[</a:t>
+            </a:r>
+            <a:r>
+              <a:rPr lang="en-US" sz="1200" u="none" strike="noStrike" kern="1200" dirty="0" smtClean="0">
+                <a:solidFill>
+                  <a:schemeClr val="tx1"/>
+                </a:solidFill>
+                <a:effectLst/>
+                <a:latin typeface="Arial" panose="020B0604020202020204" pitchFamily="34" charset="0"/>
+                <a:ea typeface="ＭＳ Ｐゴシック" charset="0"/>
+                <a:cs typeface="Arial" panose="020B0604020202020204" pitchFamily="34" charset="0"/>
+                <a:hlinkClick r:id="rId13"/>
+              </a:rPr>
+              <a:t>9:36 AM</a:t>
+            </a:r>
+            <a:r>
+              <a:rPr lang="en-US" sz="1200" i="1" u="none" strike="noStrike" kern="1200" dirty="0" smtClean="0">
+                <a:solidFill>
+                  <a:schemeClr val="tx1"/>
+                </a:solidFill>
+                <a:effectLst/>
+                <a:latin typeface="Arial" panose="020B0604020202020204" pitchFamily="34" charset="0"/>
+                <a:ea typeface="ＭＳ Ｐゴシック" charset="0"/>
+                <a:cs typeface="Arial" panose="020B0604020202020204" pitchFamily="34" charset="0"/>
+                <a:hlinkClick r:id="rId13"/>
+              </a:rPr>
+              <a:t>]</a:t>
+            </a:r>
+            <a:r>
+              <a:rPr lang="en-US" dirty="0" smtClean="0">
+                <a:effectLst/>
+              </a:rPr>
+              <a:t> </a:t>
+            </a:r>
+          </a:p>
+          <a:p>
+            <a:r>
+              <a:rPr lang="en-US" dirty="0" smtClean="0">
+                <a:effectLst/>
+              </a:rPr>
+              <a:t>One more question for now please....</a:t>
+            </a:r>
+            <a:r>
+              <a:rPr lang="en-US" i="1" dirty="0" smtClean="0">
+                <a:effectLst/>
+              </a:rPr>
+              <a:t/>
+            </a:r>
+            <a:br>
+              <a:rPr lang="en-US" i="1" dirty="0" smtClean="0">
+                <a:effectLst/>
+              </a:rPr>
+            </a:br>
+            <a:endParaRPr lang="en-US" dirty="0" smtClean="0">
+              <a:effectLst/>
+            </a:endParaRPr>
+          </a:p>
+          <a:p>
+            <a:r>
+              <a:rPr lang="en-US" sz="1200" u="none" strike="noStrike" kern="1200" dirty="0" smtClean="0">
+                <a:solidFill>
+                  <a:schemeClr val="tx1"/>
+                </a:solidFill>
+                <a:effectLst/>
+                <a:latin typeface="Arial" panose="020B0604020202020204" pitchFamily="34" charset="0"/>
+                <a:ea typeface="ＭＳ Ｐゴシック" charset="0"/>
+                <a:cs typeface="Arial" panose="020B0604020202020204" pitchFamily="34" charset="0"/>
+                <a:hlinkClick r:id="rId14" tooltip="Today at 9:37:33 AM&#10;Click to open in archives"/>
+              </a:rPr>
+              <a:t>​</a:t>
+            </a:r>
+            <a:r>
+              <a:rPr lang="en-US" sz="1200" i="1" u="none" strike="noStrike" kern="1200" dirty="0" smtClean="0">
+                <a:solidFill>
+                  <a:schemeClr val="tx1"/>
+                </a:solidFill>
+                <a:effectLst/>
+                <a:latin typeface="Arial" panose="020B0604020202020204" pitchFamily="34" charset="0"/>
+                <a:ea typeface="ＭＳ Ｐゴシック" charset="0"/>
+                <a:cs typeface="Arial" panose="020B0604020202020204" pitchFamily="34" charset="0"/>
+                <a:hlinkClick r:id="rId14" tooltip="Today at 9:37:33 AM&#10;Click to open in archives"/>
+              </a:rPr>
+              <a:t>[</a:t>
+            </a:r>
+            <a:r>
+              <a:rPr lang="en-US" sz="1200" u="none" strike="noStrike" kern="1200" dirty="0" smtClean="0">
+                <a:solidFill>
+                  <a:schemeClr val="tx1"/>
+                </a:solidFill>
+                <a:effectLst/>
+                <a:latin typeface="Arial" panose="020B0604020202020204" pitchFamily="34" charset="0"/>
+                <a:ea typeface="ＭＳ Ｐゴシック" charset="0"/>
+                <a:cs typeface="Arial" panose="020B0604020202020204" pitchFamily="34" charset="0"/>
+                <a:hlinkClick r:id="rId14" tooltip="Today at 9:37:33 AM&#10;Click to open in archives"/>
+              </a:rPr>
+              <a:t>9:37 AM</a:t>
+            </a:r>
+            <a:r>
+              <a:rPr lang="en-US" sz="1200" i="1" u="none" strike="noStrike" kern="1200" dirty="0" smtClean="0">
+                <a:solidFill>
+                  <a:schemeClr val="tx1"/>
+                </a:solidFill>
+                <a:effectLst/>
+                <a:latin typeface="Arial" panose="020B0604020202020204" pitchFamily="34" charset="0"/>
+                <a:ea typeface="ＭＳ Ｐゴシック" charset="0"/>
+                <a:cs typeface="Arial" panose="020B0604020202020204" pitchFamily="34" charset="0"/>
+                <a:hlinkClick r:id="rId14" tooltip="Today at 9:37:33 AM&#10;Click to open in archives"/>
+              </a:rPr>
+              <a:t>]</a:t>
+            </a:r>
+            <a:r>
+              <a:rPr lang="en-US" dirty="0" smtClean="0">
+                <a:effectLst/>
+              </a:rPr>
+              <a:t> </a:t>
+            </a:r>
+          </a:p>
+          <a:p>
+            <a:r>
+              <a:rPr lang="en-US" dirty="0" smtClean="0">
+                <a:effectLst/>
+              </a:rPr>
+              <a:t>Is there going to be a way to export  reports or do we only have people view results live?</a:t>
+            </a:r>
+            <a:r>
+              <a:rPr lang="en-US" i="1" dirty="0" smtClean="0">
+                <a:effectLst/>
+              </a:rPr>
+              <a:t/>
+            </a:r>
+            <a:br>
+              <a:rPr lang="en-US" i="1" dirty="0" smtClean="0">
+                <a:effectLst/>
+              </a:rPr>
+            </a:br>
+            <a:endParaRPr lang="en-US" dirty="0" smtClean="0">
+              <a:effectLst/>
+            </a:endParaRPr>
+          </a:p>
+          <a:p>
+            <a:r>
+              <a:rPr lang="en-US" sz="1200" u="none" strike="noStrike" kern="1200" dirty="0" smtClean="0">
+                <a:solidFill>
+                  <a:schemeClr val="tx1"/>
+                </a:solidFill>
+                <a:effectLst/>
+                <a:latin typeface="Arial" panose="020B0604020202020204" pitchFamily="34" charset="0"/>
+                <a:ea typeface="ＭＳ Ｐゴシック" charset="0"/>
+                <a:cs typeface="Arial" panose="020B0604020202020204" pitchFamily="34" charset="0"/>
+                <a:hlinkClick r:id="rId15"/>
+              </a:rPr>
+              <a:t>​</a:t>
+            </a:r>
+            <a:r>
+              <a:rPr lang="en-US" sz="1200" i="1" u="none" strike="noStrike" kern="1200" dirty="0" smtClean="0">
+                <a:solidFill>
+                  <a:schemeClr val="tx1"/>
+                </a:solidFill>
+                <a:effectLst/>
+                <a:latin typeface="Arial" panose="020B0604020202020204" pitchFamily="34" charset="0"/>
+                <a:ea typeface="ＭＳ Ｐゴシック" charset="0"/>
+                <a:cs typeface="Arial" panose="020B0604020202020204" pitchFamily="34" charset="0"/>
+                <a:hlinkClick r:id="rId15"/>
+              </a:rPr>
+              <a:t>[</a:t>
+            </a:r>
+            <a:r>
+              <a:rPr lang="en-US" sz="1200" u="none" strike="noStrike" kern="1200" dirty="0" smtClean="0">
+                <a:solidFill>
+                  <a:schemeClr val="tx1"/>
+                </a:solidFill>
+                <a:effectLst/>
+                <a:latin typeface="Arial" panose="020B0604020202020204" pitchFamily="34" charset="0"/>
+                <a:ea typeface="ＭＳ Ｐゴシック" charset="0"/>
+                <a:cs typeface="Arial" panose="020B0604020202020204" pitchFamily="34" charset="0"/>
+                <a:hlinkClick r:id="rId15"/>
+              </a:rPr>
+              <a:t>9:37 AM</a:t>
+            </a:r>
+            <a:r>
+              <a:rPr lang="en-US" sz="1200" i="1" u="none" strike="noStrike" kern="1200" dirty="0" smtClean="0">
+                <a:solidFill>
+                  <a:schemeClr val="tx1"/>
+                </a:solidFill>
+                <a:effectLst/>
+                <a:latin typeface="Arial" panose="020B0604020202020204" pitchFamily="34" charset="0"/>
+                <a:ea typeface="ＭＳ Ｐゴシック" charset="0"/>
+                <a:cs typeface="Arial" panose="020B0604020202020204" pitchFamily="34" charset="0"/>
+                <a:hlinkClick r:id="rId15"/>
+              </a:rPr>
+              <a:t>]</a:t>
+            </a:r>
+            <a:r>
+              <a:rPr lang="en-US" dirty="0" smtClean="0">
+                <a:effectLst/>
+              </a:rPr>
+              <a:t> </a:t>
+            </a:r>
+          </a:p>
+          <a:p>
+            <a:r>
+              <a:rPr lang="en-US" sz="1200" b="1" u="none" strike="noStrike" kern="1200" dirty="0" err="1" smtClean="0">
+                <a:solidFill>
+                  <a:schemeClr val="tx1"/>
+                </a:solidFill>
+                <a:effectLst/>
+                <a:latin typeface="Arial" panose="020B0604020202020204" pitchFamily="34" charset="0"/>
+                <a:ea typeface="ＭＳ Ｐゴシック" charset="0"/>
+                <a:cs typeface="Arial" panose="020B0604020202020204" pitchFamily="34" charset="0"/>
+                <a:hlinkClick r:id="rId4"/>
+              </a:rPr>
+              <a:t>dominik</a:t>
+            </a:r>
+            <a:r>
+              <a:rPr lang="en-US" dirty="0" smtClean="0">
+                <a:effectLst/>
+              </a:rPr>
+              <a:t> Yes there is; We are looking into exporting reports to PDF and (some type of) Excel format</a:t>
+            </a:r>
+            <a:r>
+              <a:rPr lang="en-US" i="1" dirty="0" smtClean="0">
+                <a:effectLst/>
+              </a:rPr>
+              <a:t/>
+            </a:r>
+            <a:br>
+              <a:rPr lang="en-US" i="1" dirty="0" smtClean="0">
+                <a:effectLst/>
+              </a:rPr>
+            </a:br>
+            <a:endParaRPr lang="en-US" dirty="0" smtClean="0">
+              <a:effectLst/>
+            </a:endParaRPr>
+          </a:p>
+          <a:p>
+            <a:r>
+              <a:rPr lang="en-US" sz="1200" u="none" strike="noStrike" kern="1200" dirty="0" smtClean="0">
+                <a:solidFill>
+                  <a:schemeClr val="tx1"/>
+                </a:solidFill>
+                <a:effectLst/>
+                <a:latin typeface="Arial" panose="020B0604020202020204" pitchFamily="34" charset="0"/>
+                <a:ea typeface="ＭＳ Ｐゴシック" charset="0"/>
+                <a:cs typeface="Arial" panose="020B0604020202020204" pitchFamily="34" charset="0"/>
+                <a:hlinkClick r:id="rId16" tooltip="Today at 9:38:08 AM&#10;Click to open in archives"/>
+              </a:rPr>
+              <a:t>​</a:t>
+            </a:r>
+            <a:r>
+              <a:rPr lang="en-US" sz="1200" i="1" u="none" strike="noStrike" kern="1200" dirty="0" smtClean="0">
+                <a:solidFill>
+                  <a:schemeClr val="tx1"/>
+                </a:solidFill>
+                <a:effectLst/>
+                <a:latin typeface="Arial" panose="020B0604020202020204" pitchFamily="34" charset="0"/>
+                <a:ea typeface="ＭＳ Ｐゴシック" charset="0"/>
+                <a:cs typeface="Arial" panose="020B0604020202020204" pitchFamily="34" charset="0"/>
+                <a:hlinkClick r:id="rId16" tooltip="Today at 9:38:08 AM&#10;Click to open in archives"/>
+              </a:rPr>
+              <a:t>[</a:t>
+            </a:r>
+            <a:r>
+              <a:rPr lang="en-US" sz="1200" u="none" strike="noStrike" kern="1200" dirty="0" smtClean="0">
+                <a:solidFill>
+                  <a:schemeClr val="tx1"/>
+                </a:solidFill>
+                <a:effectLst/>
+                <a:latin typeface="Arial" panose="020B0604020202020204" pitchFamily="34" charset="0"/>
+                <a:ea typeface="ＭＳ Ｐゴシック" charset="0"/>
+                <a:cs typeface="Arial" panose="020B0604020202020204" pitchFamily="34" charset="0"/>
+                <a:hlinkClick r:id="rId16" tooltip="Today at 9:38:08 AM&#10;Click to open in archives"/>
+              </a:rPr>
+              <a:t>9:38 AM</a:t>
+            </a:r>
+            <a:r>
+              <a:rPr lang="en-US" sz="1200" i="1" u="none" strike="noStrike" kern="1200" dirty="0" smtClean="0">
+                <a:solidFill>
+                  <a:schemeClr val="tx1"/>
+                </a:solidFill>
+                <a:effectLst/>
+                <a:latin typeface="Arial" panose="020B0604020202020204" pitchFamily="34" charset="0"/>
+                <a:ea typeface="ＭＳ Ｐゴシック" charset="0"/>
+                <a:cs typeface="Arial" panose="020B0604020202020204" pitchFamily="34" charset="0"/>
+                <a:hlinkClick r:id="rId16" tooltip="Today at 9:38:08 AM&#10;Click to open in archives"/>
+              </a:rPr>
+              <a:t>]</a:t>
+            </a:r>
+            <a:r>
+              <a:rPr lang="en-US" dirty="0" smtClean="0">
+                <a:effectLst/>
+              </a:rPr>
+              <a:t> </a:t>
+            </a:r>
+          </a:p>
+          <a:p>
+            <a:r>
+              <a:rPr lang="en-US" dirty="0" smtClean="0">
+                <a:effectLst/>
+              </a:rPr>
+              <a:t>There is also the alternative to retrieve reports via JSON </a:t>
+            </a:r>
+            <a:r>
+              <a:rPr lang="en-US" dirty="0" err="1" smtClean="0">
+                <a:effectLst/>
+              </a:rPr>
+              <a:t>api</a:t>
+            </a:r>
+            <a:r>
+              <a:rPr lang="en-US" i="1" dirty="0" smtClean="0">
+                <a:effectLst/>
+              </a:rPr>
+              <a:t/>
+            </a:r>
+            <a:br>
+              <a:rPr lang="en-US" i="1" dirty="0" smtClean="0">
+                <a:effectLst/>
+              </a:rPr>
+            </a:br>
+            <a:endParaRPr lang="en-US" dirty="0" smtClean="0">
+              <a:effectLst/>
+            </a:endParaRPr>
+          </a:p>
+          <a:p>
+            <a:r>
+              <a:rPr lang="en-US" sz="1200" u="none" strike="noStrike" kern="1200" dirty="0" smtClean="0">
+                <a:solidFill>
+                  <a:schemeClr val="tx1"/>
+                </a:solidFill>
+                <a:effectLst/>
+                <a:latin typeface="Arial" panose="020B0604020202020204" pitchFamily="34" charset="0"/>
+                <a:ea typeface="ＭＳ Ｐゴシック" charset="0"/>
+                <a:cs typeface="Arial" panose="020B0604020202020204" pitchFamily="34" charset="0"/>
+                <a:hlinkClick r:id="rId17" tooltip="Today at 9:38:19 AM&#10;Click to open in archives"/>
+              </a:rPr>
+              <a:t>​</a:t>
+            </a:r>
+            <a:r>
+              <a:rPr lang="en-US" sz="1200" i="1" u="none" strike="noStrike" kern="1200" dirty="0" smtClean="0">
+                <a:solidFill>
+                  <a:schemeClr val="tx1"/>
+                </a:solidFill>
+                <a:effectLst/>
+                <a:latin typeface="Arial" panose="020B0604020202020204" pitchFamily="34" charset="0"/>
+                <a:ea typeface="ＭＳ Ｐゴシック" charset="0"/>
+                <a:cs typeface="Arial" panose="020B0604020202020204" pitchFamily="34" charset="0"/>
+                <a:hlinkClick r:id="rId17" tooltip="Today at 9:38:19 AM&#10;Click to open in archives"/>
+              </a:rPr>
+              <a:t>[</a:t>
+            </a:r>
+            <a:r>
+              <a:rPr lang="en-US" sz="1200" u="none" strike="noStrike" kern="1200" dirty="0" smtClean="0">
+                <a:solidFill>
+                  <a:schemeClr val="tx1"/>
+                </a:solidFill>
+                <a:effectLst/>
+                <a:latin typeface="Arial" panose="020B0604020202020204" pitchFamily="34" charset="0"/>
+                <a:ea typeface="ＭＳ Ｐゴシック" charset="0"/>
+                <a:cs typeface="Arial" panose="020B0604020202020204" pitchFamily="34" charset="0"/>
+                <a:hlinkClick r:id="rId17" tooltip="Today at 9:38:19 AM&#10;Click to open in archives"/>
+              </a:rPr>
+              <a:t>9:38 AM</a:t>
+            </a:r>
+            <a:r>
+              <a:rPr lang="en-US" sz="1200" i="1" u="none" strike="noStrike" kern="1200" dirty="0" smtClean="0">
+                <a:solidFill>
+                  <a:schemeClr val="tx1"/>
+                </a:solidFill>
+                <a:effectLst/>
+                <a:latin typeface="Arial" panose="020B0604020202020204" pitchFamily="34" charset="0"/>
+                <a:ea typeface="ＭＳ Ｐゴシック" charset="0"/>
+                <a:cs typeface="Arial" panose="020B0604020202020204" pitchFamily="34" charset="0"/>
+                <a:hlinkClick r:id="rId17" tooltip="Today at 9:38:19 AM&#10;Click to open in archives"/>
+              </a:rPr>
+              <a:t>]</a:t>
+            </a:r>
+            <a:r>
+              <a:rPr lang="en-US" dirty="0" smtClean="0">
+                <a:effectLst/>
+              </a:rPr>
+              <a:t> </a:t>
+            </a:r>
+          </a:p>
+          <a:p>
+            <a:r>
+              <a:rPr lang="en-US" dirty="0" smtClean="0">
+                <a:effectLst/>
+              </a:rPr>
+              <a:t>we will have the PDF and Excel options in UI</a:t>
+            </a:r>
+            <a:r>
+              <a:rPr lang="en-US" i="1" dirty="0" smtClean="0">
+                <a:effectLst/>
+              </a:rPr>
+              <a:t/>
+            </a:r>
+            <a:br>
+              <a:rPr lang="en-US" i="1" dirty="0" smtClean="0">
+                <a:effectLst/>
+              </a:rPr>
+            </a:br>
+            <a:endParaRPr lang="en-US" dirty="0" smtClean="0">
+              <a:effectLst/>
+            </a:endParaRPr>
+          </a:p>
+          <a:p>
+            <a:r>
+              <a:rPr lang="en-US" sz="1200" u="none" strike="noStrike" kern="1200" dirty="0" smtClean="0">
+                <a:solidFill>
+                  <a:schemeClr val="tx1"/>
+                </a:solidFill>
+                <a:effectLst/>
+                <a:latin typeface="Arial" panose="020B0604020202020204" pitchFamily="34" charset="0"/>
+                <a:ea typeface="ＭＳ Ｐゴシック" charset="0"/>
+                <a:cs typeface="Arial" panose="020B0604020202020204" pitchFamily="34" charset="0"/>
+                <a:hlinkClick r:id="rId18" tooltip="Today at 9:38:42 AM&#10;Click to open in archives"/>
+              </a:rPr>
+              <a:t>​</a:t>
+            </a:r>
+            <a:r>
+              <a:rPr lang="en-US" sz="1200" i="1" u="none" strike="noStrike" kern="1200" dirty="0" smtClean="0">
+                <a:solidFill>
+                  <a:schemeClr val="tx1"/>
+                </a:solidFill>
+                <a:effectLst/>
+                <a:latin typeface="Arial" panose="020B0604020202020204" pitchFamily="34" charset="0"/>
+                <a:ea typeface="ＭＳ Ｐゴシック" charset="0"/>
+                <a:cs typeface="Arial" panose="020B0604020202020204" pitchFamily="34" charset="0"/>
+                <a:hlinkClick r:id="rId18" tooltip="Today at 9:38:42 AM&#10;Click to open in archives"/>
+              </a:rPr>
+              <a:t>[</a:t>
+            </a:r>
+            <a:r>
+              <a:rPr lang="en-US" sz="1200" u="none" strike="noStrike" kern="1200" dirty="0" smtClean="0">
+                <a:solidFill>
+                  <a:schemeClr val="tx1"/>
+                </a:solidFill>
+                <a:effectLst/>
+                <a:latin typeface="Arial" panose="020B0604020202020204" pitchFamily="34" charset="0"/>
+                <a:ea typeface="ＭＳ Ｐゴシック" charset="0"/>
+                <a:cs typeface="Arial" panose="020B0604020202020204" pitchFamily="34" charset="0"/>
+                <a:hlinkClick r:id="rId18" tooltip="Today at 9:38:42 AM&#10;Click to open in archives"/>
+              </a:rPr>
+              <a:t>9:38 AM</a:t>
+            </a:r>
+            <a:r>
+              <a:rPr lang="en-US" sz="1200" i="1" u="none" strike="noStrike" kern="1200" dirty="0" smtClean="0">
+                <a:solidFill>
+                  <a:schemeClr val="tx1"/>
+                </a:solidFill>
+                <a:effectLst/>
+                <a:latin typeface="Arial" panose="020B0604020202020204" pitchFamily="34" charset="0"/>
+                <a:ea typeface="ＭＳ Ｐゴシック" charset="0"/>
+                <a:cs typeface="Arial" panose="020B0604020202020204" pitchFamily="34" charset="0"/>
+                <a:hlinkClick r:id="rId18" tooltip="Today at 9:38:42 AM&#10;Click to open in archives"/>
+              </a:rPr>
+              <a:t>]</a:t>
+            </a:r>
+            <a:r>
+              <a:rPr lang="en-US" dirty="0" smtClean="0">
+                <a:effectLst/>
+              </a:rPr>
+              <a:t> </a:t>
+            </a:r>
+          </a:p>
+          <a:p>
+            <a:r>
+              <a:rPr lang="en-US" sz="1200" b="1" u="none" strike="noStrike" kern="1200" dirty="0" err="1" smtClean="0">
+                <a:solidFill>
+                  <a:schemeClr val="tx1"/>
+                </a:solidFill>
+                <a:effectLst/>
+                <a:latin typeface="Arial" panose="020B0604020202020204" pitchFamily="34" charset="0"/>
+                <a:ea typeface="ＭＳ Ｐゴシック" charset="0"/>
+                <a:cs typeface="Arial" panose="020B0604020202020204" pitchFamily="34" charset="0"/>
+                <a:hlinkClick r:id="rId6"/>
+              </a:rPr>
+              <a:t>steve_delfante</a:t>
+            </a:r>
+            <a:r>
+              <a:rPr lang="en-US" dirty="0" smtClean="0">
+                <a:effectLst/>
+              </a:rPr>
+              <a:t> Sounds good. Do you have an ETA for exporting?</a:t>
+            </a:r>
+            <a:r>
+              <a:rPr lang="en-US" sz="1200" kern="1200" dirty="0" smtClean="0">
+                <a:solidFill>
+                  <a:schemeClr val="tx1"/>
+                </a:solidFill>
+                <a:effectLst/>
+                <a:latin typeface="Arial" panose="020B0604020202020204" pitchFamily="34" charset="0"/>
+                <a:ea typeface="ＭＳ Ｐゴシック" charset="0"/>
+                <a:cs typeface="Arial" panose="020B0604020202020204" pitchFamily="34" charset="0"/>
+              </a:rPr>
+              <a:t>(edited)</a:t>
+            </a:r>
+            <a:r>
+              <a:rPr lang="en-US" i="1" dirty="0" smtClean="0">
+                <a:effectLst/>
+              </a:rPr>
+              <a:t/>
+            </a:r>
+            <a:br>
+              <a:rPr lang="en-US" i="1" dirty="0" smtClean="0">
+                <a:effectLst/>
+              </a:rPr>
+            </a:br>
+            <a:endParaRPr lang="en-US" dirty="0" smtClean="0">
+              <a:effectLst/>
+            </a:endParaRPr>
+          </a:p>
+          <a:p>
+            <a:r>
+              <a:rPr lang="en-US" sz="1200" u="none" strike="noStrike" kern="1200" dirty="0" smtClean="0">
+                <a:solidFill>
+                  <a:schemeClr val="tx1"/>
+                </a:solidFill>
+                <a:effectLst/>
+                <a:latin typeface="Arial" panose="020B0604020202020204" pitchFamily="34" charset="0"/>
+                <a:ea typeface="ＭＳ Ｐゴシック" charset="0"/>
+                <a:cs typeface="Arial" panose="020B0604020202020204" pitchFamily="34" charset="0"/>
+                <a:hlinkClick r:id="rId19" tooltip="Today at 9:39:10 AM&#10;Click to open in archives"/>
+              </a:rPr>
+              <a:t>​</a:t>
+            </a:r>
+            <a:r>
+              <a:rPr lang="en-US" sz="1200" i="1" u="none" strike="noStrike" kern="1200" dirty="0" smtClean="0">
+                <a:solidFill>
+                  <a:schemeClr val="tx1"/>
+                </a:solidFill>
+                <a:effectLst/>
+                <a:latin typeface="Arial" panose="020B0604020202020204" pitchFamily="34" charset="0"/>
+                <a:ea typeface="ＭＳ Ｐゴシック" charset="0"/>
+                <a:cs typeface="Arial" panose="020B0604020202020204" pitchFamily="34" charset="0"/>
+                <a:hlinkClick r:id="rId19" tooltip="Today at 9:39:10 AM&#10;Click to open in archives"/>
+              </a:rPr>
+              <a:t>[</a:t>
+            </a:r>
+            <a:r>
+              <a:rPr lang="en-US" sz="1200" u="none" strike="noStrike" kern="1200" dirty="0" smtClean="0">
+                <a:solidFill>
+                  <a:schemeClr val="tx1"/>
+                </a:solidFill>
+                <a:effectLst/>
+                <a:latin typeface="Arial" panose="020B0604020202020204" pitchFamily="34" charset="0"/>
+                <a:ea typeface="ＭＳ Ｐゴシック" charset="0"/>
+                <a:cs typeface="Arial" panose="020B0604020202020204" pitchFamily="34" charset="0"/>
+                <a:hlinkClick r:id="rId19" tooltip="Today at 9:39:10 AM&#10;Click to open in archives"/>
+              </a:rPr>
+              <a:t>9:39 AM</a:t>
+            </a:r>
+            <a:r>
+              <a:rPr lang="en-US" sz="1200" i="1" u="none" strike="noStrike" kern="1200" dirty="0" smtClean="0">
+                <a:solidFill>
+                  <a:schemeClr val="tx1"/>
+                </a:solidFill>
+                <a:effectLst/>
+                <a:latin typeface="Arial" panose="020B0604020202020204" pitchFamily="34" charset="0"/>
+                <a:ea typeface="ＭＳ Ｐゴシック" charset="0"/>
+                <a:cs typeface="Arial" panose="020B0604020202020204" pitchFamily="34" charset="0"/>
+                <a:hlinkClick r:id="rId19" tooltip="Today at 9:39:10 AM&#10;Click to open in archives"/>
+              </a:rPr>
+              <a:t>]</a:t>
+            </a:r>
+            <a:r>
+              <a:rPr lang="en-US" dirty="0" smtClean="0">
+                <a:effectLst/>
+              </a:rPr>
+              <a:t> </a:t>
+            </a:r>
+          </a:p>
+          <a:p>
+            <a:r>
+              <a:rPr lang="en-US" sz="1200" b="1" u="none" strike="noStrike" kern="1200" dirty="0" err="1" smtClean="0">
+                <a:solidFill>
+                  <a:schemeClr val="tx1"/>
+                </a:solidFill>
+                <a:effectLst/>
+                <a:latin typeface="Arial" panose="020B0604020202020204" pitchFamily="34" charset="0"/>
+                <a:ea typeface="ＭＳ Ｐゴシック" charset="0"/>
+                <a:cs typeface="Arial" panose="020B0604020202020204" pitchFamily="34" charset="0"/>
+                <a:hlinkClick r:id="rId4"/>
+              </a:rPr>
+              <a:t>dominik</a:t>
+            </a:r>
+            <a:r>
+              <a:rPr lang="en-US" dirty="0" smtClean="0">
+                <a:effectLst/>
+              </a:rPr>
+              <a:t> It has not been explicitly planned yet. My expectation is for end of Q1, but it could just as easily move into early Q2</a:t>
+            </a:r>
+            <a:r>
+              <a:rPr lang="en-US" i="1" dirty="0" smtClean="0">
+                <a:effectLst/>
+              </a:rPr>
+              <a:t/>
+            </a:r>
+            <a:br>
+              <a:rPr lang="en-US" i="1" dirty="0" smtClean="0">
+                <a:effectLst/>
+              </a:rPr>
+            </a:br>
+            <a:endParaRPr lang="en-US" dirty="0" smtClean="0">
+              <a:effectLst/>
+            </a:endParaRPr>
+          </a:p>
+          <a:p>
+            <a:r>
+              <a:rPr lang="en-US" sz="1200" u="none" strike="noStrike" kern="1200" dirty="0" smtClean="0">
+                <a:solidFill>
+                  <a:schemeClr val="tx1"/>
+                </a:solidFill>
+                <a:effectLst/>
+                <a:latin typeface="Arial" panose="020B0604020202020204" pitchFamily="34" charset="0"/>
+                <a:ea typeface="ＭＳ Ｐゴシック" charset="0"/>
+                <a:cs typeface="Arial" panose="020B0604020202020204" pitchFamily="34" charset="0"/>
+                <a:hlinkClick r:id="rId20" tooltip="Today at 9:39:20 AM&#10;Click to open in archives"/>
+              </a:rPr>
+              <a:t>​</a:t>
+            </a:r>
+            <a:r>
+              <a:rPr lang="en-US" sz="1200" i="1" u="none" strike="noStrike" kern="1200" dirty="0" smtClean="0">
+                <a:solidFill>
+                  <a:schemeClr val="tx1"/>
+                </a:solidFill>
+                <a:effectLst/>
+                <a:latin typeface="Arial" panose="020B0604020202020204" pitchFamily="34" charset="0"/>
+                <a:ea typeface="ＭＳ Ｐゴシック" charset="0"/>
+                <a:cs typeface="Arial" panose="020B0604020202020204" pitchFamily="34" charset="0"/>
+                <a:hlinkClick r:id="rId20" tooltip="Today at 9:39:20 AM&#10;Click to open in archives"/>
+              </a:rPr>
+              <a:t>[</a:t>
+            </a:r>
+            <a:r>
+              <a:rPr lang="en-US" sz="1200" u="none" strike="noStrike" kern="1200" dirty="0" smtClean="0">
+                <a:solidFill>
+                  <a:schemeClr val="tx1"/>
+                </a:solidFill>
+                <a:effectLst/>
+                <a:latin typeface="Arial" panose="020B0604020202020204" pitchFamily="34" charset="0"/>
+                <a:ea typeface="ＭＳ Ｐゴシック" charset="0"/>
+                <a:cs typeface="Arial" panose="020B0604020202020204" pitchFamily="34" charset="0"/>
+                <a:hlinkClick r:id="rId20" tooltip="Today at 9:39:20 AM&#10;Click to open in archives"/>
+              </a:rPr>
+              <a:t>9:39 AM</a:t>
+            </a:r>
+            <a:r>
+              <a:rPr lang="en-US" sz="1200" i="1" u="none" strike="noStrike" kern="1200" dirty="0" smtClean="0">
+                <a:solidFill>
+                  <a:schemeClr val="tx1"/>
+                </a:solidFill>
+                <a:effectLst/>
+                <a:latin typeface="Arial" panose="020B0604020202020204" pitchFamily="34" charset="0"/>
+                <a:ea typeface="ＭＳ Ｐゴシック" charset="0"/>
+                <a:cs typeface="Arial" panose="020B0604020202020204" pitchFamily="34" charset="0"/>
+                <a:hlinkClick r:id="rId20" tooltip="Today at 9:39:20 AM&#10;Click to open in archives"/>
+              </a:rPr>
+              <a:t>]</a:t>
+            </a:r>
+            <a:r>
+              <a:rPr lang="en-US" dirty="0" smtClean="0">
+                <a:effectLst/>
+              </a:rPr>
+              <a:t> </a:t>
+            </a:r>
+          </a:p>
+          <a:p>
+            <a:r>
+              <a:rPr lang="en-US" sz="1200" b="1" u="none" strike="noStrike" kern="1200" dirty="0" err="1" smtClean="0">
+                <a:solidFill>
+                  <a:schemeClr val="tx1"/>
+                </a:solidFill>
+                <a:effectLst/>
+                <a:latin typeface="Arial" panose="020B0604020202020204" pitchFamily="34" charset="0"/>
+                <a:ea typeface="ＭＳ Ｐゴシック" charset="0"/>
+                <a:cs typeface="Arial" panose="020B0604020202020204" pitchFamily="34" charset="0"/>
+                <a:hlinkClick r:id="rId6"/>
+              </a:rPr>
+              <a:t>steve_delfante</a:t>
+            </a:r>
+            <a:r>
+              <a:rPr lang="en-US" dirty="0" smtClean="0">
+                <a:effectLst/>
+              </a:rPr>
+              <a:t> Ok. Thanks!</a:t>
+            </a:r>
+            <a:r>
+              <a:rPr lang="en-US" i="1" dirty="0" smtClean="0">
+                <a:effectLst/>
+              </a:rPr>
+              <a:t/>
+            </a:r>
+            <a:br>
+              <a:rPr lang="en-US" i="1" dirty="0" smtClean="0">
+                <a:effectLst/>
+              </a:rPr>
+            </a:br>
+            <a:endParaRPr lang="en-US" dirty="0" smtClean="0">
+              <a:effectLst/>
+            </a:endParaRPr>
+          </a:p>
+          <a:p>
+            <a:r>
+              <a:rPr lang="en-US" sz="1200" u="none" strike="noStrike" kern="1200" dirty="0" smtClean="0">
+                <a:solidFill>
+                  <a:schemeClr val="tx1"/>
+                </a:solidFill>
+                <a:effectLst/>
+                <a:latin typeface="Arial" panose="020B0604020202020204" pitchFamily="34" charset="0"/>
+                <a:ea typeface="ＭＳ Ｐゴシック" charset="0"/>
+                <a:cs typeface="Arial" panose="020B0604020202020204" pitchFamily="34" charset="0"/>
+                <a:hlinkClick r:id="rId21" tooltip="Today at 9:39:26 AM&#10;Click to open in archives"/>
+              </a:rPr>
+              <a:t>​</a:t>
+            </a:r>
+            <a:r>
+              <a:rPr lang="en-US" sz="1200" i="1" u="none" strike="noStrike" kern="1200" dirty="0" smtClean="0">
+                <a:solidFill>
+                  <a:schemeClr val="tx1"/>
+                </a:solidFill>
+                <a:effectLst/>
+                <a:latin typeface="Arial" panose="020B0604020202020204" pitchFamily="34" charset="0"/>
+                <a:ea typeface="ＭＳ Ｐゴシック" charset="0"/>
+                <a:cs typeface="Arial" panose="020B0604020202020204" pitchFamily="34" charset="0"/>
+                <a:hlinkClick r:id="rId21" tooltip="Today at 9:39:26 AM&#10;Click to open in archives"/>
+              </a:rPr>
+              <a:t>[</a:t>
+            </a:r>
+            <a:r>
+              <a:rPr lang="en-US" sz="1200" u="none" strike="noStrike" kern="1200" dirty="0" smtClean="0">
+                <a:solidFill>
+                  <a:schemeClr val="tx1"/>
+                </a:solidFill>
+                <a:effectLst/>
+                <a:latin typeface="Arial" panose="020B0604020202020204" pitchFamily="34" charset="0"/>
+                <a:ea typeface="ＭＳ Ｐゴシック" charset="0"/>
+                <a:cs typeface="Arial" panose="020B0604020202020204" pitchFamily="34" charset="0"/>
+                <a:hlinkClick r:id="rId21" tooltip="Today at 9:39:26 AM&#10;Click to open in archives"/>
+              </a:rPr>
+              <a:t>9:39 AM</a:t>
+            </a:r>
+            <a:r>
+              <a:rPr lang="en-US" sz="1200" i="1" u="none" strike="noStrike" kern="1200" dirty="0" smtClean="0">
+                <a:solidFill>
+                  <a:schemeClr val="tx1"/>
+                </a:solidFill>
+                <a:effectLst/>
+                <a:latin typeface="Arial" panose="020B0604020202020204" pitchFamily="34" charset="0"/>
+                <a:ea typeface="ＭＳ Ｐゴシック" charset="0"/>
+                <a:cs typeface="Arial" panose="020B0604020202020204" pitchFamily="34" charset="0"/>
+                <a:hlinkClick r:id="rId21" tooltip="Today at 9:39:26 AM&#10;Click to open in archives"/>
+              </a:rPr>
+              <a:t>]</a:t>
+            </a:r>
+            <a:r>
+              <a:rPr lang="en-US" dirty="0" smtClean="0">
+                <a:effectLst/>
+              </a:rPr>
+              <a:t> </a:t>
+            </a:r>
+          </a:p>
+          <a:p>
+            <a:r>
+              <a:rPr lang="en-US" sz="1200" b="1" u="none" strike="noStrike" kern="1200" dirty="0" err="1" smtClean="0">
+                <a:solidFill>
+                  <a:schemeClr val="tx1"/>
+                </a:solidFill>
+                <a:effectLst/>
+                <a:latin typeface="Arial" panose="020B0604020202020204" pitchFamily="34" charset="0"/>
+                <a:ea typeface="ＭＳ Ｐゴシック" charset="0"/>
+                <a:cs typeface="Arial" panose="020B0604020202020204" pitchFamily="34" charset="0"/>
+                <a:hlinkClick r:id="rId4"/>
+              </a:rPr>
+              <a:t>dominik</a:t>
+            </a:r>
+            <a:r>
+              <a:rPr lang="en-US" dirty="0" smtClean="0">
+                <a:effectLst/>
+              </a:rPr>
+              <a:t> JSON-based exporting however is already supported</a:t>
+            </a:r>
+            <a:r>
+              <a:rPr lang="en-US" i="1" dirty="0" smtClean="0">
+                <a:effectLst/>
+              </a:rPr>
+              <a:t/>
+            </a:r>
+            <a:br>
+              <a:rPr lang="en-US" i="1" dirty="0" smtClean="0">
+                <a:effectLst/>
+              </a:rPr>
+            </a:br>
+            <a:endParaRPr lang="en-US" dirty="0" smtClean="0">
+              <a:effectLst/>
+            </a:endParaRPr>
+          </a:p>
+          <a:p>
+            <a:r>
+              <a:rPr lang="en-US" sz="1200" b="1" i="0" kern="1200" dirty="0" smtClean="0">
+                <a:solidFill>
+                  <a:schemeClr val="tx1"/>
+                </a:solidFill>
+                <a:effectLst/>
+                <a:latin typeface="Arial" panose="020B0604020202020204" pitchFamily="34" charset="0"/>
+                <a:ea typeface="ＭＳ Ｐゴシック" charset="0"/>
+                <a:cs typeface="Arial" panose="020B0604020202020204" pitchFamily="34" charset="0"/>
+              </a:rPr>
+              <a:t>new messages</a:t>
+            </a:r>
+            <a:endParaRPr lang="en-US" sz="1200" b="0" i="0" kern="1200" dirty="0" smtClean="0">
+              <a:solidFill>
+                <a:schemeClr val="tx1"/>
+              </a:solidFill>
+              <a:effectLst/>
+              <a:latin typeface="Arial" panose="020B0604020202020204" pitchFamily="34" charset="0"/>
+              <a:ea typeface="ＭＳ Ｐゴシック" charset="0"/>
+              <a:cs typeface="Arial" panose="020B0604020202020204" pitchFamily="34" charset="0"/>
+            </a:endParaRPr>
+          </a:p>
+          <a:p>
+            <a:r>
+              <a:rPr lang="en-US" sz="1200" u="none" strike="noStrike" kern="1200" dirty="0" smtClean="0">
+                <a:solidFill>
+                  <a:schemeClr val="tx1"/>
+                </a:solidFill>
+                <a:effectLst/>
+                <a:latin typeface="Arial" panose="020B0604020202020204" pitchFamily="34" charset="0"/>
+                <a:ea typeface="ＭＳ Ｐゴシック" charset="0"/>
+                <a:cs typeface="Arial" panose="020B0604020202020204" pitchFamily="34" charset="0"/>
+                <a:hlinkClick r:id="rId22" tooltip="Today at 9:39:37 AM&#10;Click to open in archives"/>
+              </a:rPr>
+              <a:t>​</a:t>
+            </a:r>
+            <a:r>
+              <a:rPr lang="en-US" sz="1200" i="1" u="none" strike="noStrike" kern="1200" dirty="0" smtClean="0">
+                <a:solidFill>
+                  <a:schemeClr val="tx1"/>
+                </a:solidFill>
+                <a:effectLst/>
+                <a:latin typeface="Arial" panose="020B0604020202020204" pitchFamily="34" charset="0"/>
+                <a:ea typeface="ＭＳ Ｐゴシック" charset="0"/>
+                <a:cs typeface="Arial" panose="020B0604020202020204" pitchFamily="34" charset="0"/>
+                <a:hlinkClick r:id="rId22" tooltip="Today at 9:39:37 AM&#10;Click to open in archives"/>
+              </a:rPr>
+              <a:t>[</a:t>
+            </a:r>
+            <a:r>
+              <a:rPr lang="en-US" sz="1200" u="none" strike="noStrike" kern="1200" dirty="0" smtClean="0">
+                <a:solidFill>
+                  <a:schemeClr val="tx1"/>
+                </a:solidFill>
+                <a:effectLst/>
+                <a:latin typeface="Arial" panose="020B0604020202020204" pitchFamily="34" charset="0"/>
+                <a:ea typeface="ＭＳ Ｐゴシック" charset="0"/>
+                <a:cs typeface="Arial" panose="020B0604020202020204" pitchFamily="34" charset="0"/>
+                <a:hlinkClick r:id="rId22" tooltip="Today at 9:39:37 AM&#10;Click to open in archives"/>
+              </a:rPr>
+              <a:t>9:39 AM</a:t>
+            </a:r>
+            <a:r>
+              <a:rPr lang="en-US" sz="1200" i="1" u="none" strike="noStrike" kern="1200" dirty="0" smtClean="0">
+                <a:solidFill>
+                  <a:schemeClr val="tx1"/>
+                </a:solidFill>
+                <a:effectLst/>
+                <a:latin typeface="Arial" panose="020B0604020202020204" pitchFamily="34" charset="0"/>
+                <a:ea typeface="ＭＳ Ｐゴシック" charset="0"/>
+                <a:cs typeface="Arial" panose="020B0604020202020204" pitchFamily="34" charset="0"/>
+                <a:hlinkClick r:id="rId22" tooltip="Today at 9:39:37 AM&#10;Click to open in archives"/>
+              </a:rPr>
+              <a:t>]</a:t>
+            </a:r>
+            <a:r>
+              <a:rPr lang="en-US" dirty="0" smtClean="0">
+                <a:effectLst/>
+              </a:rPr>
+              <a:t> </a:t>
+            </a:r>
+          </a:p>
+          <a:p>
+            <a:r>
+              <a:rPr lang="en-US" dirty="0" smtClean="0">
+                <a:effectLst/>
+              </a:rPr>
+              <a:t>and we are rewriting the API to be much better at generating large reports</a:t>
+            </a:r>
+            <a:r>
+              <a:rPr lang="en-US" i="1" dirty="0" smtClean="0">
+                <a:effectLst/>
+              </a:rPr>
+              <a:t/>
+            </a:r>
+            <a:br>
+              <a:rPr lang="en-US" i="1" dirty="0" smtClean="0">
+                <a:effectLst/>
+              </a:rPr>
+            </a:br>
+            <a:endParaRPr lang="en-US" dirty="0" smtClean="0">
+              <a:effectLst/>
+            </a:endParaRPr>
+          </a:p>
+          <a:p>
+            <a:r>
+              <a:rPr lang="en-US" sz="1200" u="none" strike="noStrike" kern="1200" dirty="0" smtClean="0">
+                <a:solidFill>
+                  <a:schemeClr val="tx1"/>
+                </a:solidFill>
+                <a:effectLst/>
+                <a:latin typeface="Arial" panose="020B0604020202020204" pitchFamily="34" charset="0"/>
+                <a:ea typeface="ＭＳ Ｐゴシック" charset="0"/>
+                <a:cs typeface="Arial" panose="020B0604020202020204" pitchFamily="34" charset="0"/>
+                <a:hlinkClick r:id="rId23" tooltip="Today at 9:39:49 AM&#10;Click to open in archives"/>
+              </a:rPr>
+              <a:t>​</a:t>
+            </a:r>
+            <a:r>
+              <a:rPr lang="en-US" sz="1200" i="1" u="none" strike="noStrike" kern="1200" dirty="0" smtClean="0">
+                <a:solidFill>
+                  <a:schemeClr val="tx1"/>
+                </a:solidFill>
+                <a:effectLst/>
+                <a:latin typeface="Arial" panose="020B0604020202020204" pitchFamily="34" charset="0"/>
+                <a:ea typeface="ＭＳ Ｐゴシック" charset="0"/>
+                <a:cs typeface="Arial" panose="020B0604020202020204" pitchFamily="34" charset="0"/>
+                <a:hlinkClick r:id="rId23" tooltip="Today at 9:39:49 AM&#10;Click to open in archives"/>
+              </a:rPr>
+              <a:t>[</a:t>
+            </a:r>
+            <a:r>
+              <a:rPr lang="en-US" sz="1200" u="none" strike="noStrike" kern="1200" dirty="0" smtClean="0">
+                <a:solidFill>
+                  <a:schemeClr val="tx1"/>
+                </a:solidFill>
+                <a:effectLst/>
+                <a:latin typeface="Arial" panose="020B0604020202020204" pitchFamily="34" charset="0"/>
+                <a:ea typeface="ＭＳ Ｐゴシック" charset="0"/>
+                <a:cs typeface="Arial" panose="020B0604020202020204" pitchFamily="34" charset="0"/>
+                <a:hlinkClick r:id="rId23" tooltip="Today at 9:39:49 AM&#10;Click to open in archives"/>
+              </a:rPr>
+              <a:t>9:39 AM</a:t>
+            </a:r>
+            <a:r>
+              <a:rPr lang="en-US" sz="1200" i="1" u="none" strike="noStrike" kern="1200" dirty="0" smtClean="0">
+                <a:solidFill>
+                  <a:schemeClr val="tx1"/>
+                </a:solidFill>
+                <a:effectLst/>
+                <a:latin typeface="Arial" panose="020B0604020202020204" pitchFamily="34" charset="0"/>
+                <a:ea typeface="ＭＳ Ｐゴシック" charset="0"/>
+                <a:cs typeface="Arial" panose="020B0604020202020204" pitchFamily="34" charset="0"/>
+                <a:hlinkClick r:id="rId23" tooltip="Today at 9:39:49 AM&#10;Click to open in archives"/>
+              </a:rPr>
+              <a:t>]</a:t>
+            </a:r>
+            <a:r>
+              <a:rPr lang="en-US" dirty="0" smtClean="0">
+                <a:effectLst/>
+              </a:rPr>
+              <a:t> </a:t>
+            </a:r>
+          </a:p>
+          <a:p>
+            <a:r>
+              <a:rPr lang="en-US" dirty="0" smtClean="0">
+                <a:effectLst/>
+              </a:rPr>
+              <a:t>let me know if customers have different priorities</a:t>
+            </a:r>
           </a:p>
           <a:p>
             <a:endParaRPr lang="en-US" dirty="0"/>
@@ -4289,7 +3830,7 @@
     </p:spTree>
     <p:extLst>
       <p:ext uri="{BB962C8B-B14F-4D97-AF65-F5344CB8AC3E}">
-        <p14:creationId xmlns:p14="http://schemas.microsoft.com/office/powerpoint/2010/main" val="3964402445"/>
+        <p14:creationId xmlns:p14="http://schemas.microsoft.com/office/powerpoint/2010/main" val="2076100887"/>
       </p:ext>
     </p:extLst>
   </p:cSld>
@@ -4343,145 +3884,7 @@
           <a:bodyPr/>
           <a:lstStyle/>
           <a:p>
-            <a:pPr marL="0" marR="0" indent="0" algn="l" defTabSz="1217613" rtl="0" eaLnBrk="1" fontAlgn="base" latinLnBrk="0" hangingPunct="1">
-              <a:lnSpc>
-                <a:spcPct val="90000"/>
-              </a:lnSpc>
-              <a:spcBef>
-                <a:spcPct val="30000"/>
-              </a:spcBef>
-              <a:spcAft>
-                <a:spcPts val="450"/>
-              </a:spcAft>
-              <a:buClrTx/>
-              <a:buSzTx/>
-              <a:buFontTx/>
-              <a:buNone/>
-              <a:tabLst/>
-              <a:defRPr/>
-            </a:pPr>
-            <a:r>
-              <a:rPr lang="en-US" dirty="0" smtClean="0"/>
-              <a:t>On your target node, create a directory for your profiles</a:t>
-            </a:r>
-            <a:r>
-              <a:rPr lang="en-US" baseline="0" dirty="0" smtClean="0"/>
-              <a:t> and the move into that new directory.</a:t>
-            </a:r>
-          </a:p>
-          <a:p>
-            <a:pPr marL="0" marR="0" indent="0" algn="l" defTabSz="1217613" rtl="0" eaLnBrk="1" fontAlgn="base" latinLnBrk="0" hangingPunct="1">
-              <a:lnSpc>
-                <a:spcPct val="90000"/>
-              </a:lnSpc>
-              <a:spcBef>
-                <a:spcPct val="30000"/>
-              </a:spcBef>
-              <a:spcAft>
-                <a:spcPts val="450"/>
-              </a:spcAft>
-              <a:buClrTx/>
-              <a:buSzTx/>
-              <a:buFontTx/>
-              <a:buNone/>
-              <a:tabLst/>
-              <a:defRPr/>
-            </a:pPr>
-            <a:endParaRPr lang="en-US" baseline="0" dirty="0" smtClean="0"/>
-          </a:p>
-          <a:p>
-            <a:pPr marL="0" marR="0" indent="0" algn="l" defTabSz="1217613" rtl="0" eaLnBrk="1" fontAlgn="base" latinLnBrk="0" hangingPunct="1">
-              <a:lnSpc>
-                <a:spcPct val="90000"/>
-              </a:lnSpc>
-              <a:spcBef>
-                <a:spcPct val="30000"/>
-              </a:spcBef>
-              <a:spcAft>
-                <a:spcPts val="450"/>
-              </a:spcAft>
-              <a:buClrTx/>
-              <a:buSzTx/>
-              <a:buFontTx/>
-              <a:buNone/>
-              <a:tabLst/>
-              <a:defRPr/>
-            </a:pPr>
-            <a:r>
-              <a:rPr lang="en-US" dirty="0" smtClean="0"/>
-              <a:t>$ `mkdir -p ~/</a:t>
-            </a:r>
-            <a:r>
-              <a:rPr lang="en-US" dirty="0" err="1" smtClean="0"/>
-              <a:t>compliance_profiles</a:t>
-            </a:r>
-            <a:r>
-              <a:rPr lang="en-US" dirty="0" smtClean="0"/>
-              <a:t>/profile_01`</a:t>
-            </a:r>
-          </a:p>
-          <a:p>
-            <a:r>
-              <a:rPr lang="en-US" dirty="0" smtClean="0"/>
-              <a:t>$ `cd ~/</a:t>
-            </a:r>
-            <a:r>
-              <a:rPr lang="en-US" dirty="0" err="1" smtClean="0"/>
-              <a:t>compliance_profiles</a:t>
-            </a:r>
-            <a:r>
-              <a:rPr lang="en-US" dirty="0" smtClean="0"/>
-              <a:t>/profile_01'</a:t>
-            </a:r>
-          </a:p>
-          <a:p>
-            <a:endParaRPr lang="en-US" dirty="0" smtClean="0"/>
-          </a:p>
-          <a:p>
-            <a:r>
-              <a:rPr lang="en-US" dirty="0" smtClean="0"/>
-              <a:t>Reminder: In the workplace you would likely perform this task TBD</a:t>
-            </a:r>
-          </a:p>
-          <a:p>
-            <a:pPr marL="0" marR="0" indent="0" algn="l" defTabSz="1217613" rtl="0" eaLnBrk="1" fontAlgn="base" latinLnBrk="0" hangingPunct="1">
-              <a:lnSpc>
-                <a:spcPct val="90000"/>
-              </a:lnSpc>
-              <a:spcBef>
-                <a:spcPct val="30000"/>
-              </a:spcBef>
-              <a:spcAft>
-                <a:spcPts val="450"/>
-              </a:spcAft>
-              <a:buClrTx/>
-              <a:buSzTx/>
-              <a:buFontTx/>
-              <a:buNone/>
-              <a:tabLst/>
-              <a:defRPr/>
-            </a:pPr>
-            <a:endParaRPr lang="en-US" baseline="0" dirty="0" smtClean="0"/>
-          </a:p>
-          <a:p>
-            <a:pPr marL="0" marR="0" indent="0" algn="l" defTabSz="1217613" rtl="0" eaLnBrk="1" fontAlgn="base" latinLnBrk="0" hangingPunct="1">
-              <a:lnSpc>
-                <a:spcPct val="90000"/>
-              </a:lnSpc>
-              <a:spcBef>
-                <a:spcPct val="30000"/>
-              </a:spcBef>
-              <a:spcAft>
-                <a:spcPts val="450"/>
-              </a:spcAft>
-              <a:buClrTx/>
-              <a:buSzTx/>
-              <a:buFontTx/>
-              <a:buNone/>
-              <a:tabLst/>
-              <a:defRPr/>
-            </a:pPr>
-            <a:endParaRPr lang="en-US" dirty="0" smtClean="0"/>
+            <a:endParaRPr lang="en-US" dirty="0"/>
           </a:p>
         </p:txBody>
       </p:sp>
@@ -4561,7 +3964,7 @@
     </p:spTree>
     <p:extLst>
       <p:ext uri="{BB962C8B-B14F-4D97-AF65-F5344CB8AC3E}">
-        <p14:creationId xmlns:p14="http://schemas.microsoft.com/office/powerpoint/2010/main" val="1882353999"/>
+        <p14:creationId xmlns:p14="http://schemas.microsoft.com/office/powerpoint/2010/main" val="2361220506"/>
       </p:ext>
     </p:extLst>
   </p:cSld>
@@ -5136,14 +4539,14 @@
           </a:ln>
           <a:extLst>
             <a:ext uri="{909E8E84-426E-40dd-AFC4-6F175D3DCCD1}">
-              <a14:hiddenFill xmlns="" xmlns:a14="http://schemas.microsoft.com/office/drawing/2010/main">
+              <a14:hiddenFill xmlns:a14="http://schemas.microsoft.com/office/drawing/2010/main" xmlns="">
                 <a:solidFill>
                   <a:srgbClr val="FFFFFF"/>
                 </a:solidFill>
               </a14:hiddenFill>
             </a:ext>
             <a:ext uri="{91240B29-F687-4f45-9708-019B960494DF}">
-              <a14:hiddenLine xmlns="" xmlns:a14="http://schemas.microsoft.com/office/drawing/2010/main" w="9525">
+              <a14:hiddenLine xmlns:a14="http://schemas.microsoft.com/office/drawing/2010/main" xmlns="" w="9525">
                 <a:solidFill>
                   <a:srgbClr val="000000"/>
                 </a:solidFill>
@@ -5291,14 +4694,14 @@
           </a:ln>
           <a:extLst>
             <a:ext uri="{909E8E84-426E-40dd-AFC4-6F175D3DCCD1}">
-              <a14:hiddenFill xmlns="" xmlns:a14="http://schemas.microsoft.com/office/drawing/2010/main">
+              <a14:hiddenFill xmlns:a14="http://schemas.microsoft.com/office/drawing/2010/main" xmlns="">
                 <a:solidFill>
                   <a:srgbClr val="FFFFFF"/>
                 </a:solidFill>
               </a14:hiddenFill>
             </a:ext>
             <a:ext uri="{91240B29-F687-4f45-9708-019B960494DF}">
-              <a14:hiddenLine xmlns="" xmlns:a14="http://schemas.microsoft.com/office/drawing/2010/main" w="9525">
+              <a14:hiddenLine xmlns:a14="http://schemas.microsoft.com/office/drawing/2010/main" xmlns="" w="9525">
                 <a:solidFill>
                   <a:srgbClr val="000000"/>
                 </a:solidFill>
@@ -5789,14 +5192,14 @@
           </a:ln>
           <a:extLst>
             <a:ext uri="{909E8E84-426E-40dd-AFC4-6F175D3DCCD1}">
-              <a14:hiddenFill xmlns="" xmlns:a14="http://schemas.microsoft.com/office/drawing/2010/main">
+              <a14:hiddenFill xmlns:a14="http://schemas.microsoft.com/office/drawing/2010/main" xmlns="">
                 <a:solidFill>
                   <a:srgbClr val="FFFFFF"/>
                 </a:solidFill>
               </a14:hiddenFill>
             </a:ext>
             <a:ext uri="{91240B29-F687-4f45-9708-019B960494DF}">
-              <a14:hiddenLine xmlns="" xmlns:a14="http://schemas.microsoft.com/office/drawing/2010/main" w="9525">
+              <a14:hiddenLine xmlns:a14="http://schemas.microsoft.com/office/drawing/2010/main" xmlns="" w="9525">
                 <a:solidFill>
                   <a:srgbClr val="000000"/>
                 </a:solidFill>
@@ -6322,14 +5725,14 @@
           </a:ln>
           <a:extLst>
             <a:ext uri="{909E8E84-426E-40dd-AFC4-6F175D3DCCD1}">
-              <a14:hiddenFill xmlns="" xmlns:a14="http://schemas.microsoft.com/office/drawing/2010/main">
+              <a14:hiddenFill xmlns:a14="http://schemas.microsoft.com/office/drawing/2010/main" xmlns="">
                 <a:solidFill>
                   <a:srgbClr val="FFFFFF"/>
                 </a:solidFill>
               </a14:hiddenFill>
             </a:ext>
             <a:ext uri="{91240B29-F687-4f45-9708-019B960494DF}">
-              <a14:hiddenLine xmlns="" xmlns:a14="http://schemas.microsoft.com/office/drawing/2010/main" w="9525">
+              <a14:hiddenLine xmlns:a14="http://schemas.microsoft.com/office/drawing/2010/main" xmlns="" w="9525">
                 <a:solidFill>
                   <a:srgbClr val="000000"/>
                 </a:solidFill>
@@ -7953,14 +7356,14 @@
           </a:ln>
           <a:extLst>
             <a:ext uri="{909E8E84-426E-40dd-AFC4-6F175D3DCCD1}">
-              <a14:hiddenFill xmlns="" xmlns:a14="http://schemas.microsoft.com/office/drawing/2010/main">
+              <a14:hiddenFill xmlns:a14="http://schemas.microsoft.com/office/drawing/2010/main" xmlns="">
                 <a:solidFill>
                   <a:srgbClr val="FFFFFF"/>
                 </a:solidFill>
               </a14:hiddenFill>
             </a:ext>
             <a:ext uri="{91240B29-F687-4f45-9708-019B960494DF}">
-              <a14:hiddenLine xmlns="" xmlns:a14="http://schemas.microsoft.com/office/drawing/2010/main" w="9525">
+              <a14:hiddenLine xmlns:a14="http://schemas.microsoft.com/office/drawing/2010/main" xmlns="" w="9525">
                 <a:solidFill>
                   <a:srgbClr val="000000"/>
                 </a:solidFill>
@@ -9494,14 +8897,14 @@
           </a:ln>
           <a:extLst>
             <a:ext uri="{909E8E84-426E-40dd-AFC4-6F175D3DCCD1}">
-              <a14:hiddenFill xmlns="" xmlns:a14="http://schemas.microsoft.com/office/drawing/2010/main">
+              <a14:hiddenFill xmlns:a14="http://schemas.microsoft.com/office/drawing/2010/main" xmlns="">
                 <a:solidFill>
                   <a:srgbClr val="FFFFFF"/>
                 </a:solidFill>
               </a14:hiddenFill>
             </a:ext>
             <a:ext uri="{91240B29-F687-4f45-9708-019B960494DF}">
-              <a14:hiddenLine xmlns="" xmlns:a14="http://schemas.microsoft.com/office/drawing/2010/main" w="9525">
+              <a14:hiddenLine xmlns:a14="http://schemas.microsoft.com/office/drawing/2010/main" xmlns="" w="9525">
                 <a:solidFill>
                   <a:srgbClr val="000000"/>
                 </a:solidFill>
@@ -10007,14 +9410,14 @@
           </a:ln>
           <a:extLst>
             <a:ext uri="{909E8E84-426E-40dd-AFC4-6F175D3DCCD1}">
-              <a14:hiddenFill xmlns="" xmlns:a14="http://schemas.microsoft.com/office/drawing/2010/main">
+              <a14:hiddenFill xmlns:a14="http://schemas.microsoft.com/office/drawing/2010/main" xmlns="">
                 <a:solidFill>
                   <a:srgbClr val="FFFFFF"/>
                 </a:solidFill>
               </a14:hiddenFill>
             </a:ext>
             <a:ext uri="{91240B29-F687-4f45-9708-019B960494DF}">
-              <a14:hiddenLine xmlns="" xmlns:a14="http://schemas.microsoft.com/office/drawing/2010/main" w="9525">
+              <a14:hiddenLine xmlns:a14="http://schemas.microsoft.com/office/drawing/2010/main" xmlns="" w="9525">
                 <a:solidFill>
                   <a:srgbClr val="000000"/>
                 </a:solidFill>
@@ -10581,14 +9984,14 @@
           </a:ln>
           <a:extLst>
             <a:ext uri="{909E8E84-426E-40dd-AFC4-6F175D3DCCD1}">
-              <a14:hiddenFill xmlns="" xmlns:a14="http://schemas.microsoft.com/office/drawing/2010/main">
+              <a14:hiddenFill xmlns:a14="http://schemas.microsoft.com/office/drawing/2010/main" xmlns="">
                 <a:solidFill>
                   <a:srgbClr val="FFFFFF"/>
                 </a:solidFill>
               </a14:hiddenFill>
             </a:ext>
             <a:ext uri="{91240B29-F687-4f45-9708-019B960494DF}">
-              <a14:hiddenLine xmlns="" xmlns:a14="http://schemas.microsoft.com/office/drawing/2010/main" w="9525">
+              <a14:hiddenLine xmlns:a14="http://schemas.microsoft.com/office/drawing/2010/main" xmlns="" w="9525">
                 <a:solidFill>
                   <a:srgbClr val="000000"/>
                 </a:solidFill>
@@ -11528,14 +10931,14 @@
           </a:ln>
           <a:extLst>
             <a:ext uri="{909E8E84-426E-40dd-AFC4-6F175D3DCCD1}">
-              <a14:hiddenFill xmlns="" xmlns:a14="http://schemas.microsoft.com/office/drawing/2010/main">
+              <a14:hiddenFill xmlns:a14="http://schemas.microsoft.com/office/drawing/2010/main" xmlns="">
                 <a:solidFill>
                   <a:srgbClr val="FFFFFF"/>
                 </a:solidFill>
               </a14:hiddenFill>
             </a:ext>
             <a:ext uri="{91240B29-F687-4f45-9708-019B960494DF}">
-              <a14:hiddenLine xmlns="" xmlns:a14="http://schemas.microsoft.com/office/drawing/2010/main" w="9525">
+              <a14:hiddenLine xmlns:a14="http://schemas.microsoft.com/office/drawing/2010/main" xmlns="" w="9525">
                 <a:solidFill>
                   <a:srgbClr val="000000"/>
                 </a:solidFill>
@@ -12288,14 +11691,14 @@
           </a:ln>
           <a:extLst>
             <a:ext uri="{909E8E84-426E-40dd-AFC4-6F175D3DCCD1}">
-              <a14:hiddenFill xmlns="" xmlns:a14="http://schemas.microsoft.com/office/drawing/2010/main">
+              <a14:hiddenFill xmlns:a14="http://schemas.microsoft.com/office/drawing/2010/main" xmlns="">
                 <a:solidFill>
                   <a:srgbClr val="FFFFFF"/>
                 </a:solidFill>
               </a14:hiddenFill>
             </a:ext>
             <a:ext uri="{91240B29-F687-4f45-9708-019B960494DF}">
-              <a14:hiddenLine xmlns="" xmlns:a14="http://schemas.microsoft.com/office/drawing/2010/main" w="9525">
+              <a14:hiddenLine xmlns:a14="http://schemas.microsoft.com/office/drawing/2010/main" xmlns="" w="9525">
                 <a:solidFill>
                   <a:srgbClr val="000000"/>
                 </a:solidFill>
@@ -13548,7 +12951,15 @@
           <a:p>
             <a:r>
               <a:rPr lang="en-US" dirty="0" smtClean="0"/>
-              <a:t>To do so, set up a scheduled scan as you just did... </a:t>
+              <a:t>To do so, set up a scheduled scan </a:t>
+            </a:r>
+            <a:r>
+              <a:rPr lang="en-US" dirty="0" smtClean="0"/>
+              <a:t>like you </a:t>
+            </a:r>
+            <a:r>
+              <a:rPr lang="en-US" dirty="0" smtClean="0"/>
+              <a:t>just did... </a:t>
             </a:r>
           </a:p>
           <a:p>
@@ -13692,7 +13103,15 @@
           <a:p>
             <a:r>
               <a:rPr lang="en-US" dirty="0" smtClean="0"/>
-              <a:t>...but when you get to the page with the calendar, click the </a:t>
+              <a:t>...but when you get to the page with the </a:t>
+            </a:r>
+            <a:r>
+              <a:rPr lang="en-US" dirty="0" smtClean="0"/>
+              <a:t>calendar (Scan nodes page), </a:t>
+            </a:r>
+            <a:r>
+              <a:rPr lang="en-US" dirty="0" smtClean="0"/>
+              <a:t>click the </a:t>
             </a:r>
             <a:r>
               <a:rPr lang="en-US" b="1" dirty="0" smtClean="0"/>
@@ -13859,38 +13278,25 @@
           <a:bodyPr/>
           <a:lstStyle/>
           <a:p>
+            <a:endParaRPr lang="en-US" dirty="0" smtClean="0"/>
+          </a:p>
+          <a:p>
             <a:r>
               <a:rPr lang="en-US" dirty="0" smtClean="0"/>
-              <a:t>The list of old scheduled jobs can grow so you should delete them after you are done with them.</a:t>
+              <a:t>The </a:t>
+            </a:r>
+            <a:r>
+              <a:rPr lang="en-US" dirty="0" smtClean="0"/>
+              <a:t>list of old scheduled jobs can grow so you should delete them </a:t>
+            </a:r>
+            <a:r>
+              <a:rPr lang="en-US" dirty="0" smtClean="0"/>
+              <a:t>if you no longer need them.</a:t>
             </a:r>
             <a:endParaRPr lang="en-US" dirty="0"/>
           </a:p>
         </p:txBody>
       </p:sp>
-      <p:pic>
-        <p:nvPicPr>
-          <p:cNvPr id="4" name="Picture 3"/>
-          <p:cNvPicPr>
-            <a:picLocks noChangeAspect="1"/>
-          </p:cNvPicPr>
-          <p:nvPr/>
-        </p:nvPicPr>
-        <p:blipFill>
-          <a:blip r:embed="rId3"/>
-          <a:stretch>
-            <a:fillRect/>
-          </a:stretch>
-        </p:blipFill>
-        <p:spPr>
-          <a:xfrm>
-            <a:off x="4521200" y="4391744"/>
-            <a:ext cx="6619875" cy="3638550"/>
-          </a:xfrm>
-          <a:prstGeom prst="rect">
-            <a:avLst/>
-          </a:prstGeom>
-        </p:spPr>
-      </p:pic>
     </p:spTree>
     <p:extLst>
       <p:ext uri="{BB962C8B-B14F-4D97-AF65-F5344CB8AC3E}">
@@ -13938,19 +13344,17 @@
             <a:spLocks noGrp="1"/>
           </p:cNvSpPr>
           <p:nvPr>
-            <p:ph type="ctrTitle"/>
+            <p:ph type="title"/>
           </p:nvPr>
         </p:nvSpPr>
         <p:spPr/>
         <p:txBody>
-          <a:bodyPr>
-            <a:normAutofit fontScale="90000"/>
-          </a:bodyPr>
+          <a:bodyPr/>
           <a:lstStyle/>
           <a:p>
             <a:r>
               <a:rPr lang="en-US" dirty="0" smtClean="0"/>
-              <a:t>Recurring Jobs</a:t>
+              <a:t>Demonstration: Deleting Jobs</a:t>
             </a:r>
             <a:endParaRPr lang="en-US" dirty="0"/>
           </a:p>
@@ -13958,18 +13362,18 @@
       </p:sp>
       <p:sp>
         <p:nvSpPr>
-          <p:cNvPr id="3" name="Subtitle 2"/>
+          <p:cNvPr id="3" name="Text Placeholder 2"/>
           <p:cNvSpPr>
             <a:spLocks noGrp="1"/>
           </p:cNvSpPr>
           <p:nvPr>
-            <p:ph type="subTitle" idx="1"/>
+            <p:ph type="body" sz="quarter" idx="12"/>
           </p:nvPr>
         </p:nvSpPr>
         <p:spPr>
           <a:xfrm>
-            <a:off x="1671638" y="3271838"/>
-            <a:ext cx="12319000" cy="4317682"/>
+            <a:off x="650040" y="1856198"/>
+            <a:ext cx="6127278" cy="5345953"/>
           </a:xfrm>
         </p:spPr>
         <p:txBody>
@@ -13978,16 +13382,94 @@
           <a:p>
             <a:r>
               <a:rPr lang="en-US" dirty="0" smtClean="0"/>
-              <a:t>The list of old scheduled jobs can grow so you should delete them after you are done with them.</a:t>
-            </a:r>
+              <a:t>To delete an old job, from the Jobs tab, click a job...</a:t>
+            </a:r>
+          </a:p>
+          <a:p>
             <a:endParaRPr lang="en-US" dirty="0"/>
           </a:p>
-        </p:txBody>
-      </p:sp>
+          <a:p>
+            <a:r>
+              <a:rPr lang="en-US" dirty="0" smtClean="0"/>
+              <a:t>...and from the resulting page, click the </a:t>
+            </a:r>
+            <a:r>
+              <a:rPr lang="en-US" b="1" dirty="0" smtClean="0"/>
+              <a:t>Delete</a:t>
+            </a:r>
+            <a:r>
+              <a:rPr lang="en-US" dirty="0" smtClean="0"/>
+              <a:t> button.</a:t>
+            </a:r>
+            <a:endParaRPr lang="en-US" dirty="0" smtClean="0"/>
+          </a:p>
+          <a:p>
+            <a:endParaRPr lang="en-US" dirty="0"/>
+          </a:p>
+        </p:txBody>
+      </p:sp>
+      <p:pic>
+        <p:nvPicPr>
+          <p:cNvPr id="4" name="Picture 3"/>
+          <p:cNvPicPr>
+            <a:picLocks noChangeAspect="1"/>
+          </p:cNvPicPr>
+          <p:nvPr/>
+        </p:nvPicPr>
+        <p:blipFill>
+          <a:blip r:embed="rId2"/>
+          <a:stretch>
+            <a:fillRect/>
+          </a:stretch>
+        </p:blipFill>
+        <p:spPr>
+          <a:xfrm>
+            <a:off x="7957405" y="1448920"/>
+            <a:ext cx="7051567" cy="2872067"/>
+          </a:xfrm>
+          <a:prstGeom prst="rect">
+            <a:avLst/>
+          </a:prstGeom>
+          <a:ln>
+            <a:solidFill>
+              <a:schemeClr val="accent1"/>
+            </a:solidFill>
+          </a:ln>
+        </p:spPr>
+      </p:pic>
+      <p:pic>
+        <p:nvPicPr>
+          <p:cNvPr id="5" name="Picture 4"/>
+          <p:cNvPicPr>
+            <a:picLocks noChangeAspect="1"/>
+          </p:cNvPicPr>
+          <p:nvPr/>
+        </p:nvPicPr>
+        <p:blipFill>
+          <a:blip r:embed="rId3"/>
+          <a:stretch>
+            <a:fillRect/>
+          </a:stretch>
+        </p:blipFill>
+        <p:spPr>
+          <a:xfrm>
+            <a:off x="8625968" y="4636432"/>
+            <a:ext cx="5248275" cy="3190875"/>
+          </a:xfrm>
+          <a:prstGeom prst="rect">
+            <a:avLst/>
+          </a:prstGeom>
+          <a:ln>
+            <a:solidFill>
+              <a:schemeClr val="accent1"/>
+            </a:solidFill>
+          </a:ln>
+        </p:spPr>
+      </p:pic>
     </p:spTree>
     <p:extLst>
       <p:ext uri="{BB962C8B-B14F-4D97-AF65-F5344CB8AC3E}">
-        <p14:creationId xmlns:p14="http://schemas.microsoft.com/office/powerpoint/2010/main" val="2940334385"/>
+        <p14:creationId xmlns:p14="http://schemas.microsoft.com/office/powerpoint/2010/main" val="3874803819"/>
       </p:ext>
     </p:extLst>
   </p:cSld>
@@ -13997,13 +13479,6 @@
   <p:transition spd="med">
     <p:fade/>
   </p:transition>
-  <p:timing>
-    <p:tnLst>
-      <p:par>
-        <p:cTn id="1" dur="indefinite" restart="never" nodeType="tmRoot"/>
-      </p:par>
-    </p:tnLst>
-  </p:timing>
 </p:sld>
 </file>
 
@@ -14031,17 +13506,19 @@
             <a:spLocks noGrp="1"/>
           </p:cNvSpPr>
           <p:nvPr>
-            <p:ph type="title"/>
+            <p:ph type="ctrTitle"/>
           </p:nvPr>
         </p:nvSpPr>
         <p:spPr/>
         <p:txBody>
-          <a:bodyPr/>
+          <a:bodyPr>
+            <a:normAutofit fontScale="90000"/>
+          </a:bodyPr>
           <a:lstStyle/>
           <a:p>
             <a:r>
               <a:rPr lang="en-US" dirty="0" smtClean="0"/>
-              <a:t>Demonstration: Deleting Jobs</a:t>
+              <a:t>Compliance Reports</a:t>
             </a:r>
             <a:endParaRPr lang="en-US" dirty="0"/>
           </a:p>
@@ -14049,33 +13526,84 @@
       </p:sp>
       <p:sp>
         <p:nvSpPr>
-          <p:cNvPr id="3" name="Text Placeholder 2"/>
+          <p:cNvPr id="3" name="Subtitle 2"/>
           <p:cNvSpPr>
             <a:spLocks noGrp="1"/>
           </p:cNvSpPr>
           <p:nvPr>
-            <p:ph type="body" sz="quarter" idx="12"/>
+            <p:ph type="subTitle" idx="1"/>
           </p:nvPr>
         </p:nvSpPr>
-        <p:spPr/>
+        <p:spPr>
+          <a:xfrm>
+            <a:off x="1671638" y="3228296"/>
+            <a:ext cx="12319000" cy="4317682"/>
+          </a:xfrm>
+        </p:spPr>
         <p:txBody>
           <a:bodyPr/>
           <a:lstStyle/>
           <a:p>
             <a:r>
               <a:rPr lang="en-US" dirty="0" smtClean="0"/>
-              <a:t>At this point you should be able to view the report from your scheduled scan. </a:t>
+              <a:t>The results of all of your scans are available via the Reports tab.</a:t>
             </a:r>
           </a:p>
           <a:p>
             <a:endParaRPr lang="en-US" dirty="0"/>
           </a:p>
-        </p:txBody>
-      </p:sp>
+          <a:p>
+            <a:r>
+              <a:rPr lang="en-US" dirty="0" smtClean="0"/>
+              <a:t>As of this writing, </a:t>
+            </a:r>
+            <a:r>
+              <a:rPr lang="en-US" dirty="0"/>
+              <a:t>JSON-based exporting </a:t>
+            </a:r>
+            <a:r>
+              <a:rPr lang="en-US" dirty="0" smtClean="0"/>
+              <a:t>of reports is supported.</a:t>
+            </a:r>
+          </a:p>
+          <a:p>
+            <a:endParaRPr lang="en-US" dirty="0"/>
+          </a:p>
+        </p:txBody>
+      </p:sp>
+      <p:pic>
+        <p:nvPicPr>
+          <p:cNvPr id="4" name="Picture 3"/>
+          <p:cNvPicPr>
+            <a:picLocks noChangeAspect="1"/>
+          </p:cNvPicPr>
+          <p:nvPr/>
+        </p:nvPicPr>
+        <p:blipFill>
+          <a:blip r:embed="rId3"/>
+          <a:stretch>
+            <a:fillRect/>
+          </a:stretch>
+        </p:blipFill>
+        <p:spPr>
+          <a:xfrm>
+            <a:off x="2022652" y="5342365"/>
+            <a:ext cx="12210696" cy="2576568"/>
+          </a:xfrm>
+          <a:prstGeom prst="rect">
+            <a:avLst/>
+          </a:prstGeom>
+          <a:ln>
+            <a:solidFill>
+              <a:schemeClr val="accent1"/>
+            </a:solidFill>
+          </a:ln>
+        </p:spPr>
+      </p:pic>
     </p:spTree>
     <p:extLst>
       <p:ext uri="{BB962C8B-B14F-4D97-AF65-F5344CB8AC3E}">
-        <p14:creationId xmlns:p14="http://schemas.microsoft.com/office/powerpoint/2010/main" val="3874803819"/>
+        <p14:creationId xmlns:p14="http://schemas.microsoft.com/office/powerpoint/2010/main" val="4278182173"/>
       </p:ext>
     </p:extLst>
   </p:cSld>
@@ -14085,6 +13613,13 @@
   <p:transition spd="med">
     <p:fade/>
   </p:transition>
+  <p:timing>
+    <p:tnLst>
+      <p:par>
+        <p:cTn id="1" dur="indefinite" restart="never" nodeType="tmRoot"/>
+      </p:par>
+    </p:tnLst>
+  </p:timing>
 </p:sld>
 </file>
 
@@ -14124,7 +13659,7 @@
           <a:p>
             <a:r>
               <a:rPr lang="en-US" dirty="0" smtClean="0"/>
-              <a:t>Deleting Old Jobs</a:t>
+              <a:t>Compliance Reports</a:t>
             </a:r>
             <a:endParaRPr lang="en-US" dirty="0"/>
           </a:p>
@@ -14142,7 +13677,7 @@
         </p:nvSpPr>
         <p:spPr>
           <a:xfrm>
-            <a:off x="1671638" y="3271838"/>
+            <a:off x="1671638" y="3228296"/>
             <a:ext cx="12319000" cy="4317682"/>
           </a:xfrm>
         </p:spPr>
@@ -14152,7 +13687,7 @@
           <a:p>
             <a:r>
               <a:rPr lang="en-US" dirty="0" smtClean="0"/>
-              <a:t>mmm</a:t>
+              <a:t>In the near future, Chef Compliance will also support exporting reports to Excel and PDF.</a:t>
             </a:r>
           </a:p>
           <a:p>
@@ -14162,34 +13697,43 @@
             <a:endParaRPr lang="en-US" dirty="0" smtClean="0"/>
           </a:p>
           <a:p>
-            <a:r>
-              <a:rPr lang="en-US" dirty="0" smtClean="0"/>
-              <a:t>IMPORTING NODES</a:t>
-            </a:r>
-          </a:p>
-          <a:p>
-            <a:r>
-              <a:rPr lang="en-US" dirty="0" err="1" smtClean="0"/>
-              <a:t>andrew</a:t>
-            </a:r>
-            <a:r>
-              <a:rPr lang="en-US" dirty="0"/>
-              <a:t>: you can add nodes using the API, e.g. in bulk</a:t>
-            </a:r>
-            <a:r>
-              <a:rPr lang="en-US" dirty="0">
-                <a:hlinkClick r:id="rId3"/>
-              </a:rPr>
-              <a:t>https://github.com/chef/chef-compliance/blob/master/docs/api_compliance.rst#post-bulk</a:t>
-            </a:r>
             <a:endParaRPr lang="en-US" dirty="0"/>
           </a:p>
         </p:txBody>
       </p:sp>
+      <p:pic>
+        <p:nvPicPr>
+          <p:cNvPr id="5" name="Picture 4"/>
+          <p:cNvPicPr>
+            <a:picLocks noChangeAspect="1"/>
+          </p:cNvPicPr>
+          <p:nvPr/>
+        </p:nvPicPr>
+        <p:blipFill>
+          <a:blip r:embed="rId3"/>
+          <a:stretch>
+            <a:fillRect/>
+          </a:stretch>
+        </p:blipFill>
+        <p:spPr>
+          <a:xfrm>
+            <a:off x="2753135" y="4417016"/>
+            <a:ext cx="10749730" cy="3641213"/>
+          </a:xfrm>
+          <a:prstGeom prst="rect">
+            <a:avLst/>
+          </a:prstGeom>
+          <a:ln>
+            <a:solidFill>
+              <a:schemeClr val="accent1"/>
+            </a:solidFill>
+          </a:ln>
+        </p:spPr>
+      </p:pic>
     </p:spTree>
     <p:extLst>
       <p:ext uri="{BB962C8B-B14F-4D97-AF65-F5344CB8AC3E}">
-        <p14:creationId xmlns:p14="http://schemas.microsoft.com/office/powerpoint/2010/main" val="4278182173"/>
+        <p14:creationId xmlns:p14="http://schemas.microsoft.com/office/powerpoint/2010/main" val="327450679"/>
       </p:ext>
     </p:extLst>
   </p:cSld>
@@ -14236,21 +13780,16 @@
             <p:ph type="ctrTitle"/>
           </p:nvPr>
         </p:nvSpPr>
-        <p:spPr>
-          <a:xfrm>
-            <a:off x="1671637" y="2292126"/>
-            <a:ext cx="12319001" cy="1251174"/>
-          </a:xfrm>
-        </p:spPr>
+        <p:spPr/>
         <p:txBody>
           <a:bodyPr>
-            <a:normAutofit/>
+            <a:normAutofit fontScale="90000"/>
           </a:bodyPr>
           <a:lstStyle/>
           <a:p>
             <a:r>
               <a:rPr lang="en-US" dirty="0" smtClean="0"/>
-              <a:t>GE: Creating a Custom Profile</a:t>
+              <a:t>Scheduling Scans</a:t>
             </a:r>
             <a:endParaRPr lang="en-US" dirty="0"/>
           </a:p>
@@ -14258,85 +13797,28 @@
       </p:sp>
       <p:sp>
         <p:nvSpPr>
-          <p:cNvPr id="3" name="Content Placeholder 2"/>
+          <p:cNvPr id="3" name="Subtitle 2"/>
           <p:cNvSpPr>
             <a:spLocks noGrp="1"/>
           </p:cNvSpPr>
           <p:nvPr>
-            <p:ph sz="quarter" idx="11"/>
+            <p:ph type="subTitle" idx="1"/>
           </p:nvPr>
         </p:nvSpPr>
-        <p:spPr/>
+        <p:spPr>
+          <a:xfrm>
+            <a:off x="1671638" y="3271838"/>
+            <a:ext cx="12319000" cy="4317682"/>
+          </a:xfrm>
+        </p:spPr>
         <p:txBody>
           <a:bodyPr/>
           <a:lstStyle/>
           <a:p>
             <a:r>
               <a:rPr lang="en-US" dirty="0" smtClean="0"/>
-              <a:t>Creating custom profiles to fit your business needs.</a:t>
-            </a:r>
-            <a:endParaRPr lang="en-US" dirty="0"/>
-          </a:p>
-        </p:txBody>
-      </p:sp>
-      <p:sp>
-        <p:nvSpPr>
-          <p:cNvPr id="4" name="Text Placeholder 3"/>
-          <p:cNvSpPr>
-            <a:spLocks noGrp="1"/>
-          </p:cNvSpPr>
-          <p:nvPr>
-            <p:ph type="body" sz="quarter" idx="10"/>
-          </p:nvPr>
-        </p:nvSpPr>
-        <p:spPr/>
-        <p:txBody>
-          <a:bodyPr/>
-          <a:lstStyle/>
-          <a:p>
-            <a:pPr marL="342900" indent="-342900">
-              <a:buFont typeface="Wingdings" panose="05000000000000000000" pitchFamily="2" charset="2"/>
-              <a:buChar char="q"/>
-            </a:pPr>
-            <a:r>
-              <a:rPr lang="en-US" dirty="0" smtClean="0"/>
-              <a:t>Create a custom profile.</a:t>
-            </a:r>
-          </a:p>
-          <a:p>
-            <a:pPr marL="342900" indent="-342900">
-              <a:buFont typeface="Wingdings" panose="05000000000000000000" pitchFamily="2" charset="2"/>
-              <a:buChar char="q"/>
-            </a:pPr>
-            <a:r>
-              <a:rPr lang="en-US" dirty="0" smtClean="0"/>
-              <a:t>Test your profile with </a:t>
-            </a:r>
-            <a:r>
-              <a:rPr lang="en-US" dirty="0" err="1" smtClean="0"/>
-              <a:t>InSpec</a:t>
-            </a:r>
-            <a:endParaRPr lang="en-US" dirty="0" smtClean="0"/>
-          </a:p>
-          <a:p>
-            <a:pPr marL="342900" indent="-342900">
-              <a:buFont typeface="Wingdings" panose="05000000000000000000" pitchFamily="2" charset="2"/>
-              <a:buChar char="q"/>
-            </a:pPr>
-            <a:endParaRPr lang="en-US" dirty="0" smtClean="0"/>
-          </a:p>
-          <a:p>
-            <a:pPr marL="342900" indent="-342900">
-              <a:buFont typeface="Wingdings" panose="05000000000000000000" pitchFamily="2" charset="2"/>
-              <a:buChar char="q"/>
-            </a:pPr>
-            <a:endParaRPr lang="en-US" dirty="0" smtClean="0"/>
-          </a:p>
-          <a:p>
-            <a:pPr marL="342900" indent="-342900">
-              <a:buFont typeface="Wingdings" panose="05000000000000000000" pitchFamily="2" charset="2"/>
-              <a:buChar char="q"/>
-            </a:pPr>
+              <a:t>READ NOTES</a:t>
+            </a:r>
             <a:endParaRPr lang="en-US" dirty="0"/>
           </a:p>
         </p:txBody>
@@ -14344,7 +13826,7 @@
     </p:spTree>
     <p:extLst>
       <p:ext uri="{BB962C8B-B14F-4D97-AF65-F5344CB8AC3E}">
-        <p14:creationId xmlns:p14="http://schemas.microsoft.com/office/powerpoint/2010/main" val="1713764854"/>
+        <p14:creationId xmlns:p14="http://schemas.microsoft.com/office/powerpoint/2010/main" val="2734025078"/>
       </p:ext>
     </p:extLst>
   </p:cSld>
@@ -14521,263 +14003,6 @@
       </p:grpSpPr>
       <p:sp>
         <p:nvSpPr>
-          <p:cNvPr id="2" name="Content Placeholder 1"/>
-          <p:cNvSpPr>
-            <a:spLocks noGrp="1"/>
-          </p:cNvSpPr>
-          <p:nvPr>
-            <p:ph sz="quarter" idx="10"/>
-          </p:nvPr>
-        </p:nvSpPr>
-        <p:spPr>
-          <a:xfrm>
-            <a:off x="1121104" y="3413050"/>
-            <a:ext cx="14423693" cy="4086978"/>
-          </a:xfrm>
-        </p:spPr>
-        <p:txBody>
-          <a:bodyPr/>
-          <a:lstStyle/>
-          <a:p>
-            <a:pPr defTabSz="1217613" fontAlgn="base">
-              <a:lnSpc>
-                <a:spcPct val="90000"/>
-              </a:lnSpc>
-              <a:spcBef>
-                <a:spcPct val="30000"/>
-              </a:spcBef>
-              <a:spcAft>
-                <a:spcPts val="450"/>
-              </a:spcAft>
-              <a:buSzTx/>
-              <a:defRPr/>
-            </a:pPr>
-            <a:endParaRPr lang="en-US" dirty="0"/>
-          </a:p>
-        </p:txBody>
-      </p:sp>
-      <p:sp>
-        <p:nvSpPr>
-          <p:cNvPr id="3" name="Text Placeholder 2"/>
-          <p:cNvSpPr>
-            <a:spLocks noGrp="1"/>
-          </p:cNvSpPr>
-          <p:nvPr>
-            <p:ph type="body" sz="quarter" idx="11"/>
-          </p:nvPr>
-        </p:nvSpPr>
-        <p:spPr>
-          <a:xfrm>
-            <a:off x="1121104" y="1239874"/>
-            <a:ext cx="14422528" cy="1630917"/>
-          </a:xfrm>
-        </p:spPr>
-        <p:txBody>
-          <a:bodyPr/>
-          <a:lstStyle/>
-          <a:p>
-            <a:r>
-              <a:rPr lang="en-US" dirty="0" smtClean="0"/>
-              <a:t>$ mkdir </a:t>
-            </a:r>
-            <a:r>
-              <a:rPr lang="en-US" dirty="0"/>
-              <a:t>-p ~/</a:t>
-            </a:r>
-            <a:r>
-              <a:rPr lang="en-US" dirty="0" err="1" smtClean="0"/>
-              <a:t>compliance_profiles</a:t>
-            </a:r>
-            <a:r>
-              <a:rPr lang="en-US" dirty="0" smtClean="0"/>
-              <a:t>/profile_01</a:t>
-            </a:r>
-          </a:p>
-          <a:p>
-            <a:r>
-              <a:rPr lang="en-US" dirty="0" smtClean="0"/>
-              <a:t>$ cd </a:t>
-            </a:r>
-            <a:r>
-              <a:rPr lang="en-US" dirty="0"/>
-              <a:t>~/</a:t>
-            </a:r>
-            <a:r>
-              <a:rPr lang="en-US" dirty="0" err="1" smtClean="0"/>
-              <a:t>compliance_profiles</a:t>
-            </a:r>
-            <a:r>
-              <a:rPr lang="en-US" dirty="0" smtClean="0"/>
-              <a:t>/profile_01</a:t>
-            </a:r>
-            <a:endParaRPr lang="en-US" dirty="0"/>
-          </a:p>
-        </p:txBody>
-      </p:sp>
-      <p:sp>
-        <p:nvSpPr>
-          <p:cNvPr id="5" name="Title 4"/>
-          <p:cNvSpPr>
-            <a:spLocks noGrp="1"/>
-          </p:cNvSpPr>
-          <p:nvPr>
-            <p:ph type="title"/>
-          </p:nvPr>
-        </p:nvSpPr>
-        <p:spPr/>
-        <p:txBody>
-          <a:bodyPr>
-            <a:normAutofit/>
-          </a:bodyPr>
-          <a:lstStyle/>
-          <a:p>
-            <a:r>
-              <a:rPr lang="en-US" dirty="0"/>
-              <a:t>GE: </a:t>
-            </a:r>
-            <a:r>
-              <a:rPr lang="en-US" dirty="0" smtClean="0"/>
-              <a:t>Create a Directory for your Profile</a:t>
-            </a:r>
-            <a:endParaRPr lang="en-US" dirty="0"/>
-          </a:p>
-        </p:txBody>
-      </p:sp>
-    </p:spTree>
-    <p:extLst>
-      <p:ext uri="{BB962C8B-B14F-4D97-AF65-F5344CB8AC3E}">
-        <p14:creationId xmlns:p14="http://schemas.microsoft.com/office/powerpoint/2010/main" val="3303351184"/>
-      </p:ext>
-    </p:extLst>
-  </p:cSld>
-  <p:clrMapOvr>
-    <a:masterClrMapping/>
-  </p:clrMapOvr>
-  <p:transition spd="med">
-    <p:fade/>
-  </p:transition>
-  <p:timing>
-    <p:tnLst>
-      <p:par>
-        <p:cTn id="1" dur="indefinite" restart="never" nodeType="tmRoot"/>
-      </p:par>
-    </p:tnLst>
-  </p:timing>
-</p:sld>
-</file>
-
-<file path=ppt/slides/slide21.xml><?xml version="1.0" encoding="utf-8"?>
-<p:sld xmlns:a="http://schemas.openxmlformats.org/drawingml/2006/main" xmlns:r="http://schemas.openxmlformats.org/officeDocument/2006/relationships" xmlns:p="http://schemas.openxmlformats.org/presentationml/2006/main">
-  <p:cSld>
-    <p:spTree>
-      <p:nvGrpSpPr>
-        <p:cNvPr id="1" name=""/>
-        <p:cNvGrpSpPr/>
-        <p:nvPr/>
-      </p:nvGrpSpPr>
-      <p:grpSpPr>
-        <a:xfrm>
-          <a:off x="0" y="0"/>
-          <a:ext cx="0" cy="0"/>
-          <a:chOff x="0" y="0"/>
-          <a:chExt cx="0" cy="0"/>
-        </a:xfrm>
-      </p:grpSpPr>
-      <p:sp>
-        <p:nvSpPr>
-          <p:cNvPr id="2" name="Title 1"/>
-          <p:cNvSpPr>
-            <a:spLocks noGrp="1"/>
-          </p:cNvSpPr>
-          <p:nvPr>
-            <p:ph type="ctrTitle"/>
-          </p:nvPr>
-        </p:nvSpPr>
-        <p:spPr/>
-        <p:txBody>
-          <a:bodyPr>
-            <a:normAutofit fontScale="90000"/>
-          </a:bodyPr>
-          <a:lstStyle/>
-          <a:p>
-            <a:r>
-              <a:rPr lang="en-US" dirty="0" smtClean="0"/>
-              <a:t>Scheduling Scans</a:t>
-            </a:r>
-            <a:endParaRPr lang="en-US" dirty="0"/>
-          </a:p>
-        </p:txBody>
-      </p:sp>
-      <p:sp>
-        <p:nvSpPr>
-          <p:cNvPr id="3" name="Subtitle 2"/>
-          <p:cNvSpPr>
-            <a:spLocks noGrp="1"/>
-          </p:cNvSpPr>
-          <p:nvPr>
-            <p:ph type="subTitle" idx="1"/>
-          </p:nvPr>
-        </p:nvSpPr>
-        <p:spPr>
-          <a:xfrm>
-            <a:off x="1671638" y="3271838"/>
-            <a:ext cx="12319000" cy="4317682"/>
-          </a:xfrm>
-        </p:spPr>
-        <p:txBody>
-          <a:bodyPr/>
-          <a:lstStyle/>
-          <a:p>
-            <a:r>
-              <a:rPr lang="en-US" dirty="0" smtClean="0"/>
-              <a:t>READ NOTES</a:t>
-            </a:r>
-            <a:endParaRPr lang="en-US" dirty="0"/>
-          </a:p>
-        </p:txBody>
-      </p:sp>
-    </p:spTree>
-    <p:extLst>
-      <p:ext uri="{BB962C8B-B14F-4D97-AF65-F5344CB8AC3E}">
-        <p14:creationId xmlns:p14="http://schemas.microsoft.com/office/powerpoint/2010/main" val="2734025078"/>
-      </p:ext>
-    </p:extLst>
-  </p:cSld>
-  <p:clrMapOvr>
-    <a:masterClrMapping/>
-  </p:clrMapOvr>
-  <p:transition spd="med">
-    <p:fade/>
-  </p:transition>
-  <p:timing>
-    <p:tnLst>
-      <p:par>
-        <p:cTn id="1" dur="indefinite" restart="never" nodeType="tmRoot"/>
-      </p:par>
-    </p:tnLst>
-  </p:timing>
-</p:sld>
-</file>
-
-<file path=ppt/slides/slide22.xml><?xml version="1.0" encoding="utf-8"?>
-<p:sld xmlns:a="http://schemas.openxmlformats.org/drawingml/2006/main" xmlns:r="http://schemas.openxmlformats.org/officeDocument/2006/relationships" xmlns:p="http://schemas.openxmlformats.org/presentationml/2006/main">
-  <p:cSld>
-    <p:spTree>
-      <p:nvGrpSpPr>
-        <p:cNvPr id="1" name=""/>
-        <p:cNvGrpSpPr/>
-        <p:nvPr/>
-      </p:nvGrpSpPr>
-      <p:grpSpPr>
-        <a:xfrm>
-          <a:off x="0" y="0"/>
-          <a:ext cx="0" cy="0"/>
-          <a:chOff x="0" y="0"/>
-          <a:chExt cx="0" cy="0"/>
-        </a:xfrm>
-      </p:grpSpPr>
-      <p:sp>
-        <p:nvSpPr>
           <p:cNvPr id="2" name="Title 1"/>
           <p:cNvSpPr>
             <a:spLocks noGrp="1"/>
@@ -14924,155 +14149,7 @@
 </p:sld>
 </file>
 
-<file path=ppt/slides/slide23.xml><?xml version="1.0" encoding="utf-8"?>
-<p:sld xmlns:a="http://schemas.openxmlformats.org/drawingml/2006/main" xmlns:r="http://schemas.openxmlformats.org/officeDocument/2006/relationships" xmlns:p="http://schemas.openxmlformats.org/presentationml/2006/main">
-  <p:cSld>
-    <p:spTree>
-      <p:nvGrpSpPr>
-        <p:cNvPr id="1" name=""/>
-        <p:cNvGrpSpPr/>
-        <p:nvPr/>
-      </p:nvGrpSpPr>
-      <p:grpSpPr>
-        <a:xfrm>
-          <a:off x="0" y="0"/>
-          <a:ext cx="0" cy="0"/>
-          <a:chOff x="0" y="0"/>
-          <a:chExt cx="0" cy="0"/>
-        </a:xfrm>
-      </p:grpSpPr>
-      <p:sp>
-        <p:nvSpPr>
-          <p:cNvPr id="2" name="Title 1"/>
-          <p:cNvSpPr>
-            <a:spLocks noGrp="1"/>
-          </p:cNvSpPr>
-          <p:nvPr>
-            <p:ph type="ctrTitle"/>
-          </p:nvPr>
-        </p:nvSpPr>
-        <p:spPr>
-          <a:xfrm>
-            <a:off x="1325881" y="2452145"/>
-            <a:ext cx="12664758" cy="968599"/>
-          </a:xfrm>
-        </p:spPr>
-        <p:txBody>
-          <a:bodyPr>
-            <a:normAutofit fontScale="90000"/>
-          </a:bodyPr>
-          <a:lstStyle/>
-          <a:p>
-            <a:r>
-              <a:rPr lang="en-US" dirty="0" smtClean="0"/>
-              <a:t>GE: Uploading the Custom Profile to the Compliance Server </a:t>
-            </a:r>
-            <a:endParaRPr lang="en-US" dirty="0"/>
-          </a:p>
-        </p:txBody>
-      </p:sp>
-      <p:sp>
-        <p:nvSpPr>
-          <p:cNvPr id="3" name="Content Placeholder 2"/>
-          <p:cNvSpPr>
-            <a:spLocks noGrp="1"/>
-          </p:cNvSpPr>
-          <p:nvPr>
-            <p:ph sz="quarter" idx="11"/>
-          </p:nvPr>
-        </p:nvSpPr>
-        <p:spPr>
-          <a:xfrm>
-            <a:off x="1671638" y="3420745"/>
-            <a:ext cx="12319000" cy="1528233"/>
-          </a:xfrm>
-        </p:spPr>
-        <p:txBody>
-          <a:bodyPr/>
-          <a:lstStyle/>
-          <a:p>
-            <a:r>
-              <a:rPr lang="en-US" dirty="0" smtClean="0"/>
-              <a:t>Uploading it so it can be used in scans..</a:t>
-            </a:r>
-            <a:endParaRPr lang="en-US" dirty="0"/>
-          </a:p>
-        </p:txBody>
-      </p:sp>
-      <p:sp>
-        <p:nvSpPr>
-          <p:cNvPr id="4" name="Text Placeholder 3"/>
-          <p:cNvSpPr>
-            <a:spLocks noGrp="1"/>
-          </p:cNvSpPr>
-          <p:nvPr>
-            <p:ph type="body" sz="quarter" idx="10"/>
-          </p:nvPr>
-        </p:nvSpPr>
-        <p:spPr/>
-        <p:txBody>
-          <a:bodyPr/>
-          <a:lstStyle/>
-          <a:p>
-            <a:pPr marL="342900" indent="-342900">
-              <a:buFont typeface="Wingdings" panose="05000000000000000000" pitchFamily="2" charset="2"/>
-              <a:buChar char="q"/>
-            </a:pPr>
-            <a:r>
-              <a:rPr lang="en-US" dirty="0" smtClean="0"/>
-              <a:t>Zip up the new profile.</a:t>
-            </a:r>
-          </a:p>
-          <a:p>
-            <a:pPr marL="342900" indent="-342900">
-              <a:buFont typeface="Wingdings" panose="05000000000000000000" pitchFamily="2" charset="2"/>
-              <a:buChar char="q"/>
-            </a:pPr>
-            <a:r>
-              <a:rPr lang="en-US" dirty="0" smtClean="0"/>
-              <a:t>Upload it to your laptop and then to the Compliance Server.</a:t>
-            </a:r>
-          </a:p>
-          <a:p>
-            <a:pPr marL="342900" indent="-342900">
-              <a:buFont typeface="Wingdings" panose="05000000000000000000" pitchFamily="2" charset="2"/>
-              <a:buChar char="q"/>
-            </a:pPr>
-            <a:endParaRPr lang="en-US" dirty="0" smtClean="0"/>
-          </a:p>
-          <a:p>
-            <a:pPr marL="342900" indent="-342900">
-              <a:buFont typeface="Wingdings" panose="05000000000000000000" pitchFamily="2" charset="2"/>
-              <a:buChar char="q"/>
-            </a:pPr>
-            <a:endParaRPr lang="en-US" dirty="0" smtClean="0"/>
-          </a:p>
-          <a:p>
-            <a:pPr marL="342900" indent="-342900">
-              <a:buFont typeface="Wingdings" panose="05000000000000000000" pitchFamily="2" charset="2"/>
-              <a:buChar char="q"/>
-            </a:pPr>
-            <a:endParaRPr lang="en-US" dirty="0"/>
-          </a:p>
-        </p:txBody>
-      </p:sp>
-    </p:spTree>
-    <p:extLst>
-      <p:ext uri="{BB962C8B-B14F-4D97-AF65-F5344CB8AC3E}">
-        <p14:creationId xmlns:p14="http://schemas.microsoft.com/office/powerpoint/2010/main" val="203882454"/>
-      </p:ext>
-    </p:extLst>
-  </p:cSld>
-  <p:clrMapOvr>
-    <a:masterClrMapping/>
-  </p:clrMapOvr>
-  <p:transition spd="med">
-    <p:fade/>
-  </p:transition>
-</p:sld>
-</file>
-
-<file path=ppt/slides/slide24.xml><?xml version="1.0" encoding="utf-8"?>
+<file path=ppt/slides/slide21.xml><?xml version="1.0" encoding="utf-8"?>
 <p:sld xmlns:a="http://schemas.openxmlformats.org/drawingml/2006/main" xmlns:r="http://schemas.openxmlformats.org/officeDocument/2006/relationships" xmlns:p="http://schemas.openxmlformats.org/presentationml/2006/main">
   <p:cSld>
     <p:bg>
@@ -15252,7 +14329,7 @@
 </p:sld>
 </file>
 
-<file path=ppt/slides/slide25.xml><?xml version="1.0" encoding="utf-8"?>
+<file path=ppt/slides/slide22.xml><?xml version="1.0" encoding="utf-8"?>
 <p:sld xmlns:a="http://schemas.openxmlformats.org/drawingml/2006/main" xmlns:r="http://schemas.openxmlformats.org/officeDocument/2006/relationships" xmlns:p="http://schemas.openxmlformats.org/presentationml/2006/main">
   <p:cSld>
     <p:spTree>
@@ -15547,7 +14624,11 @@
             </a:r>
             <a:r>
               <a:rPr lang="en-US" dirty="0"/>
-              <a:t>give you up to date </a:t>
+              <a:t>give you </a:t>
+            </a:r>
+            <a:r>
+              <a:rPr lang="en-US" dirty="0" smtClean="0"/>
+              <a:t>up-to-date </a:t>
             </a:r>
             <a:r>
               <a:rPr lang="en-US" dirty="0" smtClean="0"/>
@@ -15664,7 +14745,19 @@
           <a:p>
             <a:r>
               <a:rPr lang="en-US" dirty="0" smtClean="0"/>
-              <a:t>The time zone for scan scheduling in the Compliance web UI is based on your local workstation's browser time zone.</a:t>
+              <a:t>The time zone for </a:t>
+            </a:r>
+            <a:r>
+              <a:rPr lang="en-US" dirty="0" smtClean="0"/>
+              <a:t>"Date" scheduling </a:t>
+            </a:r>
+            <a:r>
+              <a:rPr lang="en-US" dirty="0" smtClean="0"/>
+              <a:t>in the Compliance web UI is based on your local workstation's browser time zone</a:t>
+            </a:r>
+            <a:r>
+              <a:rPr lang="en-US" dirty="0" smtClean="0"/>
+              <a:t>.</a:t>
             </a:r>
           </a:p>
           <a:p>
@@ -15672,8 +14765,41 @@
           </a:p>
           <a:p>
             <a:r>
+              <a:rPr lang="en-US" dirty="0"/>
+              <a:t>The time zone for </a:t>
+            </a:r>
+            <a:r>
               <a:rPr lang="en-US" dirty="0" smtClean="0"/>
-              <a:t>The Compliance logs are based on UTC.</a:t>
+              <a:t>"Recurring" </a:t>
+            </a:r>
+            <a:r>
+              <a:rPr lang="en-US" dirty="0"/>
+              <a:t>scheduling in the Compliance web UI is based on </a:t>
+            </a:r>
+            <a:r>
+              <a:rPr lang="en-US" dirty="0" smtClean="0"/>
+              <a:t>UTC.</a:t>
+            </a:r>
+            <a:endParaRPr lang="en-US" dirty="0"/>
+          </a:p>
+          <a:p>
+            <a:endParaRPr lang="en-US" dirty="0" smtClean="0"/>
+          </a:p>
+          <a:p>
+            <a:endParaRPr lang="en-US" dirty="0"/>
+          </a:p>
+          <a:p>
+            <a:r>
+              <a:rPr lang="en-US" dirty="0" smtClean="0"/>
+              <a:t>The Compliance </a:t>
+            </a:r>
+            <a:r>
+              <a:rPr lang="en-US" dirty="0" smtClean="0"/>
+              <a:t>logs, should you view them, are also based </a:t>
+            </a:r>
+            <a:r>
+              <a:rPr lang="en-US" dirty="0" smtClean="0"/>
+              <a:t>on UTC.</a:t>
             </a:r>
             <a:endParaRPr lang="en-US" dirty="0"/>
           </a:p>
@@ -17748,15 +16874,6 @@
 </file>
 
 <file path=customXml/item1.xml><?xml version="1.0" encoding="utf-8"?>
-<?mso-contentType ?>
-<FormTemplates xmlns="http://schemas.microsoft.com/sharepoint/v3/contenttype/forms">
-  <Display>DocumentLibraryForm</Display>
-  <Edit>DocumentLibraryForm</Edit>
-  <New>DocumentLibraryForm</New>
-</FormTemplates>
-</file>
-
-<file path=customXml/item2.xml><?xml version="1.0" encoding="utf-8"?>
 <p:properties xmlns:p="http://schemas.microsoft.com/office/2006/metadata/properties" xmlns:xsi="http://www.w3.org/2001/XMLSchema-instance" xmlns:pc="http://schemas.microsoft.com/office/infopath/2007/PartnerControls">
   <documentManagement>
     <_dlc_DocId xmlns="7bb5d761-a2ea-4873-95f7-7a6658fb3ef0">M4CWTKMW727E-592-73</_dlc_DocId>
@@ -17768,7 +16885,62 @@
 </p:properties>
 </file>
 
+<file path=customXml/item2.xml><?xml version="1.0" encoding="utf-8"?>
+<?mso-contentType ?>
+<FormTemplates xmlns="http://schemas.microsoft.com/sharepoint/v3/contenttype/forms">
+  <Display>DocumentLibraryForm</Display>
+  <Edit>DocumentLibraryForm</Edit>
+  <New>DocumentLibraryForm</New>
+</FormTemplates>
+</file>
+
 <file path=customXml/item3.xml><?xml version="1.0" encoding="utf-8"?>
+<?mso-contentType ?>
+<spe:Receivers xmlns:spe="http://schemas.microsoft.com/sharepoint/events">
+  <Receiver>
+    <Name>Document ID Generator</Name>
+    <Synchronization>Synchronous</Synchronization>
+    <Type>10001</Type>
+    <SequenceNumber>1000</SequenceNumber>
+    <Assembly>Microsoft.Office.DocumentManagement, Version=14.0.0.0, Culture=neutral, PublicKeyToken=71e9bce111e9429c</Assembly>
+    <Class>Microsoft.Office.DocumentManagement.Internal.DocIdHandler</Class>
+    <Data/>
+    <Filter/>
+  </Receiver>
+  <Receiver>
+    <Name>Document ID Generator</Name>
+    <Synchronization>Synchronous</Synchronization>
+    <Type>10002</Type>
+    <SequenceNumber>1001</SequenceNumber>
+    <Assembly>Microsoft.Office.DocumentManagement, Version=14.0.0.0, Culture=neutral, PublicKeyToken=71e9bce111e9429c</Assembly>
+    <Class>Microsoft.Office.DocumentManagement.Internal.DocIdHandler</Class>
+    <Data/>
+    <Filter/>
+  </Receiver>
+  <Receiver>
+    <Name>Document ID Generator</Name>
+    <Synchronization>Synchronous</Synchronization>
+    <Type>10004</Type>
+    <SequenceNumber>1002</SequenceNumber>
+    <Assembly>Microsoft.Office.DocumentManagement, Version=14.0.0.0, Culture=neutral, PublicKeyToken=71e9bce111e9429c</Assembly>
+    <Class>Microsoft.Office.DocumentManagement.Internal.DocIdHandler</Class>
+    <Data/>
+    <Filter/>
+  </Receiver>
+  <Receiver>
+    <Name>Document ID Generator</Name>
+    <Synchronization>Synchronous</Synchronization>
+    <Type>10006</Type>
+    <SequenceNumber>1003</SequenceNumber>
+    <Assembly>Microsoft.Office.DocumentManagement, Version=14.0.0.0, Culture=neutral, PublicKeyToken=71e9bce111e9429c</Assembly>
+    <Class>Microsoft.Office.DocumentManagement.Internal.DocIdHandler</Class>
+    <Data/>
+    <Filter/>
+  </Receiver>
+</spe:Receivers>
+</file>
+
+<file path=customXml/item4.xml><?xml version="1.0" encoding="utf-8"?>
 <ct:contentTypeSchema xmlns:ct="http://schemas.microsoft.com/office/2006/metadata/contentType" xmlns:ma="http://schemas.microsoft.com/office/2006/metadata/properties/metaAttributes" ct:_="" ma:_="" ma:contentTypeName="Document" ma:contentTypeID="0x0101000812F700BE7F874999720E88173FE491" ma:contentTypeVersion="0" ma:contentTypeDescription="Create a new document." ma:contentTypeScope="" ma:versionID="3f79f408e2ca720b7aba6e0e32464d0c">
   <xsd:schema xmlns:xsd="http://www.w3.org/2001/XMLSchema" xmlns:xs="http://www.w3.org/2001/XMLSchema" xmlns:p="http://schemas.microsoft.com/office/2006/metadata/properties" xmlns:ns2="7bb5d761-a2ea-4873-95f7-7a6658fb3ef0" targetNamespace="http://schemas.microsoft.com/office/2006/metadata/properties" ma:root="true" ma:fieldsID="1e062cd38ba31e406bfc4340fbc7f87a" ns2:_="">
     <xsd:import namespace="7bb5d761-a2ea-4873-95f7-7a6658fb3ef0"/>
@@ -17913,61 +17085,7 @@
 </ct:contentTypeSchema>
 </file>
 
-<file path=customXml/item4.xml><?xml version="1.0" encoding="utf-8"?>
-<?mso-contentType ?>
-<spe:Receivers xmlns:spe="http://schemas.microsoft.com/sharepoint/events">
-  <Receiver>
-    <Name>Document ID Generator</Name>
-    <Synchronization>Synchronous</Synchronization>
-    <Type>10001</Type>
-    <SequenceNumber>1000</SequenceNumber>
-    <Assembly>Microsoft.Office.DocumentManagement, Version=14.0.0.0, Culture=neutral, PublicKeyToken=71e9bce111e9429c</Assembly>
-    <Class>Microsoft.Office.DocumentManagement.Internal.DocIdHandler</Class>
-    <Data/>
-    <Filter/>
-  </Receiver>
-  <Receiver>
-    <Name>Document ID Generator</Name>
-    <Synchronization>Synchronous</Synchronization>
-    <Type>10002</Type>
-    <SequenceNumber>1001</SequenceNumber>
-    <Assembly>Microsoft.Office.DocumentManagement, Version=14.0.0.0, Culture=neutral, PublicKeyToken=71e9bce111e9429c</Assembly>
-    <Class>Microsoft.Office.DocumentManagement.Internal.DocIdHandler</Class>
-    <Data/>
-    <Filter/>
-  </Receiver>
-  <Receiver>
-    <Name>Document ID Generator</Name>
-    <Synchronization>Synchronous</Synchronization>
-    <Type>10004</Type>
-    <SequenceNumber>1002</SequenceNumber>
-    <Assembly>Microsoft.Office.DocumentManagement, Version=14.0.0.0, Culture=neutral, PublicKeyToken=71e9bce111e9429c</Assembly>
-    <Class>Microsoft.Office.DocumentManagement.Internal.DocIdHandler</Class>
-    <Data/>
-    <Filter/>
-  </Receiver>
-  <Receiver>
-    <Name>Document ID Generator</Name>
-    <Synchronization>Synchronous</Synchronization>
-    <Type>10006</Type>
-    <SequenceNumber>1003</SequenceNumber>
-    <Assembly>Microsoft.Office.DocumentManagement, Version=14.0.0.0, Culture=neutral, PublicKeyToken=71e9bce111e9429c</Assembly>
-    <Class>Microsoft.Office.DocumentManagement.Internal.DocIdHandler</Class>
-    <Data/>
-    <Filter/>
-  </Receiver>
-</spe:Receivers>
-</file>
-
 <file path=customXml/itemProps1.xml><?xml version="1.0" encoding="utf-8"?>
-<ds:datastoreItem xmlns:ds="http://schemas.openxmlformats.org/officeDocument/2006/customXml" ds:itemID="{5CDEB364-43EC-4510-9881-539C2A3FCE9E}">
-  <ds:schemaRefs>
-    <ds:schemaRef ds:uri="http://schemas.microsoft.com/sharepoint/v3/contenttype/forms"/>
-  </ds:schemaRefs>
-</ds:datastoreItem>
-</file>
-
-<file path=customXml/itemProps2.xml><?xml version="1.0" encoding="utf-8"?>
 <ds:datastoreItem xmlns:ds="http://schemas.openxmlformats.org/officeDocument/2006/customXml" ds:itemID="{6921749B-AEB7-461B-845F-603CABD25259}">
   <ds:schemaRefs>
     <ds:schemaRef ds:uri="http://schemas.microsoft.com/office/2006/documentManagement/types"/>
@@ -17983,7 +17101,23 @@
 </ds:datastoreItem>
 </file>
 
+<file path=customXml/itemProps2.xml><?xml version="1.0" encoding="utf-8"?>
+<ds:datastoreItem xmlns:ds="http://schemas.openxmlformats.org/officeDocument/2006/customXml" ds:itemID="{5CDEB364-43EC-4510-9881-539C2A3FCE9E}">
+  <ds:schemaRefs>
+    <ds:schemaRef ds:uri="http://schemas.microsoft.com/sharepoint/v3/contenttype/forms"/>
+  </ds:schemaRefs>
+</ds:datastoreItem>
+</file>
+
 <file path=customXml/itemProps3.xml><?xml version="1.0" encoding="utf-8"?>
+<ds:datastoreItem xmlns:ds="http://schemas.openxmlformats.org/officeDocument/2006/customXml" ds:itemID="{B13EBC30-FE27-4C6A-B723-23FC2188F7DC}">
+  <ds:schemaRefs>
+    <ds:schemaRef ds:uri="http://schemas.microsoft.com/sharepoint/events"/>
+  </ds:schemaRefs>
+</ds:datastoreItem>
+</file>
+
+<file path=customXml/itemProps4.xml><?xml version="1.0" encoding="utf-8"?>
 <ds:datastoreItem xmlns:ds="http://schemas.openxmlformats.org/officeDocument/2006/customXml" ds:itemID="{164479E5-0B02-49AC-B79E-EC1D6164DDD3}">
   <ds:schemaRefs>
     <ds:schemaRef ds:uri="http://schemas.microsoft.com/office/2006/metadata/contentType"/>
@@ -17999,12 +17133,4 @@
     <ds:schemaRef ds:uri="http://schemas.microsoft.com/internal/obd"/>
   </ds:schemaRefs>
 </ds:datastoreItem>
-</file>
-
-<file path=customXml/itemProps4.xml><?xml version="1.0" encoding="utf-8"?>
-<ds:datastoreItem xmlns:ds="http://schemas.openxmlformats.org/officeDocument/2006/customXml" ds:itemID="{B13EBC30-FE27-4C6A-B723-23FC2188F7DC}">
-  <ds:schemaRefs>
-    <ds:schemaRef ds:uri="http://schemas.microsoft.com/sharepoint/events"/>
-  </ds:schemaRefs>
-</ds:datastoreItem>
 </file>
--- a/05-scheduling-scans-reports.pptx
+++ b/05-scheduling-scans-reports.pptx
@@ -295,7 +295,7 @@
               <a:pPr>
                 <a:defRPr/>
               </a:pPr>
-              <a:t>2015-12-30</a:t>
+              <a:t>2015-12-31</a:t>
             </a:fld>
             <a:endParaRPr lang="en-US" dirty="0"/>
           </a:p>
@@ -478,7 +478,7 @@
               <a:pPr>
                 <a:defRPr/>
               </a:pPr>
-              <a:t>2015-12-30</a:t>
+              <a:t>2015-12-31</a:t>
             </a:fld>
             <a:endParaRPr lang="en-US" dirty="0"/>
           </a:p>
@@ -1059,11 +1059,7 @@
           <a:p>
             <a:r>
               <a:rPr lang="en-US" dirty="0" smtClean="0"/>
-              <a:t>This time distinction </a:t>
-            </a:r>
-            <a:r>
-              <a:rPr lang="en-US" dirty="0" smtClean="0"/>
-              <a:t>is important</a:t>
+              <a:t>This time distinction is important</a:t>
             </a:r>
             <a:r>
               <a:rPr lang="en-US" baseline="0" dirty="0" smtClean="0"/>
@@ -1386,7 +1382,15 @@
             </a:r>
             <a:r>
               <a:rPr lang="en-US" baseline="0" dirty="0" smtClean="0"/>
-              <a:t> recommend you demonstrate the available recurrence values in the UI at this time. </a:t>
+              <a:t> recommend you show </a:t>
+            </a:r>
+            <a:r>
+              <a:rPr lang="en-US" baseline="0" smtClean="0"/>
+              <a:t>the class the </a:t>
+            </a:r>
+            <a:r>
+              <a:rPr lang="en-US" baseline="0" dirty="0" smtClean="0"/>
+              <a:t>available recurrence values in the UI at this time. </a:t>
             </a:r>
             <a:endParaRPr lang="en-US" dirty="0"/>
           </a:p>
@@ -12951,15 +12955,7 @@
           <a:p>
             <a:r>
               <a:rPr lang="en-US" dirty="0" smtClean="0"/>
-              <a:t>To do so, set up a scheduled scan </a:t>
-            </a:r>
-            <a:r>
-              <a:rPr lang="en-US" dirty="0" smtClean="0"/>
-              <a:t>like you </a:t>
-            </a:r>
-            <a:r>
-              <a:rPr lang="en-US" dirty="0" smtClean="0"/>
-              <a:t>just did... </a:t>
+              <a:t>To do so, set up a scheduled scan like you just did... </a:t>
             </a:r>
           </a:p>
           <a:p>
@@ -13103,15 +13099,7 @@
           <a:p>
             <a:r>
               <a:rPr lang="en-US" dirty="0" smtClean="0"/>
-              <a:t>...but when you get to the page with the </a:t>
-            </a:r>
-            <a:r>
-              <a:rPr lang="en-US" dirty="0" smtClean="0"/>
-              <a:t>calendar (Scan nodes page), </a:t>
-            </a:r>
-            <a:r>
-              <a:rPr lang="en-US" dirty="0" smtClean="0"/>
-              <a:t>click the </a:t>
+              <a:t>...but when you get to the page with the calendar (Scan nodes page), click the </a:t>
             </a:r>
             <a:r>
               <a:rPr lang="en-US" b="1" dirty="0" smtClean="0"/>
@@ -13283,15 +13271,7 @@
           <a:p>
             <a:r>
               <a:rPr lang="en-US" dirty="0" smtClean="0"/>
-              <a:t>The </a:t>
-            </a:r>
-            <a:r>
-              <a:rPr lang="en-US" dirty="0" smtClean="0"/>
-              <a:t>list of old scheduled jobs can grow so you should delete them </a:t>
-            </a:r>
-            <a:r>
-              <a:rPr lang="en-US" dirty="0" smtClean="0"/>
-              <a:t>if you no longer need them.</a:t>
+              <a:t>The list of old scheduled jobs can grow so you should delete them if you no longer need them.</a:t>
             </a:r>
             <a:endParaRPr lang="en-US" dirty="0"/>
           </a:p>
@@ -13401,7 +13381,6 @@
               <a:rPr lang="en-US" dirty="0" smtClean="0"/>
               <a:t> button.</a:t>
             </a:r>
-            <a:endParaRPr lang="en-US" dirty="0" smtClean="0"/>
           </a:p>
           <a:p>
             <a:endParaRPr lang="en-US" dirty="0"/>
@@ -14628,11 +14607,7 @@
             </a:r>
             <a:r>
               <a:rPr lang="en-US" dirty="0" smtClean="0"/>
-              <a:t>up-to-date </a:t>
-            </a:r>
-            <a:r>
-              <a:rPr lang="en-US" dirty="0" smtClean="0"/>
-              <a:t>compliance information </a:t>
+              <a:t>up-to-date compliance information </a:t>
             </a:r>
             <a:r>
               <a:rPr lang="en-US" dirty="0"/>
@@ -14745,19 +14720,7 @@
           <a:p>
             <a:r>
               <a:rPr lang="en-US" dirty="0" smtClean="0"/>
-              <a:t>The time zone for </a:t>
-            </a:r>
-            <a:r>
-              <a:rPr lang="en-US" dirty="0" smtClean="0"/>
-              <a:t>"Date" scheduling </a:t>
-            </a:r>
-            <a:r>
-              <a:rPr lang="en-US" dirty="0" smtClean="0"/>
-              <a:t>in the Compliance web UI is based on your local workstation's browser time zone</a:t>
-            </a:r>
-            <a:r>
-              <a:rPr lang="en-US" dirty="0" smtClean="0"/>
-              <a:t>.</a:t>
+              <a:t>The time zone for "Date" scheduling in the Compliance web UI is based on your local workstation's browser time zone.</a:t>
             </a:r>
           </a:p>
           <a:p>
@@ -14791,15 +14754,7 @@
           <a:p>
             <a:r>
               <a:rPr lang="en-US" dirty="0" smtClean="0"/>
-              <a:t>The Compliance </a:t>
-            </a:r>
-            <a:r>
-              <a:rPr lang="en-US" dirty="0" smtClean="0"/>
-              <a:t>logs, should you view them, are also based </a:t>
-            </a:r>
-            <a:r>
-              <a:rPr lang="en-US" dirty="0" smtClean="0"/>
-              <a:t>on UTC.</a:t>
+              <a:t>The Compliance logs, should you view them, are also based on UTC.</a:t>
             </a:r>
             <a:endParaRPr lang="en-US" dirty="0"/>
           </a:p>
@@ -15317,7 +15272,7 @@
           <a:p>
             <a:r>
               <a:rPr lang="en-US" dirty="0" smtClean="0"/>
-              <a:t>8. Click the up arrows and set the scheduled time to 5 minutes from now and then click </a:t>
+              <a:t>8. Click the up arrow and set the scheduled time to 5 minutes from now and then click </a:t>
             </a:r>
             <a:r>
               <a:rPr lang="en-US" b="1" dirty="0" smtClean="0"/>
